--- a/WebScraping/Data Sources.pptx
+++ b/WebScraping/Data Sources.pptx
@@ -1,32 +1,35 @@
 
 <file path=ppt/presentation.xml><?xml version="1.0" encoding="utf-8"?>
-<p:presentation xmlns:a="http://schemas.openxmlformats.org/drawingml/2006/main" xmlns:r="http://schemas.openxmlformats.org/officeDocument/2006/relationships" xmlns:mc="http://schemas.openxmlformats.org/markup-compatibility/2006" xmlns:mv="urn:schemas-microsoft-com:mac:vml" xmlns:p="http://schemas.openxmlformats.org/presentationml/2006/main" xmlns:c="http://schemas.openxmlformats.org/drawingml/2006/chart" xmlns:dgm="http://schemas.openxmlformats.org/drawingml/2006/diagram" xmlns:o="urn:schemas-microsoft-com:office:office" xmlns:v="urn:schemas-microsoft-com:vml" xmlns:pvml="urn:schemas-microsoft-com:office:powerpoint" xmlns:com="http://schemas.openxmlformats.org/drawingml/2006/compatibility" xmlns:p14="http://schemas.microsoft.com/office/powerpoint/2010/main" xmlns:p15="http://schemas.microsoft.com/office/powerpoint/2012/main" xmlns:ahyp="http://schemas.microsoft.com/office/drawing/2018/hyperlinkcolor" autoCompressPictures="0" embedTrueTypeFonts="1" strictFirstAndLastChars="0" saveSubsetFonts="1">
+<p:presentation xmlns:a="http://schemas.openxmlformats.org/drawingml/2006/main" xmlns:r="http://schemas.openxmlformats.org/officeDocument/2006/relationships" xmlns:p="http://schemas.openxmlformats.org/presentationml/2006/main" strictFirstAndLastChars="0" embedTrueTypeFonts="1" saveSubsetFonts="1" autoCompressPictures="0">
   <p:sldMasterIdLst>
-    <p:sldMasterId id="2147483659" r:id="rId4"/>
+    <p:sldMasterId id="2147483659" r:id="rId1"/>
   </p:sldMasterIdLst>
   <p:notesMasterIdLst>
-    <p:notesMasterId r:id="rId5"/>
+    <p:notesMasterId r:id="rId13"/>
   </p:notesMasterIdLst>
   <p:sldIdLst>
-    <p:sldId id="256" r:id="rId6"/>
-    <p:sldId id="257" r:id="rId7"/>
-    <p:sldId id="258" r:id="rId8"/>
-    <p:sldId id="259" r:id="rId9"/>
-    <p:sldId id="260" r:id="rId10"/>
-    <p:sldId id="261" r:id="rId11"/>
-    <p:sldId id="262" r:id="rId12"/>
-    <p:sldId id="263" r:id="rId13"/>
+    <p:sldId id="256" r:id="rId2"/>
+    <p:sldId id="257" r:id="rId3"/>
+    <p:sldId id="258" r:id="rId4"/>
+    <p:sldId id="259" r:id="rId5"/>
+    <p:sldId id="260" r:id="rId6"/>
+    <p:sldId id="261" r:id="rId7"/>
+    <p:sldId id="262" r:id="rId8"/>
+    <p:sldId id="263" r:id="rId9"/>
+    <p:sldId id="264" r:id="rId10"/>
+    <p:sldId id="265" r:id="rId11"/>
+    <p:sldId id="266" r:id="rId12"/>
   </p:sldIdLst>
-  <p:sldSz cy="5143500" cx="9144000"/>
+  <p:sldSz cx="9144000" cy="5143500" type="screen16x9"/>
   <p:notesSz cx="6858000" cy="9144000"/>
   <p:embeddedFontLst>
     <p:embeddedFont>
-      <p:font typeface="Amatic SC"/>
+      <p:font typeface="Amatic SC" panose="020B0604020202020204" pitchFamily="2" charset="-79"/>
       <p:regular r:id="rId14"/>
       <p:bold r:id="rId15"/>
     </p:embeddedFont>
     <p:embeddedFont>
-      <p:font typeface="Source Code Pro"/>
+      <p:font typeface="Source Code Pro" panose="020B0509030403020204" pitchFamily="49" charset="0"/>
       <p:regular r:id="rId16"/>
       <p:bold r:id="rId17"/>
       <p:italic r:id="rId18"/>
@@ -34,7 +37,7 @@
     </p:embeddedFont>
   </p:embeddedFontLst>
   <p:defaultTextStyle>
-    <a:defPPr lvl="0" marR="0" rtl="0" algn="l">
+    <a:defPPr marR="0" lvl="0" algn="l" rtl="0">
       <a:lnSpc>
         <a:spcPct val="100000"/>
       </a:lnSpc>
@@ -45,7 +48,7 @@
         <a:spcPts val="0"/>
       </a:spcAft>
     </a:defPPr>
-    <a:lvl1pPr lvl="0" marR="0" rtl="0" algn="l">
+    <a:lvl1pPr marR="0" lvl="0" algn="l" rtl="0">
       <a:lnSpc>
         <a:spcPct val="100000"/>
       </a:lnSpc>
@@ -59,7 +62,7 @@
         <a:srgbClr val="000000"/>
       </a:buClr>
       <a:buFont typeface="Arial"/>
-      <a:defRPr b="0" i="0" sz="1400" u="none" cap="none" strike="noStrike">
+      <a:defRPr sz="1400" b="0" i="0" u="none" strike="noStrike" cap="none">
         <a:solidFill>
           <a:srgbClr val="000000"/>
         </a:solidFill>
@@ -69,7 +72,7 @@
         <a:sym typeface="Arial"/>
       </a:defRPr>
     </a:lvl1pPr>
-    <a:lvl2pPr lvl="1" marR="0" rtl="0" algn="l">
+    <a:lvl2pPr marR="0" lvl="1" algn="l" rtl="0">
       <a:lnSpc>
         <a:spcPct val="100000"/>
       </a:lnSpc>
@@ -83,7 +86,7 @@
         <a:srgbClr val="000000"/>
       </a:buClr>
       <a:buFont typeface="Arial"/>
-      <a:defRPr b="0" i="0" sz="1400" u="none" cap="none" strike="noStrike">
+      <a:defRPr sz="1400" b="0" i="0" u="none" strike="noStrike" cap="none">
         <a:solidFill>
           <a:srgbClr val="000000"/>
         </a:solidFill>
@@ -93,7 +96,7 @@
         <a:sym typeface="Arial"/>
       </a:defRPr>
     </a:lvl2pPr>
-    <a:lvl3pPr lvl="2" marR="0" rtl="0" algn="l">
+    <a:lvl3pPr marR="0" lvl="2" algn="l" rtl="0">
       <a:lnSpc>
         <a:spcPct val="100000"/>
       </a:lnSpc>
@@ -107,7 +110,7 @@
         <a:srgbClr val="000000"/>
       </a:buClr>
       <a:buFont typeface="Arial"/>
-      <a:defRPr b="0" i="0" sz="1400" u="none" cap="none" strike="noStrike">
+      <a:defRPr sz="1400" b="0" i="0" u="none" strike="noStrike" cap="none">
         <a:solidFill>
           <a:srgbClr val="000000"/>
         </a:solidFill>
@@ -117,7 +120,7 @@
         <a:sym typeface="Arial"/>
       </a:defRPr>
     </a:lvl3pPr>
-    <a:lvl4pPr lvl="3" marR="0" rtl="0" algn="l">
+    <a:lvl4pPr marR="0" lvl="3" algn="l" rtl="0">
       <a:lnSpc>
         <a:spcPct val="100000"/>
       </a:lnSpc>
@@ -131,7 +134,7 @@
         <a:srgbClr val="000000"/>
       </a:buClr>
       <a:buFont typeface="Arial"/>
-      <a:defRPr b="0" i="0" sz="1400" u="none" cap="none" strike="noStrike">
+      <a:defRPr sz="1400" b="0" i="0" u="none" strike="noStrike" cap="none">
         <a:solidFill>
           <a:srgbClr val="000000"/>
         </a:solidFill>
@@ -141,7 +144,7 @@
         <a:sym typeface="Arial"/>
       </a:defRPr>
     </a:lvl4pPr>
-    <a:lvl5pPr lvl="4" marR="0" rtl="0" algn="l">
+    <a:lvl5pPr marR="0" lvl="4" algn="l" rtl="0">
       <a:lnSpc>
         <a:spcPct val="100000"/>
       </a:lnSpc>
@@ -155,7 +158,7 @@
         <a:srgbClr val="000000"/>
       </a:buClr>
       <a:buFont typeface="Arial"/>
-      <a:defRPr b="0" i="0" sz="1400" u="none" cap="none" strike="noStrike">
+      <a:defRPr sz="1400" b="0" i="0" u="none" strike="noStrike" cap="none">
         <a:solidFill>
           <a:srgbClr val="000000"/>
         </a:solidFill>
@@ -165,7 +168,7 @@
         <a:sym typeface="Arial"/>
       </a:defRPr>
     </a:lvl5pPr>
-    <a:lvl6pPr lvl="5" marR="0" rtl="0" algn="l">
+    <a:lvl6pPr marR="0" lvl="5" algn="l" rtl="0">
       <a:lnSpc>
         <a:spcPct val="100000"/>
       </a:lnSpc>
@@ -179,7 +182,7 @@
         <a:srgbClr val="000000"/>
       </a:buClr>
       <a:buFont typeface="Arial"/>
-      <a:defRPr b="0" i="0" sz="1400" u="none" cap="none" strike="noStrike">
+      <a:defRPr sz="1400" b="0" i="0" u="none" strike="noStrike" cap="none">
         <a:solidFill>
           <a:srgbClr val="000000"/>
         </a:solidFill>
@@ -189,7 +192,7 @@
         <a:sym typeface="Arial"/>
       </a:defRPr>
     </a:lvl6pPr>
-    <a:lvl7pPr lvl="6" marR="0" rtl="0" algn="l">
+    <a:lvl7pPr marR="0" lvl="6" algn="l" rtl="0">
       <a:lnSpc>
         <a:spcPct val="100000"/>
       </a:lnSpc>
@@ -203,7 +206,7 @@
         <a:srgbClr val="000000"/>
       </a:buClr>
       <a:buFont typeface="Arial"/>
-      <a:defRPr b="0" i="0" sz="1400" u="none" cap="none" strike="noStrike">
+      <a:defRPr sz="1400" b="0" i="0" u="none" strike="noStrike" cap="none">
         <a:solidFill>
           <a:srgbClr val="000000"/>
         </a:solidFill>
@@ -213,7 +216,7 @@
         <a:sym typeface="Arial"/>
       </a:defRPr>
     </a:lvl7pPr>
-    <a:lvl8pPr lvl="7" marR="0" rtl="0" algn="l">
+    <a:lvl8pPr marR="0" lvl="7" algn="l" rtl="0">
       <a:lnSpc>
         <a:spcPct val="100000"/>
       </a:lnSpc>
@@ -227,7 +230,7 @@
         <a:srgbClr val="000000"/>
       </a:buClr>
       <a:buFont typeface="Arial"/>
-      <a:defRPr b="0" i="0" sz="1400" u="none" cap="none" strike="noStrike">
+      <a:defRPr sz="1400" b="0" i="0" u="none" strike="noStrike" cap="none">
         <a:solidFill>
           <a:srgbClr val="000000"/>
         </a:solidFill>
@@ -237,7 +240,7 @@
         <a:sym typeface="Arial"/>
       </a:defRPr>
     </a:lvl8pPr>
-    <a:lvl9pPr lvl="8" marR="0" rtl="0" algn="l">
+    <a:lvl9pPr marR="0" lvl="8" algn="l" rtl="0">
       <a:lnSpc>
         <a:spcPct val="100000"/>
       </a:lnSpc>
@@ -251,7 +254,7 @@
         <a:srgbClr val="000000"/>
       </a:buClr>
       <a:buFont typeface="Arial"/>
-      <a:defRPr b="0" i="0" sz="1400" u="none" cap="none" strike="noStrike">
+      <a:defRPr sz="1400" b="0" i="0" u="none" strike="noStrike" cap="none">
         <a:solidFill>
           <a:srgbClr val="000000"/>
         </a:solidFill>
@@ -264,7 +267,7 @@
   </p:defaultTextStyle>
   <p:extLst>
     <p:ext uri="{EFAFB233-063F-42B5-8137-9DF3F51BA10A}">
-      <p15:sldGuideLst>
+      <p15:sldGuideLst xmlns:p15="http://schemas.microsoft.com/office/powerpoint/2012/main">
         <p15:guide id="1" orient="horz" pos="1620">
           <p15:clr>
             <a:srgbClr val="A4A3A4"/>
@@ -282,11 +285,16 @@
 </file>
 
 <file path=ppt/notesMasters/notesMaster1.xml><?xml version="1.0" encoding="utf-8"?>
-<p:notesMaster xmlns:a="http://schemas.openxmlformats.org/drawingml/2006/main" xmlns:r="http://schemas.openxmlformats.org/officeDocument/2006/relationships" xmlns:mc="http://schemas.openxmlformats.org/markup-compatibility/2006" xmlns:mv="urn:schemas-microsoft-com:mac:vml" xmlns:p="http://schemas.openxmlformats.org/presentationml/2006/main" xmlns:c="http://schemas.openxmlformats.org/drawingml/2006/chart" xmlns:dgm="http://schemas.openxmlformats.org/drawingml/2006/diagram" xmlns:o="urn:schemas-microsoft-com:office:office" xmlns:v="urn:schemas-microsoft-com:vml" xmlns:pvml="urn:schemas-microsoft-com:office:powerpoint" xmlns:com="http://schemas.openxmlformats.org/drawingml/2006/compatibility" xmlns:p14="http://schemas.microsoft.com/office/powerpoint/2010/main" xmlns:p15="http://schemas.microsoft.com/office/powerpoint/2012/main" xmlns:ahyp="http://schemas.microsoft.com/office/drawing/2018/hyperlinkcolor">
+<p:notesMaster xmlns:a="http://schemas.openxmlformats.org/drawingml/2006/main" xmlns:r="http://schemas.openxmlformats.org/officeDocument/2006/relationships" xmlns:p="http://schemas.openxmlformats.org/presentationml/2006/main">
   <p:cSld>
+    <p:bg>
+      <p:bgRef idx="1001">
+        <a:schemeClr val="bg1"/>
+      </p:bgRef>
+    </p:bg>
     <p:spTree>
       <p:nvGrpSpPr>
-        <p:cNvPr id="2" name="Shape 2"/>
+        <p:cNvPr id="1" name="Shape 2"/>
         <p:cNvGrpSpPr/>
         <p:nvPr/>
       </p:nvGrpSpPr>
@@ -301,9 +309,11 @@
       <p:sp>
         <p:nvSpPr>
           <p:cNvPr id="3" name="Google Shape;3;n"/>
-          <p:cNvSpPr/>
+          <p:cNvSpPr>
+            <a:spLocks noGrp="1" noRot="1" noChangeAspect="1"/>
+          </p:cNvSpPr>
           <p:nvPr>
-            <p:ph idx="2" type="sldImg"/>
+            <p:ph type="sldImg" idx="2"/>
           </p:nvPr>
         </p:nvSpPr>
         <p:spPr>
@@ -312,9 +322,13 @@
             <a:ext cx="6096075" cy="3429000"/>
           </a:xfrm>
           <a:custGeom>
-            <a:rect b="b" l="l" r="r" t="t"/>
+            <a:avLst/>
+            <a:gdLst/>
+            <a:ahLst/>
+            <a:cxnLst/>
+            <a:rect l="l" t="t" r="r" b="b"/>
             <a:pathLst>
-              <a:path extrusionOk="0" h="120000" w="120000">
+              <a:path w="120000" h="120000" extrusionOk="0">
                 <a:moveTo>
                   <a:pt x="0" y="0"/>
                 </a:moveTo>
@@ -332,23 +346,25 @@
             </a:pathLst>
           </a:custGeom>
           <a:noFill/>
-          <a:ln cap="flat" cmpd="sng" w="9525">
+          <a:ln w="9525" cap="flat" cmpd="sng">
             <a:solidFill>
               <a:srgbClr val="000000"/>
             </a:solidFill>
             <a:prstDash val="solid"/>
             <a:round/>
-            <a:headEnd len="sm" w="sm" type="none"/>
-            <a:tailEnd len="sm" w="sm" type="none"/>
+            <a:headEnd type="none" w="sm" len="sm"/>
+            <a:tailEnd type="none" w="sm" len="sm"/>
           </a:ln>
         </p:spPr>
       </p:sp>
       <p:sp>
         <p:nvSpPr>
           <p:cNvPr id="4" name="Google Shape;4;n"/>
-          <p:cNvSpPr txBox="1"/>
+          <p:cNvSpPr txBox="1">
+            <a:spLocks noGrp="1"/>
+          </p:cNvSpPr>
           <p:nvPr>
-            <p:ph idx="1" type="body"/>
+            <p:ph type="body" idx="1"/>
           </p:nvPr>
         </p:nvSpPr>
         <p:spPr>
@@ -365,11 +381,11 @@
           </a:ln>
         </p:spPr>
         <p:txBody>
-          <a:bodyPr anchorCtr="0" anchor="t" bIns="91425" lIns="91425" spcFirstLastPara="1" rIns="91425" wrap="square" tIns="91425">
+          <a:bodyPr spcFirstLastPara="1" wrap="square" lIns="91425" tIns="91425" rIns="91425" bIns="91425" anchor="t" anchorCtr="0">
             <a:noAutofit/>
           </a:bodyPr>
           <a:lstStyle>
-            <a:lvl1pPr indent="-298450" lvl="0" marL="457200">
+            <a:lvl1pPr marL="457200" lvl="0" indent="-298450">
               <a:spcBef>
                 <a:spcPts val="0"/>
               </a:spcBef>
@@ -380,7 +396,7 @@
               <a:buChar char="●"/>
               <a:defRPr sz="1100"/>
             </a:lvl1pPr>
-            <a:lvl2pPr indent="-298450" lvl="1" marL="914400">
+            <a:lvl2pPr marL="914400" lvl="1" indent="-298450">
               <a:spcBef>
                 <a:spcPts val="0"/>
               </a:spcBef>
@@ -391,7 +407,7 @@
               <a:buChar char="○"/>
               <a:defRPr sz="1100"/>
             </a:lvl2pPr>
-            <a:lvl3pPr indent="-298450" lvl="2" marL="1371600">
+            <a:lvl3pPr marL="1371600" lvl="2" indent="-298450">
               <a:spcBef>
                 <a:spcPts val="0"/>
               </a:spcBef>
@@ -402,7 +418,7 @@
               <a:buChar char="■"/>
               <a:defRPr sz="1100"/>
             </a:lvl3pPr>
-            <a:lvl4pPr indent="-298450" lvl="3" marL="1828800">
+            <a:lvl4pPr marL="1828800" lvl="3" indent="-298450">
               <a:spcBef>
                 <a:spcPts val="0"/>
               </a:spcBef>
@@ -413,7 +429,7 @@
               <a:buChar char="●"/>
               <a:defRPr sz="1100"/>
             </a:lvl4pPr>
-            <a:lvl5pPr indent="-298450" lvl="4" marL="2286000">
+            <a:lvl5pPr marL="2286000" lvl="4" indent="-298450">
               <a:spcBef>
                 <a:spcPts val="0"/>
               </a:spcBef>
@@ -424,7 +440,7 @@
               <a:buChar char="○"/>
               <a:defRPr sz="1100"/>
             </a:lvl5pPr>
-            <a:lvl6pPr indent="-298450" lvl="5" marL="2743200">
+            <a:lvl6pPr marL="2743200" lvl="5" indent="-298450">
               <a:spcBef>
                 <a:spcPts val="0"/>
               </a:spcBef>
@@ -435,7 +451,7 @@
               <a:buChar char="■"/>
               <a:defRPr sz="1100"/>
             </a:lvl6pPr>
-            <a:lvl7pPr indent="-298450" lvl="6" marL="3200400">
+            <a:lvl7pPr marL="3200400" lvl="6" indent="-298450">
               <a:spcBef>
                 <a:spcPts val="0"/>
               </a:spcBef>
@@ -446,7 +462,7 @@
               <a:buChar char="●"/>
               <a:defRPr sz="1100"/>
             </a:lvl7pPr>
-            <a:lvl8pPr indent="-298450" lvl="7" marL="3657600">
+            <a:lvl8pPr marL="3657600" lvl="7" indent="-298450">
               <a:spcBef>
                 <a:spcPts val="0"/>
               </a:spcBef>
@@ -457,7 +473,7 @@
               <a:buChar char="○"/>
               <a:defRPr sz="1100"/>
             </a:lvl8pPr>
-            <a:lvl9pPr indent="-298450" lvl="8" marL="4114800">
+            <a:lvl9pPr marL="4114800" lvl="8" indent="-298450">
               <a:spcBef>
                 <a:spcPts val="0"/>
               </a:spcBef>
@@ -469,14 +485,16 @@
               <a:defRPr sz="1100"/>
             </a:lvl9pPr>
           </a:lstStyle>
-          <a:p/>
+          <a:p>
+            <a:endParaRPr/>
+          </a:p>
         </p:txBody>
       </p:sp>
     </p:spTree>
   </p:cSld>
-  <p:clrMap accent1="accent1" accent2="accent2" accent3="accent3" accent4="accent4" accent5="accent5" accent6="accent6" bg1="lt1" bg2="dk2" tx1="dk1" tx2="lt2" folHlink="folHlink" hlink="hlink"/>
+  <p:clrMap bg1="lt1" tx1="dk1" bg2="dk2" tx2="lt2" accent1="accent1" accent2="accent2" accent3="accent3" accent4="accent4" accent5="accent5" accent6="accent6" hlink="hlink" folHlink="folHlink"/>
   <p:notesStyle>
-    <a:defPPr lvl="0" marR="0" rtl="0" algn="l">
+    <a:defPPr marR="0" lvl="0" algn="l" rtl="0">
       <a:lnSpc>
         <a:spcPct val="100000"/>
       </a:lnSpc>
@@ -487,7 +505,7 @@
         <a:spcPts val="0"/>
       </a:spcAft>
     </a:defPPr>
-    <a:lvl1pPr lvl="0" marR="0" rtl="0" algn="l">
+    <a:lvl1pPr marR="0" lvl="0" algn="l" rtl="0">
       <a:lnSpc>
         <a:spcPct val="100000"/>
       </a:lnSpc>
@@ -501,7 +519,7 @@
         <a:srgbClr val="000000"/>
       </a:buClr>
       <a:buFont typeface="Arial"/>
-      <a:defRPr b="0" i="0" sz="1400" u="none" cap="none" strike="noStrike">
+      <a:defRPr sz="1400" b="0" i="0" u="none" strike="noStrike" cap="none">
         <a:solidFill>
           <a:srgbClr val="000000"/>
         </a:solidFill>
@@ -511,7 +529,7 @@
         <a:sym typeface="Arial"/>
       </a:defRPr>
     </a:lvl1pPr>
-    <a:lvl2pPr lvl="1" marR="0" rtl="0" algn="l">
+    <a:lvl2pPr marR="0" lvl="1" algn="l" rtl="0">
       <a:lnSpc>
         <a:spcPct val="100000"/>
       </a:lnSpc>
@@ -525,7 +543,7 @@
         <a:srgbClr val="000000"/>
       </a:buClr>
       <a:buFont typeface="Arial"/>
-      <a:defRPr b="0" i="0" sz="1400" u="none" cap="none" strike="noStrike">
+      <a:defRPr sz="1400" b="0" i="0" u="none" strike="noStrike" cap="none">
         <a:solidFill>
           <a:srgbClr val="000000"/>
         </a:solidFill>
@@ -535,7 +553,7 @@
         <a:sym typeface="Arial"/>
       </a:defRPr>
     </a:lvl2pPr>
-    <a:lvl3pPr lvl="2" marR="0" rtl="0" algn="l">
+    <a:lvl3pPr marR="0" lvl="2" algn="l" rtl="0">
       <a:lnSpc>
         <a:spcPct val="100000"/>
       </a:lnSpc>
@@ -549,7 +567,7 @@
         <a:srgbClr val="000000"/>
       </a:buClr>
       <a:buFont typeface="Arial"/>
-      <a:defRPr b="0" i="0" sz="1400" u="none" cap="none" strike="noStrike">
+      <a:defRPr sz="1400" b="0" i="0" u="none" strike="noStrike" cap="none">
         <a:solidFill>
           <a:srgbClr val="000000"/>
         </a:solidFill>
@@ -559,7 +577,7 @@
         <a:sym typeface="Arial"/>
       </a:defRPr>
     </a:lvl3pPr>
-    <a:lvl4pPr lvl="3" marR="0" rtl="0" algn="l">
+    <a:lvl4pPr marR="0" lvl="3" algn="l" rtl="0">
       <a:lnSpc>
         <a:spcPct val="100000"/>
       </a:lnSpc>
@@ -573,7 +591,7 @@
         <a:srgbClr val="000000"/>
       </a:buClr>
       <a:buFont typeface="Arial"/>
-      <a:defRPr b="0" i="0" sz="1400" u="none" cap="none" strike="noStrike">
+      <a:defRPr sz="1400" b="0" i="0" u="none" strike="noStrike" cap="none">
         <a:solidFill>
           <a:srgbClr val="000000"/>
         </a:solidFill>
@@ -583,7 +601,7 @@
         <a:sym typeface="Arial"/>
       </a:defRPr>
     </a:lvl4pPr>
-    <a:lvl5pPr lvl="4" marR="0" rtl="0" algn="l">
+    <a:lvl5pPr marR="0" lvl="4" algn="l" rtl="0">
       <a:lnSpc>
         <a:spcPct val="100000"/>
       </a:lnSpc>
@@ -597,7 +615,7 @@
         <a:srgbClr val="000000"/>
       </a:buClr>
       <a:buFont typeface="Arial"/>
-      <a:defRPr b="0" i="0" sz="1400" u="none" cap="none" strike="noStrike">
+      <a:defRPr sz="1400" b="0" i="0" u="none" strike="noStrike" cap="none">
         <a:solidFill>
           <a:srgbClr val="000000"/>
         </a:solidFill>
@@ -607,7 +625,7 @@
         <a:sym typeface="Arial"/>
       </a:defRPr>
     </a:lvl5pPr>
-    <a:lvl6pPr lvl="5" marR="0" rtl="0" algn="l">
+    <a:lvl6pPr marR="0" lvl="5" algn="l" rtl="0">
       <a:lnSpc>
         <a:spcPct val="100000"/>
       </a:lnSpc>
@@ -621,7 +639,7 @@
         <a:srgbClr val="000000"/>
       </a:buClr>
       <a:buFont typeface="Arial"/>
-      <a:defRPr b="0" i="0" sz="1400" u="none" cap="none" strike="noStrike">
+      <a:defRPr sz="1400" b="0" i="0" u="none" strike="noStrike" cap="none">
         <a:solidFill>
           <a:srgbClr val="000000"/>
         </a:solidFill>
@@ -631,7 +649,7 @@
         <a:sym typeface="Arial"/>
       </a:defRPr>
     </a:lvl6pPr>
-    <a:lvl7pPr lvl="6" marR="0" rtl="0" algn="l">
+    <a:lvl7pPr marR="0" lvl="6" algn="l" rtl="0">
       <a:lnSpc>
         <a:spcPct val="100000"/>
       </a:lnSpc>
@@ -645,7 +663,7 @@
         <a:srgbClr val="000000"/>
       </a:buClr>
       <a:buFont typeface="Arial"/>
-      <a:defRPr b="0" i="0" sz="1400" u="none" cap="none" strike="noStrike">
+      <a:defRPr sz="1400" b="0" i="0" u="none" strike="noStrike" cap="none">
         <a:solidFill>
           <a:srgbClr val="000000"/>
         </a:solidFill>
@@ -655,7 +673,7 @@
         <a:sym typeface="Arial"/>
       </a:defRPr>
     </a:lvl7pPr>
-    <a:lvl8pPr lvl="7" marR="0" rtl="0" algn="l">
+    <a:lvl8pPr marR="0" lvl="7" algn="l" rtl="0">
       <a:lnSpc>
         <a:spcPct val="100000"/>
       </a:lnSpc>
@@ -669,7 +687,7 @@
         <a:srgbClr val="000000"/>
       </a:buClr>
       <a:buFont typeface="Arial"/>
-      <a:defRPr b="0" i="0" sz="1400" u="none" cap="none" strike="noStrike">
+      <a:defRPr sz="1400" b="0" i="0" u="none" strike="noStrike" cap="none">
         <a:solidFill>
           <a:srgbClr val="000000"/>
         </a:solidFill>
@@ -679,7 +697,7 @@
         <a:sym typeface="Arial"/>
       </a:defRPr>
     </a:lvl8pPr>
-    <a:lvl9pPr lvl="8" marR="0" rtl="0" algn="l">
+    <a:lvl9pPr marR="0" lvl="8" algn="l" rtl="0">
       <a:lnSpc>
         <a:spcPct val="100000"/>
       </a:lnSpc>
@@ -693,7 +711,7 @@
         <a:srgbClr val="000000"/>
       </a:buClr>
       <a:buFont typeface="Arial"/>
-      <a:defRPr b="0" i="0" sz="1400" u="none" cap="none" strike="noStrike">
+      <a:defRPr sz="1400" b="0" i="0" u="none" strike="noStrike" cap="none">
         <a:solidFill>
           <a:srgbClr val="000000"/>
         </a:solidFill>
@@ -708,11 +726,11 @@
 </file>
 
 <file path=ppt/notesSlides/notesSlide1.xml><?xml version="1.0" encoding="utf-8"?>
-<p:notes xmlns:a="http://schemas.openxmlformats.org/drawingml/2006/main" xmlns:r="http://schemas.openxmlformats.org/officeDocument/2006/relationships" xmlns:mc="http://schemas.openxmlformats.org/markup-compatibility/2006" xmlns:mv="urn:schemas-microsoft-com:mac:vml" xmlns:p="http://schemas.openxmlformats.org/presentationml/2006/main" xmlns:c="http://schemas.openxmlformats.org/drawingml/2006/chart" xmlns:dgm="http://schemas.openxmlformats.org/drawingml/2006/diagram" xmlns:o="urn:schemas-microsoft-com:office:office" xmlns:v="urn:schemas-microsoft-com:vml" xmlns:pvml="urn:schemas-microsoft-com:office:powerpoint" xmlns:com="http://schemas.openxmlformats.org/drawingml/2006/compatibility" xmlns:p14="http://schemas.microsoft.com/office/powerpoint/2010/main" xmlns:p15="http://schemas.microsoft.com/office/powerpoint/2012/main" xmlns:ahyp="http://schemas.microsoft.com/office/drawing/2018/hyperlinkcolor" showMasterPhAnim="0" showMasterSp="0">
+<p:notes xmlns:a="http://schemas.openxmlformats.org/drawingml/2006/main" xmlns:r="http://schemas.openxmlformats.org/officeDocument/2006/relationships" xmlns:p="http://schemas.openxmlformats.org/presentationml/2006/main" showMasterSp="0" showMasterPhAnim="0">
   <p:cSld>
     <p:spTree>
       <p:nvGrpSpPr>
-        <p:cNvPr id="52" name="Shape 52"/>
+        <p:cNvPr id="1" name="Shape 52"/>
         <p:cNvGrpSpPr/>
         <p:nvPr/>
       </p:nvGrpSpPr>
@@ -727,9 +745,11 @@
       <p:sp>
         <p:nvSpPr>
           <p:cNvPr id="53" name="Google Shape;53;p:notes"/>
-          <p:cNvSpPr/>
+          <p:cNvSpPr>
+            <a:spLocks noGrp="1" noRot="1" noChangeAspect="1"/>
+          </p:cNvSpPr>
           <p:nvPr>
-            <p:ph idx="2" type="sldImg"/>
+            <p:ph type="sldImg" idx="2"/>
           </p:nvPr>
         </p:nvSpPr>
         <p:spPr>
@@ -738,9 +758,13 @@
             <a:ext cx="6096075" cy="3429000"/>
           </a:xfrm>
           <a:custGeom>
-            <a:rect b="b" l="l" r="r" t="t"/>
+            <a:avLst/>
+            <a:gdLst/>
+            <a:ahLst/>
+            <a:cxnLst/>
+            <a:rect l="l" t="t" r="r" b="b"/>
             <a:pathLst>
-              <a:path extrusionOk="0" h="120000" w="120000">
+              <a:path w="120000" h="120000" extrusionOk="0">
                 <a:moveTo>
                   <a:pt x="0" y="0"/>
                 </a:moveTo>
@@ -762,9 +786,11 @@
       <p:sp>
         <p:nvSpPr>
           <p:cNvPr id="54" name="Google Shape;54;p:notes"/>
-          <p:cNvSpPr txBox="1"/>
+          <p:cNvSpPr txBox="1">
+            <a:spLocks noGrp="1"/>
+          </p:cNvSpPr>
           <p:nvPr>
-            <p:ph idx="1" type="body"/>
+            <p:ph type="body" idx="1"/>
           </p:nvPr>
         </p:nvSpPr>
         <p:spPr>
@@ -777,12 +803,12 @@
           </a:prstGeom>
         </p:spPr>
         <p:txBody>
-          <a:bodyPr anchorCtr="0" anchor="t" bIns="91425" lIns="91425" spcFirstLastPara="1" rIns="91425" wrap="square" tIns="91425">
+          <a:bodyPr spcFirstLastPara="1" wrap="square" lIns="91425" tIns="91425" rIns="91425" bIns="91425" anchor="t" anchorCtr="0">
             <a:noAutofit/>
           </a:bodyPr>
           <a:lstStyle/>
           <a:p>
-            <a:pPr indent="0" lvl="0" marL="0" rtl="0" algn="l">
+            <a:pPr marL="0" lvl="0" indent="0" algn="l" rtl="0">
               <a:spcBef>
                 <a:spcPts val="0"/>
               </a:spcBef>
@@ -791,9 +817,6 @@
               </a:spcAft>
               <a:buNone/>
             </a:pPr>
-            <a:r>
-              <a:t/>
-            </a:r>
             <a:endParaRPr/>
           </a:p>
         </p:txBody>
@@ -806,12 +829,230 @@
 </p:notes>
 </file>
 
-<file path=ppt/notesSlides/notesSlide2.xml><?xml version="1.0" encoding="utf-8"?>
-<p:notes xmlns:a="http://schemas.openxmlformats.org/drawingml/2006/main" xmlns:r="http://schemas.openxmlformats.org/officeDocument/2006/relationships" xmlns:mc="http://schemas.openxmlformats.org/markup-compatibility/2006" xmlns:mv="urn:schemas-microsoft-com:mac:vml" xmlns:p="http://schemas.openxmlformats.org/presentationml/2006/main" xmlns:c="http://schemas.openxmlformats.org/drawingml/2006/chart" xmlns:dgm="http://schemas.openxmlformats.org/drawingml/2006/diagram" xmlns:o="urn:schemas-microsoft-com:office:office" xmlns:v="urn:schemas-microsoft-com:vml" xmlns:pvml="urn:schemas-microsoft-com:office:powerpoint" xmlns:com="http://schemas.openxmlformats.org/drawingml/2006/compatibility" xmlns:p14="http://schemas.microsoft.com/office/powerpoint/2010/main" xmlns:p15="http://schemas.microsoft.com/office/powerpoint/2012/main" xmlns:ahyp="http://schemas.microsoft.com/office/drawing/2018/hyperlinkcolor" showMasterPhAnim="0" showMasterSp="0">
+<file path=ppt/notesSlides/notesSlide10.xml><?xml version="1.0" encoding="utf-8"?>
+<p:notes xmlns:a="http://schemas.openxmlformats.org/drawingml/2006/main" xmlns:r="http://schemas.openxmlformats.org/officeDocument/2006/relationships" xmlns:p="http://schemas.openxmlformats.org/presentationml/2006/main" showMasterSp="0" showMasterPhAnim="0">
   <p:cSld>
     <p:spTree>
       <p:nvGrpSpPr>
-        <p:cNvPr id="58" name="Shape 58"/>
+        <p:cNvPr id="1" name="Shape 93"/>
+        <p:cNvGrpSpPr/>
+        <p:nvPr/>
+      </p:nvGrpSpPr>
+      <p:grpSpPr>
+        <a:xfrm>
+          <a:off x="0" y="0"/>
+          <a:ext cx="0" cy="0"/>
+          <a:chOff x="0" y="0"/>
+          <a:chExt cx="0" cy="0"/>
+        </a:xfrm>
+      </p:grpSpPr>
+      <p:sp>
+        <p:nvSpPr>
+          <p:cNvPr id="94" name="Google Shape;94;g10164e3f6e5_0_9:notes"/>
+          <p:cNvSpPr>
+            <a:spLocks noGrp="1" noRot="1" noChangeAspect="1"/>
+          </p:cNvSpPr>
+          <p:nvPr>
+            <p:ph type="sldImg" idx="2"/>
+          </p:nvPr>
+        </p:nvSpPr>
+        <p:spPr>
+          <a:xfrm>
+            <a:off x="381000" y="685800"/>
+            <a:ext cx="6096000" cy="3429000"/>
+          </a:xfrm>
+          <a:custGeom>
+            <a:avLst/>
+            <a:gdLst/>
+            <a:ahLst/>
+            <a:cxnLst/>
+            <a:rect l="l" t="t" r="r" b="b"/>
+            <a:pathLst>
+              <a:path w="120000" h="120000" extrusionOk="0">
+                <a:moveTo>
+                  <a:pt x="0" y="0"/>
+                </a:moveTo>
+                <a:lnTo>
+                  <a:pt x="120000" y="0"/>
+                </a:lnTo>
+                <a:lnTo>
+                  <a:pt x="120000" y="120000"/>
+                </a:lnTo>
+                <a:lnTo>
+                  <a:pt x="0" y="120000"/>
+                </a:lnTo>
+                <a:close/>
+              </a:path>
+            </a:pathLst>
+          </a:custGeom>
+        </p:spPr>
+      </p:sp>
+      <p:sp>
+        <p:nvSpPr>
+          <p:cNvPr id="95" name="Google Shape;95;g10164e3f6e5_0_9:notes"/>
+          <p:cNvSpPr txBox="1">
+            <a:spLocks noGrp="1"/>
+          </p:cNvSpPr>
+          <p:nvPr>
+            <p:ph type="body" idx="1"/>
+          </p:nvPr>
+        </p:nvSpPr>
+        <p:spPr>
+          <a:xfrm>
+            <a:off x="685800" y="4343400"/>
+            <a:ext cx="5486400" cy="4114800"/>
+          </a:xfrm>
+          <a:prstGeom prst="rect">
+            <a:avLst/>
+          </a:prstGeom>
+        </p:spPr>
+        <p:txBody>
+          <a:bodyPr spcFirstLastPara="1" wrap="square" lIns="91425" tIns="91425" rIns="91425" bIns="91425" anchor="t" anchorCtr="0">
+            <a:noAutofit/>
+          </a:bodyPr>
+          <a:lstStyle/>
+          <a:p>
+            <a:pPr marL="0" lvl="0" indent="0" algn="l" rtl="0">
+              <a:spcBef>
+                <a:spcPts val="0"/>
+              </a:spcBef>
+              <a:spcAft>
+                <a:spcPts val="0"/>
+              </a:spcAft>
+              <a:buNone/>
+            </a:pPr>
+            <a:endParaRPr/>
+          </a:p>
+        </p:txBody>
+      </p:sp>
+    </p:spTree>
+    <p:extLst>
+      <p:ext uri="{BB962C8B-B14F-4D97-AF65-F5344CB8AC3E}">
+        <p14:creationId xmlns:p14="http://schemas.microsoft.com/office/powerpoint/2010/main" val="2966727491"/>
+      </p:ext>
+    </p:extLst>
+  </p:cSld>
+  <p:clrMapOvr>
+    <a:masterClrMapping/>
+  </p:clrMapOvr>
+</p:notes>
+</file>
+
+<file path=ppt/notesSlides/notesSlide11.xml><?xml version="1.0" encoding="utf-8"?>
+<p:notes xmlns:a="http://schemas.openxmlformats.org/drawingml/2006/main" xmlns:r="http://schemas.openxmlformats.org/officeDocument/2006/relationships" xmlns:p="http://schemas.openxmlformats.org/presentationml/2006/main" showMasterSp="0" showMasterPhAnim="0">
+  <p:cSld>
+    <p:spTree>
+      <p:nvGrpSpPr>
+        <p:cNvPr id="1" name="Shape 93"/>
+        <p:cNvGrpSpPr/>
+        <p:nvPr/>
+      </p:nvGrpSpPr>
+      <p:grpSpPr>
+        <a:xfrm>
+          <a:off x="0" y="0"/>
+          <a:ext cx="0" cy="0"/>
+          <a:chOff x="0" y="0"/>
+          <a:chExt cx="0" cy="0"/>
+        </a:xfrm>
+      </p:grpSpPr>
+      <p:sp>
+        <p:nvSpPr>
+          <p:cNvPr id="94" name="Google Shape;94;g10164e3f6e5_0_9:notes"/>
+          <p:cNvSpPr>
+            <a:spLocks noGrp="1" noRot="1" noChangeAspect="1"/>
+          </p:cNvSpPr>
+          <p:nvPr>
+            <p:ph type="sldImg" idx="2"/>
+          </p:nvPr>
+        </p:nvSpPr>
+        <p:spPr>
+          <a:xfrm>
+            <a:off x="381000" y="685800"/>
+            <a:ext cx="6096000" cy="3429000"/>
+          </a:xfrm>
+          <a:custGeom>
+            <a:avLst/>
+            <a:gdLst/>
+            <a:ahLst/>
+            <a:cxnLst/>
+            <a:rect l="l" t="t" r="r" b="b"/>
+            <a:pathLst>
+              <a:path w="120000" h="120000" extrusionOk="0">
+                <a:moveTo>
+                  <a:pt x="0" y="0"/>
+                </a:moveTo>
+                <a:lnTo>
+                  <a:pt x="120000" y="0"/>
+                </a:lnTo>
+                <a:lnTo>
+                  <a:pt x="120000" y="120000"/>
+                </a:lnTo>
+                <a:lnTo>
+                  <a:pt x="0" y="120000"/>
+                </a:lnTo>
+                <a:close/>
+              </a:path>
+            </a:pathLst>
+          </a:custGeom>
+        </p:spPr>
+      </p:sp>
+      <p:sp>
+        <p:nvSpPr>
+          <p:cNvPr id="95" name="Google Shape;95;g10164e3f6e5_0_9:notes"/>
+          <p:cNvSpPr txBox="1">
+            <a:spLocks noGrp="1"/>
+          </p:cNvSpPr>
+          <p:nvPr>
+            <p:ph type="body" idx="1"/>
+          </p:nvPr>
+        </p:nvSpPr>
+        <p:spPr>
+          <a:xfrm>
+            <a:off x="685800" y="4343400"/>
+            <a:ext cx="5486400" cy="4114800"/>
+          </a:xfrm>
+          <a:prstGeom prst="rect">
+            <a:avLst/>
+          </a:prstGeom>
+        </p:spPr>
+        <p:txBody>
+          <a:bodyPr spcFirstLastPara="1" wrap="square" lIns="91425" tIns="91425" rIns="91425" bIns="91425" anchor="t" anchorCtr="0">
+            <a:noAutofit/>
+          </a:bodyPr>
+          <a:lstStyle/>
+          <a:p>
+            <a:pPr marL="0" lvl="0" indent="0" algn="l" rtl="0">
+              <a:spcBef>
+                <a:spcPts val="0"/>
+              </a:spcBef>
+              <a:spcAft>
+                <a:spcPts val="0"/>
+              </a:spcAft>
+              <a:buNone/>
+            </a:pPr>
+            <a:endParaRPr/>
+          </a:p>
+        </p:txBody>
+      </p:sp>
+    </p:spTree>
+    <p:extLst>
+      <p:ext uri="{BB962C8B-B14F-4D97-AF65-F5344CB8AC3E}">
+        <p14:creationId xmlns:p14="http://schemas.microsoft.com/office/powerpoint/2010/main" val="2899730279"/>
+      </p:ext>
+    </p:extLst>
+  </p:cSld>
+  <p:clrMapOvr>
+    <a:masterClrMapping/>
+  </p:clrMapOvr>
+</p:notes>
+</file>
+
+<file path=ppt/notesSlides/notesSlide2.xml><?xml version="1.0" encoding="utf-8"?>
+<p:notes xmlns:a="http://schemas.openxmlformats.org/drawingml/2006/main" xmlns:r="http://schemas.openxmlformats.org/officeDocument/2006/relationships" xmlns:p="http://schemas.openxmlformats.org/presentationml/2006/main" showMasterSp="0" showMasterPhAnim="0">
+  <p:cSld>
+    <p:spTree>
+      <p:nvGrpSpPr>
+        <p:cNvPr id="1" name="Shape 58"/>
         <p:cNvGrpSpPr/>
         <p:nvPr/>
       </p:nvGrpSpPr>
@@ -826,20 +1067,26 @@
       <p:sp>
         <p:nvSpPr>
           <p:cNvPr id="59" name="Google Shape;59;gfa6c544208_0_47:notes"/>
-          <p:cNvSpPr/>
+          <p:cNvSpPr>
+            <a:spLocks noGrp="1" noRot="1" noChangeAspect="1"/>
+          </p:cNvSpPr>
           <p:nvPr>
-            <p:ph idx="2" type="sldImg"/>
+            <p:ph type="sldImg" idx="2"/>
           </p:nvPr>
         </p:nvSpPr>
         <p:spPr>
           <a:xfrm>
-            <a:off x="381300" y="685800"/>
+            <a:off x="381000" y="685800"/>
             <a:ext cx="6096000" cy="3429000"/>
           </a:xfrm>
           <a:custGeom>
-            <a:rect b="b" l="l" r="r" t="t"/>
+            <a:avLst/>
+            <a:gdLst/>
+            <a:ahLst/>
+            <a:cxnLst/>
+            <a:rect l="l" t="t" r="r" b="b"/>
             <a:pathLst>
-              <a:path extrusionOk="0" h="120000" w="120000">
+              <a:path w="120000" h="120000" extrusionOk="0">
                 <a:moveTo>
                   <a:pt x="0" y="0"/>
                 </a:moveTo>
@@ -861,9 +1108,11 @@
       <p:sp>
         <p:nvSpPr>
           <p:cNvPr id="60" name="Google Shape;60;gfa6c544208_0_47:notes"/>
-          <p:cNvSpPr txBox="1"/>
+          <p:cNvSpPr txBox="1">
+            <a:spLocks noGrp="1"/>
+          </p:cNvSpPr>
           <p:nvPr>
-            <p:ph idx="1" type="body"/>
+            <p:ph type="body" idx="1"/>
           </p:nvPr>
         </p:nvSpPr>
         <p:spPr>
@@ -876,12 +1125,12 @@
           </a:prstGeom>
         </p:spPr>
         <p:txBody>
-          <a:bodyPr anchorCtr="0" anchor="t" bIns="91425" lIns="91425" spcFirstLastPara="1" rIns="91425" wrap="square" tIns="91425">
+          <a:bodyPr spcFirstLastPara="1" wrap="square" lIns="91425" tIns="91425" rIns="91425" bIns="91425" anchor="t" anchorCtr="0">
             <a:noAutofit/>
           </a:bodyPr>
           <a:lstStyle/>
           <a:p>
-            <a:pPr indent="0" lvl="0" marL="0" rtl="0" algn="l">
+            <a:pPr marL="0" lvl="0" indent="0" algn="l" rtl="0">
               <a:spcBef>
                 <a:spcPts val="0"/>
               </a:spcBef>
@@ -890,9 +1139,6 @@
               </a:spcAft>
               <a:buNone/>
             </a:pPr>
-            <a:r>
-              <a:t/>
-            </a:r>
             <a:endParaRPr/>
           </a:p>
         </p:txBody>
@@ -906,11 +1152,11 @@
 </file>
 
 <file path=ppt/notesSlides/notesSlide3.xml><?xml version="1.0" encoding="utf-8"?>
-<p:notes xmlns:a="http://schemas.openxmlformats.org/drawingml/2006/main" xmlns:r="http://schemas.openxmlformats.org/officeDocument/2006/relationships" xmlns:mc="http://schemas.openxmlformats.org/markup-compatibility/2006" xmlns:mv="urn:schemas-microsoft-com:mac:vml" xmlns:p="http://schemas.openxmlformats.org/presentationml/2006/main" xmlns:c="http://schemas.openxmlformats.org/drawingml/2006/chart" xmlns:dgm="http://schemas.openxmlformats.org/drawingml/2006/diagram" xmlns:o="urn:schemas-microsoft-com:office:office" xmlns:v="urn:schemas-microsoft-com:vml" xmlns:pvml="urn:schemas-microsoft-com:office:powerpoint" xmlns:com="http://schemas.openxmlformats.org/drawingml/2006/compatibility" xmlns:p14="http://schemas.microsoft.com/office/powerpoint/2010/main" xmlns:p15="http://schemas.microsoft.com/office/powerpoint/2012/main" xmlns:ahyp="http://schemas.microsoft.com/office/drawing/2018/hyperlinkcolor" showMasterPhAnim="0" showMasterSp="0">
+<p:notes xmlns:a="http://schemas.openxmlformats.org/drawingml/2006/main" xmlns:r="http://schemas.openxmlformats.org/officeDocument/2006/relationships" xmlns:p="http://schemas.openxmlformats.org/presentationml/2006/main" showMasterSp="0" showMasterPhAnim="0">
   <p:cSld>
     <p:spTree>
       <p:nvGrpSpPr>
-        <p:cNvPr id="64" name="Shape 64"/>
+        <p:cNvPr id="1" name="Shape 64"/>
         <p:cNvGrpSpPr/>
         <p:nvPr/>
       </p:nvGrpSpPr>
@@ -925,9 +1171,11 @@
       <p:sp>
         <p:nvSpPr>
           <p:cNvPr id="65" name="Google Shape;65;g10164e3f6e5_0_54:notes"/>
-          <p:cNvSpPr/>
+          <p:cNvSpPr>
+            <a:spLocks noGrp="1" noRot="1" noChangeAspect="1"/>
+          </p:cNvSpPr>
           <p:nvPr>
-            <p:ph idx="2" type="sldImg"/>
+            <p:ph type="sldImg" idx="2"/>
           </p:nvPr>
         </p:nvSpPr>
         <p:spPr>
@@ -936,9 +1184,13 @@
             <a:ext cx="6096000" cy="3429000"/>
           </a:xfrm>
           <a:custGeom>
-            <a:rect b="b" l="l" r="r" t="t"/>
+            <a:avLst/>
+            <a:gdLst/>
+            <a:ahLst/>
+            <a:cxnLst/>
+            <a:rect l="l" t="t" r="r" b="b"/>
             <a:pathLst>
-              <a:path extrusionOk="0" h="120000" w="120000">
+              <a:path w="120000" h="120000" extrusionOk="0">
                 <a:moveTo>
                   <a:pt x="0" y="0"/>
                 </a:moveTo>
@@ -960,9 +1212,11 @@
       <p:sp>
         <p:nvSpPr>
           <p:cNvPr id="66" name="Google Shape;66;g10164e3f6e5_0_54:notes"/>
-          <p:cNvSpPr txBox="1"/>
+          <p:cNvSpPr txBox="1">
+            <a:spLocks noGrp="1"/>
+          </p:cNvSpPr>
           <p:nvPr>
-            <p:ph idx="1" type="body"/>
+            <p:ph type="body" idx="1"/>
           </p:nvPr>
         </p:nvSpPr>
         <p:spPr>
@@ -975,12 +1229,12 @@
           </a:prstGeom>
         </p:spPr>
         <p:txBody>
-          <a:bodyPr anchorCtr="0" anchor="t" bIns="91425" lIns="91425" spcFirstLastPara="1" rIns="91425" wrap="square" tIns="91425">
+          <a:bodyPr spcFirstLastPara="1" wrap="square" lIns="91425" tIns="91425" rIns="91425" bIns="91425" anchor="t" anchorCtr="0">
             <a:noAutofit/>
           </a:bodyPr>
           <a:lstStyle/>
           <a:p>
-            <a:pPr indent="0" lvl="0" marL="0" rtl="0" algn="l">
+            <a:pPr marL="0" lvl="0" indent="0" algn="l" rtl="0">
               <a:spcBef>
                 <a:spcPts val="0"/>
               </a:spcBef>
@@ -989,9 +1243,6 @@
               </a:spcAft>
               <a:buNone/>
             </a:pPr>
-            <a:r>
-              <a:t/>
-            </a:r>
             <a:endParaRPr/>
           </a:p>
         </p:txBody>
@@ -1005,11 +1256,11 @@
 </file>
 
 <file path=ppt/notesSlides/notesSlide4.xml><?xml version="1.0" encoding="utf-8"?>
-<p:notes xmlns:a="http://schemas.openxmlformats.org/drawingml/2006/main" xmlns:r="http://schemas.openxmlformats.org/officeDocument/2006/relationships" xmlns:mc="http://schemas.openxmlformats.org/markup-compatibility/2006" xmlns:mv="urn:schemas-microsoft-com:mac:vml" xmlns:p="http://schemas.openxmlformats.org/presentationml/2006/main" xmlns:c="http://schemas.openxmlformats.org/drawingml/2006/chart" xmlns:dgm="http://schemas.openxmlformats.org/drawingml/2006/diagram" xmlns:o="urn:schemas-microsoft-com:office:office" xmlns:v="urn:schemas-microsoft-com:vml" xmlns:pvml="urn:schemas-microsoft-com:office:powerpoint" xmlns:com="http://schemas.openxmlformats.org/drawingml/2006/compatibility" xmlns:p14="http://schemas.microsoft.com/office/powerpoint/2010/main" xmlns:p15="http://schemas.microsoft.com/office/powerpoint/2012/main" xmlns:ahyp="http://schemas.microsoft.com/office/drawing/2018/hyperlinkcolor" showMasterPhAnim="0" showMasterSp="0">
+<p:notes xmlns:a="http://schemas.openxmlformats.org/drawingml/2006/main" xmlns:r="http://schemas.openxmlformats.org/officeDocument/2006/relationships" xmlns:p="http://schemas.openxmlformats.org/presentationml/2006/main" showMasterSp="0" showMasterPhAnim="0">
   <p:cSld>
     <p:spTree>
       <p:nvGrpSpPr>
-        <p:cNvPr id="69" name="Shape 69"/>
+        <p:cNvPr id="1" name="Shape 69"/>
         <p:cNvGrpSpPr/>
         <p:nvPr/>
       </p:nvGrpSpPr>
@@ -1024,9 +1275,11 @@
       <p:sp>
         <p:nvSpPr>
           <p:cNvPr id="70" name="Google Shape;70;g10164e3f6e5_0_1:notes"/>
-          <p:cNvSpPr/>
+          <p:cNvSpPr>
+            <a:spLocks noGrp="1" noRot="1" noChangeAspect="1"/>
+          </p:cNvSpPr>
           <p:nvPr>
-            <p:ph idx="2" type="sldImg"/>
+            <p:ph type="sldImg" idx="2"/>
           </p:nvPr>
         </p:nvSpPr>
         <p:spPr>
@@ -1035,9 +1288,13 @@
             <a:ext cx="6096000" cy="3429000"/>
           </a:xfrm>
           <a:custGeom>
-            <a:rect b="b" l="l" r="r" t="t"/>
+            <a:avLst/>
+            <a:gdLst/>
+            <a:ahLst/>
+            <a:cxnLst/>
+            <a:rect l="l" t="t" r="r" b="b"/>
             <a:pathLst>
-              <a:path extrusionOk="0" h="120000" w="120000">
+              <a:path w="120000" h="120000" extrusionOk="0">
                 <a:moveTo>
                   <a:pt x="0" y="0"/>
                 </a:moveTo>
@@ -1059,9 +1316,11 @@
       <p:sp>
         <p:nvSpPr>
           <p:cNvPr id="71" name="Google Shape;71;g10164e3f6e5_0_1:notes"/>
-          <p:cNvSpPr txBox="1"/>
+          <p:cNvSpPr txBox="1">
+            <a:spLocks noGrp="1"/>
+          </p:cNvSpPr>
           <p:nvPr>
-            <p:ph idx="1" type="body"/>
+            <p:ph type="body" idx="1"/>
           </p:nvPr>
         </p:nvSpPr>
         <p:spPr>
@@ -1074,12 +1333,12 @@
           </a:prstGeom>
         </p:spPr>
         <p:txBody>
-          <a:bodyPr anchorCtr="0" anchor="t" bIns="91425" lIns="91425" spcFirstLastPara="1" rIns="91425" wrap="square" tIns="91425">
+          <a:bodyPr spcFirstLastPara="1" wrap="square" lIns="91425" tIns="91425" rIns="91425" bIns="91425" anchor="t" anchorCtr="0">
             <a:noAutofit/>
           </a:bodyPr>
           <a:lstStyle/>
           <a:p>
-            <a:pPr indent="0" lvl="0" marL="0" rtl="0" algn="l">
+            <a:pPr marL="0" lvl="0" indent="0" algn="l" rtl="0">
               <a:spcBef>
                 <a:spcPts val="0"/>
               </a:spcBef>
@@ -1088,9 +1347,6 @@
               </a:spcAft>
               <a:buNone/>
             </a:pPr>
-            <a:r>
-              <a:t/>
-            </a:r>
             <a:endParaRPr/>
           </a:p>
         </p:txBody>
@@ -1104,11 +1360,11 @@
 </file>
 
 <file path=ppt/notesSlides/notesSlide5.xml><?xml version="1.0" encoding="utf-8"?>
-<p:notes xmlns:a="http://schemas.openxmlformats.org/drawingml/2006/main" xmlns:r="http://schemas.openxmlformats.org/officeDocument/2006/relationships" xmlns:mc="http://schemas.openxmlformats.org/markup-compatibility/2006" xmlns:mv="urn:schemas-microsoft-com:mac:vml" xmlns:p="http://schemas.openxmlformats.org/presentationml/2006/main" xmlns:c="http://schemas.openxmlformats.org/drawingml/2006/chart" xmlns:dgm="http://schemas.openxmlformats.org/drawingml/2006/diagram" xmlns:o="urn:schemas-microsoft-com:office:office" xmlns:v="urn:schemas-microsoft-com:vml" xmlns:pvml="urn:schemas-microsoft-com:office:powerpoint" xmlns:com="http://schemas.openxmlformats.org/drawingml/2006/compatibility" xmlns:p14="http://schemas.microsoft.com/office/powerpoint/2010/main" xmlns:p15="http://schemas.microsoft.com/office/powerpoint/2012/main" xmlns:ahyp="http://schemas.microsoft.com/office/drawing/2018/hyperlinkcolor" showMasterPhAnim="0" showMasterSp="0">
+<p:notes xmlns:a="http://schemas.openxmlformats.org/drawingml/2006/main" xmlns:r="http://schemas.openxmlformats.org/officeDocument/2006/relationships" xmlns:p="http://schemas.openxmlformats.org/presentationml/2006/main" showMasterSp="0" showMasterPhAnim="0">
   <p:cSld>
     <p:spTree>
       <p:nvGrpSpPr>
-        <p:cNvPr id="75" name="Shape 75"/>
+        <p:cNvPr id="1" name="Shape 75"/>
         <p:cNvGrpSpPr/>
         <p:nvPr/>
       </p:nvGrpSpPr>
@@ -1123,9 +1379,11 @@
       <p:sp>
         <p:nvSpPr>
           <p:cNvPr id="76" name="Google Shape;76;g10164e3f6e5_0_18:notes"/>
-          <p:cNvSpPr/>
+          <p:cNvSpPr>
+            <a:spLocks noGrp="1" noRot="1" noChangeAspect="1"/>
+          </p:cNvSpPr>
           <p:nvPr>
-            <p:ph idx="2" type="sldImg"/>
+            <p:ph type="sldImg" idx="2"/>
           </p:nvPr>
         </p:nvSpPr>
         <p:spPr>
@@ -1134,9 +1392,13 @@
             <a:ext cx="6096000" cy="3429000"/>
           </a:xfrm>
           <a:custGeom>
-            <a:rect b="b" l="l" r="r" t="t"/>
+            <a:avLst/>
+            <a:gdLst/>
+            <a:ahLst/>
+            <a:cxnLst/>
+            <a:rect l="l" t="t" r="r" b="b"/>
             <a:pathLst>
-              <a:path extrusionOk="0" h="120000" w="120000">
+              <a:path w="120000" h="120000" extrusionOk="0">
                 <a:moveTo>
                   <a:pt x="0" y="0"/>
                 </a:moveTo>
@@ -1158,9 +1420,11 @@
       <p:sp>
         <p:nvSpPr>
           <p:cNvPr id="77" name="Google Shape;77;g10164e3f6e5_0_18:notes"/>
-          <p:cNvSpPr txBox="1"/>
+          <p:cNvSpPr txBox="1">
+            <a:spLocks noGrp="1"/>
+          </p:cNvSpPr>
           <p:nvPr>
-            <p:ph idx="1" type="body"/>
+            <p:ph type="body" idx="1"/>
           </p:nvPr>
         </p:nvSpPr>
         <p:spPr>
@@ -1173,12 +1437,12 @@
           </a:prstGeom>
         </p:spPr>
         <p:txBody>
-          <a:bodyPr anchorCtr="0" anchor="t" bIns="91425" lIns="91425" spcFirstLastPara="1" rIns="91425" wrap="square" tIns="91425">
+          <a:bodyPr spcFirstLastPara="1" wrap="square" lIns="91425" tIns="91425" rIns="91425" bIns="91425" anchor="t" anchorCtr="0">
             <a:noAutofit/>
           </a:bodyPr>
           <a:lstStyle/>
           <a:p>
-            <a:pPr indent="0" lvl="0" marL="0" rtl="0" algn="l">
+            <a:pPr marL="0" lvl="0" indent="0" algn="l" rtl="0">
               <a:spcBef>
                 <a:spcPts val="0"/>
               </a:spcBef>
@@ -1187,9 +1451,6 @@
               </a:spcAft>
               <a:buNone/>
             </a:pPr>
-            <a:r>
-              <a:t/>
-            </a:r>
             <a:endParaRPr/>
           </a:p>
         </p:txBody>
@@ -1203,11 +1464,11 @@
 </file>
 
 <file path=ppt/notesSlides/notesSlide6.xml><?xml version="1.0" encoding="utf-8"?>
-<p:notes xmlns:a="http://schemas.openxmlformats.org/drawingml/2006/main" xmlns:r="http://schemas.openxmlformats.org/officeDocument/2006/relationships" xmlns:mc="http://schemas.openxmlformats.org/markup-compatibility/2006" xmlns:mv="urn:schemas-microsoft-com:mac:vml" xmlns:p="http://schemas.openxmlformats.org/presentationml/2006/main" xmlns:c="http://schemas.openxmlformats.org/drawingml/2006/chart" xmlns:dgm="http://schemas.openxmlformats.org/drawingml/2006/diagram" xmlns:o="urn:schemas-microsoft-com:office:office" xmlns:v="urn:schemas-microsoft-com:vml" xmlns:pvml="urn:schemas-microsoft-com:office:powerpoint" xmlns:com="http://schemas.openxmlformats.org/drawingml/2006/compatibility" xmlns:p14="http://schemas.microsoft.com/office/powerpoint/2010/main" xmlns:p15="http://schemas.microsoft.com/office/powerpoint/2012/main" xmlns:ahyp="http://schemas.microsoft.com/office/drawing/2018/hyperlinkcolor" showMasterPhAnim="0" showMasterSp="0">
+<p:notes xmlns:a="http://schemas.openxmlformats.org/drawingml/2006/main" xmlns:r="http://schemas.openxmlformats.org/officeDocument/2006/relationships" xmlns:p="http://schemas.openxmlformats.org/presentationml/2006/main" showMasterSp="0" showMasterPhAnim="0">
   <p:cSld>
     <p:spTree>
       <p:nvGrpSpPr>
-        <p:cNvPr id="81" name="Shape 81"/>
+        <p:cNvPr id="1" name="Shape 81"/>
         <p:cNvGrpSpPr/>
         <p:nvPr/>
       </p:nvGrpSpPr>
@@ -1222,9 +1483,11 @@
       <p:sp>
         <p:nvSpPr>
           <p:cNvPr id="82" name="Google Shape;82;g10164e3f6e5_0_24:notes"/>
-          <p:cNvSpPr/>
+          <p:cNvSpPr>
+            <a:spLocks noGrp="1" noRot="1" noChangeAspect="1"/>
+          </p:cNvSpPr>
           <p:nvPr>
-            <p:ph idx="2" type="sldImg"/>
+            <p:ph type="sldImg" idx="2"/>
           </p:nvPr>
         </p:nvSpPr>
         <p:spPr>
@@ -1233,9 +1496,13 @@
             <a:ext cx="6096000" cy="3429000"/>
           </a:xfrm>
           <a:custGeom>
-            <a:rect b="b" l="l" r="r" t="t"/>
+            <a:avLst/>
+            <a:gdLst/>
+            <a:ahLst/>
+            <a:cxnLst/>
+            <a:rect l="l" t="t" r="r" b="b"/>
             <a:pathLst>
-              <a:path extrusionOk="0" h="120000" w="120000">
+              <a:path w="120000" h="120000" extrusionOk="0">
                 <a:moveTo>
                   <a:pt x="0" y="0"/>
                 </a:moveTo>
@@ -1257,9 +1524,11 @@
       <p:sp>
         <p:nvSpPr>
           <p:cNvPr id="83" name="Google Shape;83;g10164e3f6e5_0_24:notes"/>
-          <p:cNvSpPr txBox="1"/>
+          <p:cNvSpPr txBox="1">
+            <a:spLocks noGrp="1"/>
+          </p:cNvSpPr>
           <p:nvPr>
-            <p:ph idx="1" type="body"/>
+            <p:ph type="body" idx="1"/>
           </p:nvPr>
         </p:nvSpPr>
         <p:spPr>
@@ -1272,12 +1541,12 @@
           </a:prstGeom>
         </p:spPr>
         <p:txBody>
-          <a:bodyPr anchorCtr="0" anchor="t" bIns="91425" lIns="91425" spcFirstLastPara="1" rIns="91425" wrap="square" tIns="91425">
+          <a:bodyPr spcFirstLastPara="1" wrap="square" lIns="91425" tIns="91425" rIns="91425" bIns="91425" anchor="t" anchorCtr="0">
             <a:noAutofit/>
           </a:bodyPr>
           <a:lstStyle/>
           <a:p>
-            <a:pPr indent="0" lvl="0" marL="0" rtl="0" algn="l">
+            <a:pPr marL="0" lvl="0" indent="0" algn="l" rtl="0">
               <a:spcBef>
                 <a:spcPts val="0"/>
               </a:spcBef>
@@ -1286,9 +1555,6 @@
               </a:spcAft>
               <a:buNone/>
             </a:pPr>
-            <a:r>
-              <a:t/>
-            </a:r>
             <a:endParaRPr/>
           </a:p>
         </p:txBody>
@@ -1302,11 +1568,11 @@
 </file>
 
 <file path=ppt/notesSlides/notesSlide7.xml><?xml version="1.0" encoding="utf-8"?>
-<p:notes xmlns:a="http://schemas.openxmlformats.org/drawingml/2006/main" xmlns:r="http://schemas.openxmlformats.org/officeDocument/2006/relationships" xmlns:mc="http://schemas.openxmlformats.org/markup-compatibility/2006" xmlns:mv="urn:schemas-microsoft-com:mac:vml" xmlns:p="http://schemas.openxmlformats.org/presentationml/2006/main" xmlns:c="http://schemas.openxmlformats.org/drawingml/2006/chart" xmlns:dgm="http://schemas.openxmlformats.org/drawingml/2006/diagram" xmlns:o="urn:schemas-microsoft-com:office:office" xmlns:v="urn:schemas-microsoft-com:vml" xmlns:pvml="urn:schemas-microsoft-com:office:powerpoint" xmlns:com="http://schemas.openxmlformats.org/drawingml/2006/compatibility" xmlns:p14="http://schemas.microsoft.com/office/powerpoint/2010/main" xmlns:p15="http://schemas.microsoft.com/office/powerpoint/2012/main" xmlns:ahyp="http://schemas.microsoft.com/office/drawing/2018/hyperlinkcolor" showMasterPhAnim="0" showMasterSp="0">
+<p:notes xmlns:a="http://schemas.openxmlformats.org/drawingml/2006/main" xmlns:r="http://schemas.openxmlformats.org/officeDocument/2006/relationships" xmlns:p="http://schemas.openxmlformats.org/presentationml/2006/main" showMasterSp="0" showMasterPhAnim="0">
   <p:cSld>
     <p:spTree>
       <p:nvGrpSpPr>
-        <p:cNvPr id="87" name="Shape 87"/>
+        <p:cNvPr id="1" name="Shape 87"/>
         <p:cNvGrpSpPr/>
         <p:nvPr/>
       </p:nvGrpSpPr>
@@ -1321,9 +1587,11 @@
       <p:sp>
         <p:nvSpPr>
           <p:cNvPr id="88" name="Google Shape;88;g10164e3f6e5_0_46:notes"/>
-          <p:cNvSpPr/>
+          <p:cNvSpPr>
+            <a:spLocks noGrp="1" noRot="1" noChangeAspect="1"/>
+          </p:cNvSpPr>
           <p:nvPr>
-            <p:ph idx="2" type="sldImg"/>
+            <p:ph type="sldImg" idx="2"/>
           </p:nvPr>
         </p:nvSpPr>
         <p:spPr>
@@ -1332,9 +1600,13 @@
             <a:ext cx="6096000" cy="3429000"/>
           </a:xfrm>
           <a:custGeom>
-            <a:rect b="b" l="l" r="r" t="t"/>
+            <a:avLst/>
+            <a:gdLst/>
+            <a:ahLst/>
+            <a:cxnLst/>
+            <a:rect l="l" t="t" r="r" b="b"/>
             <a:pathLst>
-              <a:path extrusionOk="0" h="120000" w="120000">
+              <a:path w="120000" h="120000" extrusionOk="0">
                 <a:moveTo>
                   <a:pt x="0" y="0"/>
                 </a:moveTo>
@@ -1356,9 +1628,11 @@
       <p:sp>
         <p:nvSpPr>
           <p:cNvPr id="89" name="Google Shape;89;g10164e3f6e5_0_46:notes"/>
-          <p:cNvSpPr txBox="1"/>
+          <p:cNvSpPr txBox="1">
+            <a:spLocks noGrp="1"/>
+          </p:cNvSpPr>
           <p:nvPr>
-            <p:ph idx="1" type="body"/>
+            <p:ph type="body" idx="1"/>
           </p:nvPr>
         </p:nvSpPr>
         <p:spPr>
@@ -1371,12 +1645,12 @@
           </a:prstGeom>
         </p:spPr>
         <p:txBody>
-          <a:bodyPr anchorCtr="0" anchor="t" bIns="91425" lIns="91425" spcFirstLastPara="1" rIns="91425" wrap="square" tIns="91425">
+          <a:bodyPr spcFirstLastPara="1" wrap="square" lIns="91425" tIns="91425" rIns="91425" bIns="91425" anchor="t" anchorCtr="0">
             <a:noAutofit/>
           </a:bodyPr>
           <a:lstStyle/>
           <a:p>
-            <a:pPr indent="0" lvl="0" marL="0" rtl="0" algn="l">
+            <a:pPr marL="0" lvl="0" indent="0" algn="l" rtl="0">
               <a:spcBef>
                 <a:spcPts val="0"/>
               </a:spcBef>
@@ -1385,9 +1659,6 @@
               </a:spcAft>
               <a:buNone/>
             </a:pPr>
-            <a:r>
-              <a:t/>
-            </a:r>
             <a:endParaRPr/>
           </a:p>
         </p:txBody>
@@ -1401,11 +1672,11 @@
 </file>
 
 <file path=ppt/notesSlides/notesSlide8.xml><?xml version="1.0" encoding="utf-8"?>
-<p:notes xmlns:a="http://schemas.openxmlformats.org/drawingml/2006/main" xmlns:r="http://schemas.openxmlformats.org/officeDocument/2006/relationships" xmlns:mc="http://schemas.openxmlformats.org/markup-compatibility/2006" xmlns:mv="urn:schemas-microsoft-com:mac:vml" xmlns:p="http://schemas.openxmlformats.org/presentationml/2006/main" xmlns:c="http://schemas.openxmlformats.org/drawingml/2006/chart" xmlns:dgm="http://schemas.openxmlformats.org/drawingml/2006/diagram" xmlns:o="urn:schemas-microsoft-com:office:office" xmlns:v="urn:schemas-microsoft-com:vml" xmlns:pvml="urn:schemas-microsoft-com:office:powerpoint" xmlns:com="http://schemas.openxmlformats.org/drawingml/2006/compatibility" xmlns:p14="http://schemas.microsoft.com/office/powerpoint/2010/main" xmlns:p15="http://schemas.microsoft.com/office/powerpoint/2012/main" xmlns:ahyp="http://schemas.microsoft.com/office/drawing/2018/hyperlinkcolor" showMasterPhAnim="0" showMasterSp="0">
+<p:notes xmlns:a="http://schemas.openxmlformats.org/drawingml/2006/main" xmlns:r="http://schemas.openxmlformats.org/officeDocument/2006/relationships" xmlns:p="http://schemas.openxmlformats.org/presentationml/2006/main" showMasterSp="0" showMasterPhAnim="0">
   <p:cSld>
     <p:spTree>
       <p:nvGrpSpPr>
-        <p:cNvPr id="93" name="Shape 93"/>
+        <p:cNvPr id="1" name="Shape 93"/>
         <p:cNvGrpSpPr/>
         <p:nvPr/>
       </p:nvGrpSpPr>
@@ -1420,9 +1691,11 @@
       <p:sp>
         <p:nvSpPr>
           <p:cNvPr id="94" name="Google Shape;94;g10164e3f6e5_0_9:notes"/>
-          <p:cNvSpPr/>
+          <p:cNvSpPr>
+            <a:spLocks noGrp="1" noRot="1" noChangeAspect="1"/>
+          </p:cNvSpPr>
           <p:nvPr>
-            <p:ph idx="2" type="sldImg"/>
+            <p:ph type="sldImg" idx="2"/>
           </p:nvPr>
         </p:nvSpPr>
         <p:spPr>
@@ -1431,9 +1704,13 @@
             <a:ext cx="6096000" cy="3429000"/>
           </a:xfrm>
           <a:custGeom>
-            <a:rect b="b" l="l" r="r" t="t"/>
+            <a:avLst/>
+            <a:gdLst/>
+            <a:ahLst/>
+            <a:cxnLst/>
+            <a:rect l="l" t="t" r="r" b="b"/>
             <a:pathLst>
-              <a:path extrusionOk="0" h="120000" w="120000">
+              <a:path w="120000" h="120000" extrusionOk="0">
                 <a:moveTo>
                   <a:pt x="0" y="0"/>
                 </a:moveTo>
@@ -1455,9 +1732,11 @@
       <p:sp>
         <p:nvSpPr>
           <p:cNvPr id="95" name="Google Shape;95;g10164e3f6e5_0_9:notes"/>
-          <p:cNvSpPr txBox="1"/>
+          <p:cNvSpPr txBox="1">
+            <a:spLocks noGrp="1"/>
+          </p:cNvSpPr>
           <p:nvPr>
-            <p:ph idx="1" type="body"/>
+            <p:ph type="body" idx="1"/>
           </p:nvPr>
         </p:nvSpPr>
         <p:spPr>
@@ -1470,12 +1749,12 @@
           </a:prstGeom>
         </p:spPr>
         <p:txBody>
-          <a:bodyPr anchorCtr="0" anchor="t" bIns="91425" lIns="91425" spcFirstLastPara="1" rIns="91425" wrap="square" tIns="91425">
+          <a:bodyPr spcFirstLastPara="1" wrap="square" lIns="91425" tIns="91425" rIns="91425" bIns="91425" anchor="t" anchorCtr="0">
             <a:noAutofit/>
           </a:bodyPr>
           <a:lstStyle/>
           <a:p>
-            <a:pPr indent="0" lvl="0" marL="0" rtl="0" algn="l">
+            <a:pPr marL="0" lvl="0" indent="0" algn="l" rtl="0">
               <a:spcBef>
                 <a:spcPts val="0"/>
               </a:spcBef>
@@ -1484,9 +1763,6 @@
               </a:spcAft>
               <a:buNone/>
             </a:pPr>
-            <a:r>
-              <a:t/>
-            </a:r>
             <a:endParaRPr/>
           </a:p>
         </p:txBody>
@@ -1499,19 +1775,129 @@
 </p:notes>
 </file>
 
+<file path=ppt/notesSlides/notesSlide9.xml><?xml version="1.0" encoding="utf-8"?>
+<p:notes xmlns:a="http://schemas.openxmlformats.org/drawingml/2006/main" xmlns:r="http://schemas.openxmlformats.org/officeDocument/2006/relationships" xmlns:p="http://schemas.openxmlformats.org/presentationml/2006/main" showMasterSp="0" showMasterPhAnim="0">
+  <p:cSld>
+    <p:spTree>
+      <p:nvGrpSpPr>
+        <p:cNvPr id="1" name="Shape 64"/>
+        <p:cNvGrpSpPr/>
+        <p:nvPr/>
+      </p:nvGrpSpPr>
+      <p:grpSpPr>
+        <a:xfrm>
+          <a:off x="0" y="0"/>
+          <a:ext cx="0" cy="0"/>
+          <a:chOff x="0" y="0"/>
+          <a:chExt cx="0" cy="0"/>
+        </a:xfrm>
+      </p:grpSpPr>
+      <p:sp>
+        <p:nvSpPr>
+          <p:cNvPr id="65" name="Google Shape;65;g10164e3f6e5_0_54:notes"/>
+          <p:cNvSpPr>
+            <a:spLocks noGrp="1" noRot="1" noChangeAspect="1"/>
+          </p:cNvSpPr>
+          <p:nvPr>
+            <p:ph type="sldImg" idx="2"/>
+          </p:nvPr>
+        </p:nvSpPr>
+        <p:spPr>
+          <a:xfrm>
+            <a:off x="381000" y="685800"/>
+            <a:ext cx="6096000" cy="3429000"/>
+          </a:xfrm>
+          <a:custGeom>
+            <a:avLst/>
+            <a:gdLst/>
+            <a:ahLst/>
+            <a:cxnLst/>
+            <a:rect l="l" t="t" r="r" b="b"/>
+            <a:pathLst>
+              <a:path w="120000" h="120000" extrusionOk="0">
+                <a:moveTo>
+                  <a:pt x="0" y="0"/>
+                </a:moveTo>
+                <a:lnTo>
+                  <a:pt x="120000" y="0"/>
+                </a:lnTo>
+                <a:lnTo>
+                  <a:pt x="120000" y="120000"/>
+                </a:lnTo>
+                <a:lnTo>
+                  <a:pt x="0" y="120000"/>
+                </a:lnTo>
+                <a:close/>
+              </a:path>
+            </a:pathLst>
+          </a:custGeom>
+        </p:spPr>
+      </p:sp>
+      <p:sp>
+        <p:nvSpPr>
+          <p:cNvPr id="66" name="Google Shape;66;g10164e3f6e5_0_54:notes"/>
+          <p:cNvSpPr txBox="1">
+            <a:spLocks noGrp="1"/>
+          </p:cNvSpPr>
+          <p:nvPr>
+            <p:ph type="body" idx="1"/>
+          </p:nvPr>
+        </p:nvSpPr>
+        <p:spPr>
+          <a:xfrm>
+            <a:off x="685800" y="4343400"/>
+            <a:ext cx="5486400" cy="4114800"/>
+          </a:xfrm>
+          <a:prstGeom prst="rect">
+            <a:avLst/>
+          </a:prstGeom>
+        </p:spPr>
+        <p:txBody>
+          <a:bodyPr spcFirstLastPara="1" wrap="square" lIns="91425" tIns="91425" rIns="91425" bIns="91425" anchor="t" anchorCtr="0">
+            <a:noAutofit/>
+          </a:bodyPr>
+          <a:lstStyle/>
+          <a:p>
+            <a:pPr marL="0" lvl="0" indent="0" algn="l" rtl="0">
+              <a:spcBef>
+                <a:spcPts val="0"/>
+              </a:spcBef>
+              <a:spcAft>
+                <a:spcPts val="0"/>
+              </a:spcAft>
+              <a:buNone/>
+            </a:pPr>
+            <a:endParaRPr/>
+          </a:p>
+        </p:txBody>
+      </p:sp>
+    </p:spTree>
+    <p:extLst>
+      <p:ext uri="{BB962C8B-B14F-4D97-AF65-F5344CB8AC3E}">
+        <p14:creationId xmlns:p14="http://schemas.microsoft.com/office/powerpoint/2010/main" val="101887087"/>
+      </p:ext>
+    </p:extLst>
+  </p:cSld>
+  <p:clrMapOvr>
+    <a:masterClrMapping/>
+  </p:clrMapOvr>
+</p:notes>
+</file>
+
 <file path=ppt/slideLayouts/slideLayout1.xml><?xml version="1.0" encoding="utf-8"?>
-<p:sldLayout xmlns:a="http://schemas.openxmlformats.org/drawingml/2006/main" xmlns:r="http://schemas.openxmlformats.org/officeDocument/2006/relationships" xmlns:mc="http://schemas.openxmlformats.org/markup-compatibility/2006" xmlns:mv="urn:schemas-microsoft-com:mac:vml" xmlns:p="http://schemas.openxmlformats.org/presentationml/2006/main" xmlns:c="http://schemas.openxmlformats.org/drawingml/2006/chart" xmlns:dgm="http://schemas.openxmlformats.org/drawingml/2006/diagram" xmlns:o="urn:schemas-microsoft-com:office:office" xmlns:v="urn:schemas-microsoft-com:vml" xmlns:pvml="urn:schemas-microsoft-com:office:powerpoint" xmlns:com="http://schemas.openxmlformats.org/drawingml/2006/compatibility" xmlns:p14="http://schemas.microsoft.com/office/powerpoint/2010/main" xmlns:p15="http://schemas.microsoft.com/office/powerpoint/2012/main" xmlns:ahyp="http://schemas.microsoft.com/office/drawing/2018/hyperlinkcolor" matchingName="Title slide" type="title">
+<p:sldLayout xmlns:a="http://schemas.openxmlformats.org/drawingml/2006/main" xmlns:r="http://schemas.openxmlformats.org/officeDocument/2006/relationships" xmlns:p="http://schemas.openxmlformats.org/presentationml/2006/main" matchingName="Title slide" type="title">
   <p:cSld name="TITLE">
     <p:bg>
       <p:bgPr>
         <a:solidFill>
           <a:schemeClr val="dk1"/>
         </a:solidFill>
+        <a:effectLst/>
       </p:bgPr>
     </p:bg>
     <p:spTree>
       <p:nvGrpSpPr>
-        <p:cNvPr id="9" name="Shape 9"/>
+        <p:cNvPr id="1" name="Shape 9"/>
         <p:cNvGrpSpPr/>
         <p:nvPr/>
       </p:nvGrpSpPr>
@@ -1545,12 +1931,12 @@
           </a:ln>
         </p:spPr>
         <p:txBody>
-          <a:bodyPr anchorCtr="0" anchor="ctr" bIns="91425" lIns="91425" spcFirstLastPara="1" rIns="91425" wrap="square" tIns="91425">
+          <a:bodyPr spcFirstLastPara="1" wrap="square" lIns="91425" tIns="91425" rIns="91425" bIns="91425" anchor="ctr" anchorCtr="0">
             <a:noAutofit/>
           </a:bodyPr>
           <a:lstStyle/>
           <a:p>
-            <a:pPr indent="0" lvl="0" marL="0" rtl="0" algn="l">
+            <a:pPr marL="0" lvl="0" indent="0" algn="l" rtl="0">
               <a:spcBef>
                 <a:spcPts val="0"/>
               </a:spcBef>
@@ -1559,9 +1945,6 @@
               </a:spcAft>
               <a:buNone/>
             </a:pPr>
-            <a:r>
-              <a:t/>
-            </a:r>
             <a:endParaRPr/>
           </a:p>
         </p:txBody>
@@ -1569,7 +1952,9 @@
       <p:sp>
         <p:nvSpPr>
           <p:cNvPr id="11" name="Google Shape;11;p2"/>
-          <p:cNvSpPr txBox="1"/>
+          <p:cNvSpPr txBox="1">
+            <a:spLocks noGrp="1"/>
+          </p:cNvSpPr>
           <p:nvPr>
             <p:ph type="ctrTitle"/>
           </p:nvPr>
@@ -1584,7 +1969,7 @@
           </a:prstGeom>
         </p:spPr>
         <p:txBody>
-          <a:bodyPr anchorCtr="0" anchor="ctr" bIns="91425" lIns="91425" spcFirstLastPara="1" rIns="91425" wrap="square" tIns="91425">
+          <a:bodyPr spcFirstLastPara="1" wrap="square" lIns="91425" tIns="91425" rIns="91425" bIns="91425" anchor="ctr" anchorCtr="0">
             <a:normAutofit/>
           </a:bodyPr>
           <a:lstStyle>
@@ -1688,15 +2073,19 @@
               <a:defRPr sz="8000"/>
             </a:lvl9pPr>
           </a:lstStyle>
-          <a:p/>
+          <a:p>
+            <a:endParaRPr/>
+          </a:p>
         </p:txBody>
       </p:sp>
       <p:sp>
         <p:nvSpPr>
           <p:cNvPr id="12" name="Google Shape;12;p2"/>
-          <p:cNvSpPr txBox="1"/>
+          <p:cNvSpPr txBox="1">
+            <a:spLocks noGrp="1"/>
+          </p:cNvSpPr>
           <p:nvPr>
-            <p:ph idx="1" type="subTitle"/>
+            <p:ph type="subTitle" idx="1"/>
           </p:nvPr>
         </p:nvSpPr>
         <p:spPr>
@@ -1709,7 +2098,7 @@
           </a:prstGeom>
         </p:spPr>
         <p:txBody>
-          <a:bodyPr anchorCtr="0" anchor="ctr" bIns="91425" lIns="91425" spcFirstLastPara="1" rIns="91425" wrap="square" tIns="91425">
+          <a:bodyPr spcFirstLastPara="1" wrap="square" lIns="91425" tIns="91425" rIns="91425" bIns="91425" anchor="ctr" anchorCtr="0">
             <a:normAutofit/>
           </a:bodyPr>
           <a:lstStyle>
@@ -1728,7 +2117,7 @@
               </a:buClr>
               <a:buSzPts val="2100"/>
               <a:buNone/>
-              <a:defRPr b="1" sz="2100">
+              <a:defRPr sz="2100" b="1">
                 <a:solidFill>
                   <a:schemeClr val="accent1"/>
                 </a:solidFill>
@@ -1749,7 +2138,7 @@
               </a:buClr>
               <a:buSzPts val="2100"/>
               <a:buNone/>
-              <a:defRPr b="1" sz="2100">
+              <a:defRPr sz="2100" b="1">
                 <a:solidFill>
                   <a:schemeClr val="accent1"/>
                 </a:solidFill>
@@ -1770,7 +2159,7 @@
               </a:buClr>
               <a:buSzPts val="2100"/>
               <a:buNone/>
-              <a:defRPr b="1" sz="2100">
+              <a:defRPr sz="2100" b="1">
                 <a:solidFill>
                   <a:schemeClr val="accent1"/>
                 </a:solidFill>
@@ -1791,7 +2180,7 @@
               </a:buClr>
               <a:buSzPts val="2100"/>
               <a:buNone/>
-              <a:defRPr b="1" sz="2100">
+              <a:defRPr sz="2100" b="1">
                 <a:solidFill>
                   <a:schemeClr val="accent1"/>
                 </a:solidFill>
@@ -1812,7 +2201,7 @@
               </a:buClr>
               <a:buSzPts val="2100"/>
               <a:buNone/>
-              <a:defRPr b="1" sz="2100">
+              <a:defRPr sz="2100" b="1">
                 <a:solidFill>
                   <a:schemeClr val="accent1"/>
                 </a:solidFill>
@@ -1833,7 +2222,7 @@
               </a:buClr>
               <a:buSzPts val="2100"/>
               <a:buNone/>
-              <a:defRPr b="1" sz="2100">
+              <a:defRPr sz="2100" b="1">
                 <a:solidFill>
                   <a:schemeClr val="accent1"/>
                 </a:solidFill>
@@ -1854,7 +2243,7 @@
               </a:buClr>
               <a:buSzPts val="2100"/>
               <a:buNone/>
-              <a:defRPr b="1" sz="2100">
+              <a:defRPr sz="2100" b="1">
                 <a:solidFill>
                   <a:schemeClr val="accent1"/>
                 </a:solidFill>
@@ -1875,7 +2264,7 @@
               </a:buClr>
               <a:buSzPts val="2100"/>
               <a:buNone/>
-              <a:defRPr b="1" sz="2100">
+              <a:defRPr sz="2100" b="1">
                 <a:solidFill>
                   <a:schemeClr val="accent1"/>
                 </a:solidFill>
@@ -1896,22 +2285,26 @@
               </a:buClr>
               <a:buSzPts val="2100"/>
               <a:buNone/>
-              <a:defRPr b="1" sz="2100">
+              <a:defRPr sz="2100" b="1">
                 <a:solidFill>
                   <a:schemeClr val="accent1"/>
                 </a:solidFill>
               </a:defRPr>
             </a:lvl9pPr>
           </a:lstStyle>
-          <a:p/>
+          <a:p>
+            <a:endParaRPr/>
+          </a:p>
         </p:txBody>
       </p:sp>
       <p:sp>
         <p:nvSpPr>
           <p:cNvPr id="13" name="Google Shape;13;p2"/>
-          <p:cNvSpPr txBox="1"/>
+          <p:cNvSpPr txBox="1">
+            <a:spLocks noGrp="1"/>
+          </p:cNvSpPr>
           <p:nvPr>
-            <p:ph idx="12" type="sldNum"/>
+            <p:ph type="sldNum" idx="12"/>
           </p:nvPr>
         </p:nvSpPr>
         <p:spPr>
@@ -1924,7 +2317,7 @@
           </a:prstGeom>
         </p:spPr>
         <p:txBody>
-          <a:bodyPr anchorCtr="0" anchor="ctr" bIns="91425" lIns="91425" spcFirstLastPara="1" rIns="91425" wrap="square" tIns="91425">
+          <a:bodyPr spcFirstLastPara="1" wrap="square" lIns="91425" tIns="91425" rIns="91425" bIns="91425" anchor="ctr" anchorCtr="0">
             <a:normAutofit/>
           </a:bodyPr>
           <a:lstStyle>
@@ -1966,7 +2359,7 @@
             </a:lvl9pPr>
           </a:lstStyle>
           <a:p>
-            <a:pPr indent="0" lvl="0" marL="0" rtl="0" algn="r">
+            <a:pPr marL="0" lvl="0" indent="0" algn="r" rtl="0">
               <a:spcBef>
                 <a:spcPts val="0"/>
               </a:spcBef>
@@ -1992,11 +2385,11 @@
 </file>
 
 <file path=ppt/slideLayouts/slideLayout10.xml><?xml version="1.0" encoding="utf-8"?>
-<p:sldLayout xmlns:a="http://schemas.openxmlformats.org/drawingml/2006/main" xmlns:r="http://schemas.openxmlformats.org/officeDocument/2006/relationships" xmlns:mc="http://schemas.openxmlformats.org/markup-compatibility/2006" xmlns:mv="urn:schemas-microsoft-com:mac:vml" xmlns:p="http://schemas.openxmlformats.org/presentationml/2006/main" xmlns:c="http://schemas.openxmlformats.org/drawingml/2006/chart" xmlns:dgm="http://schemas.openxmlformats.org/drawingml/2006/diagram" xmlns:o="urn:schemas-microsoft-com:office:office" xmlns:v="urn:schemas-microsoft-com:vml" xmlns:pvml="urn:schemas-microsoft-com:office:powerpoint" xmlns:com="http://schemas.openxmlformats.org/drawingml/2006/compatibility" xmlns:p14="http://schemas.microsoft.com/office/powerpoint/2010/main" xmlns:p15="http://schemas.microsoft.com/office/powerpoint/2012/main" xmlns:ahyp="http://schemas.microsoft.com/office/drawing/2018/hyperlinkcolor" matchingName="Big number">
+<p:sldLayout xmlns:a="http://schemas.openxmlformats.org/drawingml/2006/main" xmlns:r="http://schemas.openxmlformats.org/officeDocument/2006/relationships" xmlns:p="http://schemas.openxmlformats.org/presentationml/2006/main" matchingName="Big number">
   <p:cSld name="BIG_NUMBER">
     <p:spTree>
       <p:nvGrpSpPr>
-        <p:cNvPr id="46" name="Shape 46"/>
+        <p:cNvPr id="1" name="Shape 46"/>
         <p:cNvGrpSpPr/>
         <p:nvPr/>
       </p:nvGrpSpPr>
@@ -2011,9 +2404,11 @@
       <p:sp>
         <p:nvSpPr>
           <p:cNvPr id="47" name="Google Shape;47;p11"/>
-          <p:cNvSpPr txBox="1"/>
+          <p:cNvSpPr txBox="1">
+            <a:spLocks noGrp="1"/>
+          </p:cNvSpPr>
           <p:nvPr>
-            <p:ph hasCustomPrompt="1" type="title"/>
+            <p:ph type="title" hasCustomPrompt="1"/>
           </p:nvPr>
         </p:nvSpPr>
         <p:spPr>
@@ -2026,7 +2421,7 @@
           </a:prstGeom>
         </p:spPr>
         <p:txBody>
-          <a:bodyPr anchorCtr="0" anchor="b" bIns="91425" lIns="91425" spcFirstLastPara="1" rIns="91425" wrap="square" tIns="91425">
+          <a:bodyPr spcFirstLastPara="1" wrap="square" lIns="91425" tIns="91425" rIns="91425" bIns="91425" anchor="b" anchorCtr="0">
             <a:normAutofit/>
           </a:bodyPr>
           <a:lstStyle>
@@ -2230,9 +2625,11 @@
       <p:sp>
         <p:nvSpPr>
           <p:cNvPr id="48" name="Google Shape;48;p11"/>
-          <p:cNvSpPr txBox="1"/>
+          <p:cNvSpPr txBox="1">
+            <a:spLocks noGrp="1"/>
+          </p:cNvSpPr>
           <p:nvPr>
-            <p:ph idx="1" type="body"/>
+            <p:ph type="body" idx="1"/>
           </p:nvPr>
         </p:nvSpPr>
         <p:spPr>
@@ -2245,11 +2642,11 @@
           </a:prstGeom>
         </p:spPr>
         <p:txBody>
-          <a:bodyPr anchorCtr="0" anchor="t" bIns="91425" lIns="91425" spcFirstLastPara="1" rIns="91425" wrap="square" tIns="91425">
+          <a:bodyPr spcFirstLastPara="1" wrap="square" lIns="91425" tIns="91425" rIns="91425" bIns="91425" anchor="t" anchorCtr="0">
             <a:normAutofit/>
           </a:bodyPr>
           <a:lstStyle>
-            <a:lvl1pPr indent="-342900" lvl="0" marL="457200" algn="ctr">
+            <a:lvl1pPr marL="457200" lvl="0" indent="-342900" algn="ctr">
               <a:spcBef>
                 <a:spcPts val="0"/>
               </a:spcBef>
@@ -2270,7 +2667,7 @@
                 </a:highlight>
               </a:defRPr>
             </a:lvl1pPr>
-            <a:lvl2pPr indent="-317500" lvl="1" marL="914400" algn="ctr">
+            <a:lvl2pPr marL="914400" lvl="1" indent="-317500" algn="ctr">
               <a:spcBef>
                 <a:spcPts val="0"/>
               </a:spcBef>
@@ -2291,7 +2688,7 @@
                 </a:highlight>
               </a:defRPr>
             </a:lvl2pPr>
-            <a:lvl3pPr indent="-317500" lvl="2" marL="1371600" algn="ctr">
+            <a:lvl3pPr marL="1371600" lvl="2" indent="-317500" algn="ctr">
               <a:spcBef>
                 <a:spcPts val="0"/>
               </a:spcBef>
@@ -2312,7 +2709,7 @@
                 </a:highlight>
               </a:defRPr>
             </a:lvl3pPr>
-            <a:lvl4pPr indent="-317500" lvl="3" marL="1828800" algn="ctr">
+            <a:lvl4pPr marL="1828800" lvl="3" indent="-317500" algn="ctr">
               <a:spcBef>
                 <a:spcPts val="0"/>
               </a:spcBef>
@@ -2333,7 +2730,7 @@
                 </a:highlight>
               </a:defRPr>
             </a:lvl4pPr>
-            <a:lvl5pPr indent="-317500" lvl="4" marL="2286000" algn="ctr">
+            <a:lvl5pPr marL="2286000" lvl="4" indent="-317500" algn="ctr">
               <a:spcBef>
                 <a:spcPts val="0"/>
               </a:spcBef>
@@ -2354,7 +2751,7 @@
                 </a:highlight>
               </a:defRPr>
             </a:lvl5pPr>
-            <a:lvl6pPr indent="-317500" lvl="5" marL="2743200" algn="ctr">
+            <a:lvl6pPr marL="2743200" lvl="5" indent="-317500" algn="ctr">
               <a:spcBef>
                 <a:spcPts val="0"/>
               </a:spcBef>
@@ -2375,7 +2772,7 @@
                 </a:highlight>
               </a:defRPr>
             </a:lvl6pPr>
-            <a:lvl7pPr indent="-317500" lvl="6" marL="3200400" algn="ctr">
+            <a:lvl7pPr marL="3200400" lvl="6" indent="-317500" algn="ctr">
               <a:spcBef>
                 <a:spcPts val="0"/>
               </a:spcBef>
@@ -2396,7 +2793,7 @@
                 </a:highlight>
               </a:defRPr>
             </a:lvl7pPr>
-            <a:lvl8pPr indent="-317500" lvl="7" marL="3657600" algn="ctr">
+            <a:lvl8pPr marL="3657600" lvl="7" indent="-317500" algn="ctr">
               <a:spcBef>
                 <a:spcPts val="0"/>
               </a:spcBef>
@@ -2417,7 +2814,7 @@
                 </a:highlight>
               </a:defRPr>
             </a:lvl8pPr>
-            <a:lvl9pPr indent="-317500" lvl="8" marL="4114800" algn="ctr">
+            <a:lvl9pPr marL="4114800" lvl="8" indent="-317500" algn="ctr">
               <a:spcBef>
                 <a:spcPts val="0"/>
               </a:spcBef>
@@ -2439,15 +2836,19 @@
               </a:defRPr>
             </a:lvl9pPr>
           </a:lstStyle>
-          <a:p/>
+          <a:p>
+            <a:endParaRPr/>
+          </a:p>
         </p:txBody>
       </p:sp>
       <p:sp>
         <p:nvSpPr>
           <p:cNvPr id="49" name="Google Shape;49;p11"/>
-          <p:cNvSpPr txBox="1"/>
+          <p:cNvSpPr txBox="1">
+            <a:spLocks noGrp="1"/>
+          </p:cNvSpPr>
           <p:nvPr>
-            <p:ph idx="12" type="sldNum"/>
+            <p:ph type="sldNum" idx="12"/>
           </p:nvPr>
         </p:nvSpPr>
         <p:spPr>
@@ -2460,7 +2861,7 @@
           </a:prstGeom>
         </p:spPr>
         <p:txBody>
-          <a:bodyPr anchorCtr="0" anchor="ctr" bIns="91425" lIns="91425" spcFirstLastPara="1" rIns="91425" wrap="square" tIns="91425">
+          <a:bodyPr spcFirstLastPara="1" wrap="square" lIns="91425" tIns="91425" rIns="91425" bIns="91425" anchor="ctr" anchorCtr="0">
             <a:normAutofit/>
           </a:bodyPr>
           <a:lstStyle>
@@ -2502,7 +2903,7 @@
             </a:lvl9pPr>
           </a:lstStyle>
           <a:p>
-            <a:pPr indent="0" lvl="0" marL="0" rtl="0" algn="r">
+            <a:pPr marL="0" lvl="0" indent="0" algn="r" rtl="0">
               <a:spcBef>
                 <a:spcPts val="0"/>
               </a:spcBef>
@@ -2528,11 +2929,11 @@
 </file>
 
 <file path=ppt/slideLayouts/slideLayout11.xml><?xml version="1.0" encoding="utf-8"?>
-<p:sldLayout xmlns:a="http://schemas.openxmlformats.org/drawingml/2006/main" xmlns:r="http://schemas.openxmlformats.org/officeDocument/2006/relationships" xmlns:mc="http://schemas.openxmlformats.org/markup-compatibility/2006" xmlns:mv="urn:schemas-microsoft-com:mac:vml" xmlns:p="http://schemas.openxmlformats.org/presentationml/2006/main" xmlns:c="http://schemas.openxmlformats.org/drawingml/2006/chart" xmlns:dgm="http://schemas.openxmlformats.org/drawingml/2006/diagram" xmlns:o="urn:schemas-microsoft-com:office:office" xmlns:v="urn:schemas-microsoft-com:vml" xmlns:pvml="urn:schemas-microsoft-com:office:powerpoint" xmlns:com="http://schemas.openxmlformats.org/drawingml/2006/compatibility" xmlns:p14="http://schemas.microsoft.com/office/powerpoint/2010/main" xmlns:p15="http://schemas.microsoft.com/office/powerpoint/2012/main" xmlns:ahyp="http://schemas.microsoft.com/office/drawing/2018/hyperlinkcolor" matchingName="Blank" type="blank">
+<p:sldLayout xmlns:a="http://schemas.openxmlformats.org/drawingml/2006/main" xmlns:r="http://schemas.openxmlformats.org/officeDocument/2006/relationships" xmlns:p="http://schemas.openxmlformats.org/presentationml/2006/main" matchingName="Blank" type="blank">
   <p:cSld name="BLANK">
     <p:spTree>
       <p:nvGrpSpPr>
-        <p:cNvPr id="50" name="Shape 50"/>
+        <p:cNvPr id="1" name="Shape 50"/>
         <p:cNvGrpSpPr/>
         <p:nvPr/>
       </p:nvGrpSpPr>
@@ -2547,9 +2948,11 @@
       <p:sp>
         <p:nvSpPr>
           <p:cNvPr id="51" name="Google Shape;51;p12"/>
-          <p:cNvSpPr txBox="1"/>
+          <p:cNvSpPr txBox="1">
+            <a:spLocks noGrp="1"/>
+          </p:cNvSpPr>
           <p:nvPr>
-            <p:ph idx="12" type="sldNum"/>
+            <p:ph type="sldNum" idx="12"/>
           </p:nvPr>
         </p:nvSpPr>
         <p:spPr>
@@ -2562,7 +2965,7 @@
           </a:prstGeom>
         </p:spPr>
         <p:txBody>
-          <a:bodyPr anchorCtr="0" anchor="ctr" bIns="91425" lIns="91425" spcFirstLastPara="1" rIns="91425" wrap="square" tIns="91425">
+          <a:bodyPr spcFirstLastPara="1" wrap="square" lIns="91425" tIns="91425" rIns="91425" bIns="91425" anchor="ctr" anchorCtr="0">
             <a:normAutofit/>
           </a:bodyPr>
           <a:lstStyle>
@@ -2604,7 +3007,7 @@
             </a:lvl9pPr>
           </a:lstStyle>
           <a:p>
-            <a:pPr indent="0" lvl="0" marL="0" rtl="0" algn="r">
+            <a:pPr marL="0" lvl="0" indent="0" algn="r" rtl="0">
               <a:spcBef>
                 <a:spcPts val="0"/>
               </a:spcBef>
@@ -2630,18 +3033,19 @@
 </file>
 
 <file path=ppt/slideLayouts/slideLayout2.xml><?xml version="1.0" encoding="utf-8"?>
-<p:sldLayout xmlns:a="http://schemas.openxmlformats.org/drawingml/2006/main" xmlns:r="http://schemas.openxmlformats.org/officeDocument/2006/relationships" xmlns:mc="http://schemas.openxmlformats.org/markup-compatibility/2006" xmlns:mv="urn:schemas-microsoft-com:mac:vml" xmlns:p="http://schemas.openxmlformats.org/presentationml/2006/main" xmlns:c="http://schemas.openxmlformats.org/drawingml/2006/chart" xmlns:dgm="http://schemas.openxmlformats.org/drawingml/2006/diagram" xmlns:o="urn:schemas-microsoft-com:office:office" xmlns:v="urn:schemas-microsoft-com:vml" xmlns:pvml="urn:schemas-microsoft-com:office:powerpoint" xmlns:com="http://schemas.openxmlformats.org/drawingml/2006/compatibility" xmlns:p14="http://schemas.microsoft.com/office/powerpoint/2010/main" xmlns:p15="http://schemas.microsoft.com/office/powerpoint/2012/main" xmlns:ahyp="http://schemas.microsoft.com/office/drawing/2018/hyperlinkcolor" matchingName="Section header" type="secHead">
+<p:sldLayout xmlns:a="http://schemas.openxmlformats.org/drawingml/2006/main" xmlns:r="http://schemas.openxmlformats.org/officeDocument/2006/relationships" xmlns:p="http://schemas.openxmlformats.org/presentationml/2006/main" matchingName="Section header" type="secHead">
   <p:cSld name="SECTION_HEADER">
     <p:bg>
       <p:bgPr>
         <a:solidFill>
           <a:schemeClr val="dk1"/>
         </a:solidFill>
+        <a:effectLst/>
       </p:bgPr>
     </p:bg>
     <p:spTree>
       <p:nvGrpSpPr>
-        <p:cNvPr id="14" name="Shape 14"/>
+        <p:cNvPr id="1" name="Shape 14"/>
         <p:cNvGrpSpPr/>
         <p:nvPr/>
       </p:nvGrpSpPr>
@@ -2656,7 +3060,9 @@
       <p:sp>
         <p:nvSpPr>
           <p:cNvPr id="15" name="Google Shape;15;p3"/>
-          <p:cNvSpPr txBox="1"/>
+          <p:cNvSpPr txBox="1">
+            <a:spLocks noGrp="1"/>
+          </p:cNvSpPr>
           <p:nvPr>
             <p:ph type="title"/>
           </p:nvPr>
@@ -2674,7 +3080,7 @@
           </a:solidFill>
         </p:spPr>
         <p:txBody>
-          <a:bodyPr anchorCtr="0" anchor="ctr" bIns="91425" lIns="91425" spcFirstLastPara="1" rIns="91425" wrap="square" tIns="91425">
+          <a:bodyPr spcFirstLastPara="1" wrap="square" lIns="91425" tIns="91425" rIns="91425" bIns="91425" anchor="ctr" anchorCtr="0">
             <a:normAutofit/>
           </a:bodyPr>
           <a:lstStyle>
@@ -2778,15 +3184,19 @@
               <a:defRPr sz="4800"/>
             </a:lvl9pPr>
           </a:lstStyle>
-          <a:p/>
+          <a:p>
+            <a:endParaRPr/>
+          </a:p>
         </p:txBody>
       </p:sp>
       <p:sp>
         <p:nvSpPr>
           <p:cNvPr id="16" name="Google Shape;16;p3"/>
-          <p:cNvSpPr txBox="1"/>
+          <p:cNvSpPr txBox="1">
+            <a:spLocks noGrp="1"/>
+          </p:cNvSpPr>
           <p:nvPr>
-            <p:ph idx="12" type="sldNum"/>
+            <p:ph type="sldNum" idx="12"/>
           </p:nvPr>
         </p:nvSpPr>
         <p:spPr>
@@ -2799,7 +3209,7 @@
           </a:prstGeom>
         </p:spPr>
         <p:txBody>
-          <a:bodyPr anchorCtr="0" anchor="ctr" bIns="91425" lIns="91425" spcFirstLastPara="1" rIns="91425" wrap="square" tIns="91425">
+          <a:bodyPr spcFirstLastPara="1" wrap="square" lIns="91425" tIns="91425" rIns="91425" bIns="91425" anchor="ctr" anchorCtr="0">
             <a:normAutofit/>
           </a:bodyPr>
           <a:lstStyle>
@@ -2841,7 +3251,7 @@
             </a:lvl9pPr>
           </a:lstStyle>
           <a:p>
-            <a:pPr indent="0" lvl="0" marL="0" rtl="0" algn="r">
+            <a:pPr marL="0" lvl="0" indent="0" algn="r" rtl="0">
               <a:spcBef>
                 <a:spcPts val="0"/>
               </a:spcBef>
@@ -2867,11 +3277,11 @@
 </file>
 
 <file path=ppt/slideLayouts/slideLayout3.xml><?xml version="1.0" encoding="utf-8"?>
-<p:sldLayout xmlns:a="http://schemas.openxmlformats.org/drawingml/2006/main" xmlns:r="http://schemas.openxmlformats.org/officeDocument/2006/relationships" xmlns:mc="http://schemas.openxmlformats.org/markup-compatibility/2006" xmlns:mv="urn:schemas-microsoft-com:mac:vml" xmlns:p="http://schemas.openxmlformats.org/presentationml/2006/main" xmlns:c="http://schemas.openxmlformats.org/drawingml/2006/chart" xmlns:dgm="http://schemas.openxmlformats.org/drawingml/2006/diagram" xmlns:o="urn:schemas-microsoft-com:office:office" xmlns:v="urn:schemas-microsoft-com:vml" xmlns:pvml="urn:schemas-microsoft-com:office:powerpoint" xmlns:com="http://schemas.openxmlformats.org/drawingml/2006/compatibility" xmlns:p14="http://schemas.microsoft.com/office/powerpoint/2010/main" xmlns:p15="http://schemas.microsoft.com/office/powerpoint/2012/main" xmlns:ahyp="http://schemas.microsoft.com/office/drawing/2018/hyperlinkcolor" matchingName="Title and body" type="tx">
+<p:sldLayout xmlns:a="http://schemas.openxmlformats.org/drawingml/2006/main" xmlns:r="http://schemas.openxmlformats.org/officeDocument/2006/relationships" xmlns:p="http://schemas.openxmlformats.org/presentationml/2006/main" matchingName="Title and body" type="tx">
   <p:cSld name="TITLE_AND_BODY">
     <p:spTree>
       <p:nvGrpSpPr>
-        <p:cNvPr id="17" name="Shape 17"/>
+        <p:cNvPr id="1" name="Shape 17"/>
         <p:cNvGrpSpPr/>
         <p:nvPr/>
       </p:nvGrpSpPr>
@@ -2886,7 +3296,9 @@
       <p:sp>
         <p:nvSpPr>
           <p:cNvPr id="18" name="Google Shape;18;p4"/>
-          <p:cNvSpPr txBox="1"/>
+          <p:cNvSpPr txBox="1">
+            <a:spLocks noGrp="1"/>
+          </p:cNvSpPr>
           <p:nvPr>
             <p:ph type="title"/>
           </p:nvPr>
@@ -2901,7 +3313,7 @@
           </a:prstGeom>
         </p:spPr>
         <p:txBody>
-          <a:bodyPr anchorCtr="0" anchor="t" bIns="91425" lIns="91425" spcFirstLastPara="1" rIns="91425" wrap="square" tIns="91425">
+          <a:bodyPr spcFirstLastPara="1" wrap="square" lIns="91425" tIns="91425" rIns="91425" bIns="91425" anchor="t" anchorCtr="0">
             <a:normAutofit/>
           </a:bodyPr>
           <a:lstStyle>
@@ -3005,15 +3417,19 @@
               <a:defRPr/>
             </a:lvl9pPr>
           </a:lstStyle>
-          <a:p/>
+          <a:p>
+            <a:endParaRPr/>
+          </a:p>
         </p:txBody>
       </p:sp>
       <p:sp>
         <p:nvSpPr>
           <p:cNvPr id="19" name="Google Shape;19;p4"/>
-          <p:cNvSpPr txBox="1"/>
+          <p:cNvSpPr txBox="1">
+            <a:spLocks noGrp="1"/>
+          </p:cNvSpPr>
           <p:nvPr>
-            <p:ph idx="1" type="body"/>
+            <p:ph type="body" idx="1"/>
           </p:nvPr>
         </p:nvSpPr>
         <p:spPr>
@@ -3026,11 +3442,11 @@
           </a:prstGeom>
         </p:spPr>
         <p:txBody>
-          <a:bodyPr anchorCtr="0" anchor="t" bIns="91425" lIns="91425" spcFirstLastPara="1" rIns="91425" wrap="square" tIns="91425">
+          <a:bodyPr spcFirstLastPara="1" wrap="square" lIns="91425" tIns="91425" rIns="91425" bIns="91425" anchor="t" anchorCtr="0">
             <a:normAutofit/>
           </a:bodyPr>
           <a:lstStyle>
-            <a:lvl1pPr indent="-342900" lvl="0" marL="457200">
+            <a:lvl1pPr marL="457200" lvl="0" indent="-342900">
               <a:spcBef>
                 <a:spcPts val="0"/>
               </a:spcBef>
@@ -3041,7 +3457,7 @@
               <a:buChar char="●"/>
               <a:defRPr/>
             </a:lvl1pPr>
-            <a:lvl2pPr indent="-317500" lvl="1" marL="914400">
+            <a:lvl2pPr marL="914400" lvl="1" indent="-317500">
               <a:spcBef>
                 <a:spcPts val="0"/>
               </a:spcBef>
@@ -3052,7 +3468,7 @@
               <a:buChar char="○"/>
               <a:defRPr/>
             </a:lvl2pPr>
-            <a:lvl3pPr indent="-317500" lvl="2" marL="1371600">
+            <a:lvl3pPr marL="1371600" lvl="2" indent="-317500">
               <a:spcBef>
                 <a:spcPts val="0"/>
               </a:spcBef>
@@ -3063,7 +3479,7 @@
               <a:buChar char="■"/>
               <a:defRPr/>
             </a:lvl3pPr>
-            <a:lvl4pPr indent="-317500" lvl="3" marL="1828800">
+            <a:lvl4pPr marL="1828800" lvl="3" indent="-317500">
               <a:spcBef>
                 <a:spcPts val="0"/>
               </a:spcBef>
@@ -3074,7 +3490,7 @@
               <a:buChar char="●"/>
               <a:defRPr/>
             </a:lvl4pPr>
-            <a:lvl5pPr indent="-317500" lvl="4" marL="2286000">
+            <a:lvl5pPr marL="2286000" lvl="4" indent="-317500">
               <a:spcBef>
                 <a:spcPts val="0"/>
               </a:spcBef>
@@ -3085,7 +3501,7 @@
               <a:buChar char="○"/>
               <a:defRPr/>
             </a:lvl5pPr>
-            <a:lvl6pPr indent="-317500" lvl="5" marL="2743200">
+            <a:lvl6pPr marL="2743200" lvl="5" indent="-317500">
               <a:spcBef>
                 <a:spcPts val="0"/>
               </a:spcBef>
@@ -3096,7 +3512,7 @@
               <a:buChar char="■"/>
               <a:defRPr/>
             </a:lvl6pPr>
-            <a:lvl7pPr indent="-317500" lvl="6" marL="3200400">
+            <a:lvl7pPr marL="3200400" lvl="6" indent="-317500">
               <a:spcBef>
                 <a:spcPts val="0"/>
               </a:spcBef>
@@ -3107,7 +3523,7 @@
               <a:buChar char="●"/>
               <a:defRPr/>
             </a:lvl7pPr>
-            <a:lvl8pPr indent="-317500" lvl="7" marL="3657600">
+            <a:lvl8pPr marL="3657600" lvl="7" indent="-317500">
               <a:spcBef>
                 <a:spcPts val="0"/>
               </a:spcBef>
@@ -3118,7 +3534,7 @@
               <a:buChar char="○"/>
               <a:defRPr/>
             </a:lvl8pPr>
-            <a:lvl9pPr indent="-317500" lvl="8" marL="4114800">
+            <a:lvl9pPr marL="4114800" lvl="8" indent="-317500">
               <a:spcBef>
                 <a:spcPts val="0"/>
               </a:spcBef>
@@ -3130,15 +3546,19 @@
               <a:defRPr/>
             </a:lvl9pPr>
           </a:lstStyle>
-          <a:p/>
+          <a:p>
+            <a:endParaRPr/>
+          </a:p>
         </p:txBody>
       </p:sp>
       <p:sp>
         <p:nvSpPr>
           <p:cNvPr id="20" name="Google Shape;20;p4"/>
-          <p:cNvSpPr txBox="1"/>
+          <p:cNvSpPr txBox="1">
+            <a:spLocks noGrp="1"/>
+          </p:cNvSpPr>
           <p:nvPr>
-            <p:ph idx="12" type="sldNum"/>
+            <p:ph type="sldNum" idx="12"/>
           </p:nvPr>
         </p:nvSpPr>
         <p:spPr>
@@ -3151,7 +3571,7 @@
           </a:prstGeom>
         </p:spPr>
         <p:txBody>
-          <a:bodyPr anchorCtr="0" anchor="ctr" bIns="91425" lIns="91425" spcFirstLastPara="1" rIns="91425" wrap="square" tIns="91425">
+          <a:bodyPr spcFirstLastPara="1" wrap="square" lIns="91425" tIns="91425" rIns="91425" bIns="91425" anchor="ctr" anchorCtr="0">
             <a:normAutofit/>
           </a:bodyPr>
           <a:lstStyle>
@@ -3193,7 +3613,7 @@
             </a:lvl9pPr>
           </a:lstStyle>
           <a:p>
-            <a:pPr indent="0" lvl="0" marL="0" rtl="0" algn="r">
+            <a:pPr marL="0" lvl="0" indent="0" algn="r" rtl="0">
               <a:spcBef>
                 <a:spcPts val="0"/>
               </a:spcBef>
@@ -3219,11 +3639,11 @@
 </file>
 
 <file path=ppt/slideLayouts/slideLayout4.xml><?xml version="1.0" encoding="utf-8"?>
-<p:sldLayout xmlns:a="http://schemas.openxmlformats.org/drawingml/2006/main" xmlns:r="http://schemas.openxmlformats.org/officeDocument/2006/relationships" xmlns:mc="http://schemas.openxmlformats.org/markup-compatibility/2006" xmlns:mv="urn:schemas-microsoft-com:mac:vml" xmlns:p="http://schemas.openxmlformats.org/presentationml/2006/main" xmlns:c="http://schemas.openxmlformats.org/drawingml/2006/chart" xmlns:dgm="http://schemas.openxmlformats.org/drawingml/2006/diagram" xmlns:o="urn:schemas-microsoft-com:office:office" xmlns:v="urn:schemas-microsoft-com:vml" xmlns:pvml="urn:schemas-microsoft-com:office:powerpoint" xmlns:com="http://schemas.openxmlformats.org/drawingml/2006/compatibility" xmlns:p14="http://schemas.microsoft.com/office/powerpoint/2010/main" xmlns:p15="http://schemas.microsoft.com/office/powerpoint/2012/main" xmlns:ahyp="http://schemas.microsoft.com/office/drawing/2018/hyperlinkcolor" matchingName="Title and two columns" type="twoColTx">
+<p:sldLayout xmlns:a="http://schemas.openxmlformats.org/drawingml/2006/main" xmlns:r="http://schemas.openxmlformats.org/officeDocument/2006/relationships" xmlns:p="http://schemas.openxmlformats.org/presentationml/2006/main" matchingName="Title and two columns" type="twoColTx">
   <p:cSld name="TITLE_AND_TWO_COLUMNS">
     <p:spTree>
       <p:nvGrpSpPr>
-        <p:cNvPr id="21" name="Shape 21"/>
+        <p:cNvPr id="1" name="Shape 21"/>
         <p:cNvGrpSpPr/>
         <p:nvPr/>
       </p:nvGrpSpPr>
@@ -3238,7 +3658,9 @@
       <p:sp>
         <p:nvSpPr>
           <p:cNvPr id="22" name="Google Shape;22;p5"/>
-          <p:cNvSpPr txBox="1"/>
+          <p:cNvSpPr txBox="1">
+            <a:spLocks noGrp="1"/>
+          </p:cNvSpPr>
           <p:nvPr>
             <p:ph type="title"/>
           </p:nvPr>
@@ -3253,7 +3675,7 @@
           </a:prstGeom>
         </p:spPr>
         <p:txBody>
-          <a:bodyPr anchorCtr="0" anchor="t" bIns="91425" lIns="91425" spcFirstLastPara="1" rIns="91425" wrap="square" tIns="91425">
+          <a:bodyPr spcFirstLastPara="1" wrap="square" lIns="91425" tIns="91425" rIns="91425" bIns="91425" anchor="t" anchorCtr="0">
             <a:normAutofit/>
           </a:bodyPr>
           <a:lstStyle>
@@ -3357,15 +3779,19 @@
               <a:defRPr/>
             </a:lvl9pPr>
           </a:lstStyle>
-          <a:p/>
+          <a:p>
+            <a:endParaRPr/>
+          </a:p>
         </p:txBody>
       </p:sp>
       <p:sp>
         <p:nvSpPr>
           <p:cNvPr id="23" name="Google Shape;23;p5"/>
-          <p:cNvSpPr txBox="1"/>
+          <p:cNvSpPr txBox="1">
+            <a:spLocks noGrp="1"/>
+          </p:cNvSpPr>
           <p:nvPr>
-            <p:ph idx="1" type="body"/>
+            <p:ph type="body" idx="1"/>
           </p:nvPr>
         </p:nvSpPr>
         <p:spPr>
@@ -3378,11 +3804,11 @@
           </a:prstGeom>
         </p:spPr>
         <p:txBody>
-          <a:bodyPr anchorCtr="0" anchor="t" bIns="91425" lIns="91425" spcFirstLastPara="1" rIns="91425" wrap="square" tIns="91425">
+          <a:bodyPr spcFirstLastPara="1" wrap="square" lIns="91425" tIns="91425" rIns="91425" bIns="91425" anchor="t" anchorCtr="0">
             <a:normAutofit/>
           </a:bodyPr>
           <a:lstStyle>
-            <a:lvl1pPr indent="-317500" lvl="0" marL="457200">
+            <a:lvl1pPr marL="457200" lvl="0" indent="-317500">
               <a:spcBef>
                 <a:spcPts val="0"/>
               </a:spcBef>
@@ -3393,7 +3819,7 @@
               <a:buChar char="●"/>
               <a:defRPr sz="1400"/>
             </a:lvl1pPr>
-            <a:lvl2pPr indent="-304800" lvl="1" marL="914400">
+            <a:lvl2pPr marL="914400" lvl="1" indent="-304800">
               <a:spcBef>
                 <a:spcPts val="0"/>
               </a:spcBef>
@@ -3404,7 +3830,7 @@
               <a:buChar char="○"/>
               <a:defRPr sz="1200"/>
             </a:lvl2pPr>
-            <a:lvl3pPr indent="-304800" lvl="2" marL="1371600">
+            <a:lvl3pPr marL="1371600" lvl="2" indent="-304800">
               <a:spcBef>
                 <a:spcPts val="0"/>
               </a:spcBef>
@@ -3415,7 +3841,7 @@
               <a:buChar char="■"/>
               <a:defRPr sz="1200"/>
             </a:lvl3pPr>
-            <a:lvl4pPr indent="-304800" lvl="3" marL="1828800">
+            <a:lvl4pPr marL="1828800" lvl="3" indent="-304800">
               <a:spcBef>
                 <a:spcPts val="0"/>
               </a:spcBef>
@@ -3426,7 +3852,7 @@
               <a:buChar char="●"/>
               <a:defRPr sz="1200"/>
             </a:lvl4pPr>
-            <a:lvl5pPr indent="-304800" lvl="4" marL="2286000">
+            <a:lvl5pPr marL="2286000" lvl="4" indent="-304800">
               <a:spcBef>
                 <a:spcPts val="0"/>
               </a:spcBef>
@@ -3437,7 +3863,7 @@
               <a:buChar char="○"/>
               <a:defRPr sz="1200"/>
             </a:lvl5pPr>
-            <a:lvl6pPr indent="-304800" lvl="5" marL="2743200">
+            <a:lvl6pPr marL="2743200" lvl="5" indent="-304800">
               <a:spcBef>
                 <a:spcPts val="0"/>
               </a:spcBef>
@@ -3448,7 +3874,7 @@
               <a:buChar char="■"/>
               <a:defRPr sz="1200"/>
             </a:lvl6pPr>
-            <a:lvl7pPr indent="-304800" lvl="6" marL="3200400">
+            <a:lvl7pPr marL="3200400" lvl="6" indent="-304800">
               <a:spcBef>
                 <a:spcPts val="0"/>
               </a:spcBef>
@@ -3459,7 +3885,7 @@
               <a:buChar char="●"/>
               <a:defRPr sz="1200"/>
             </a:lvl7pPr>
-            <a:lvl8pPr indent="-304800" lvl="7" marL="3657600">
+            <a:lvl8pPr marL="3657600" lvl="7" indent="-304800">
               <a:spcBef>
                 <a:spcPts val="0"/>
               </a:spcBef>
@@ -3470,7 +3896,7 @@
               <a:buChar char="○"/>
               <a:defRPr sz="1200"/>
             </a:lvl8pPr>
-            <a:lvl9pPr indent="-304800" lvl="8" marL="4114800">
+            <a:lvl9pPr marL="4114800" lvl="8" indent="-304800">
               <a:spcBef>
                 <a:spcPts val="0"/>
               </a:spcBef>
@@ -3482,15 +3908,19 @@
               <a:defRPr sz="1200"/>
             </a:lvl9pPr>
           </a:lstStyle>
-          <a:p/>
+          <a:p>
+            <a:endParaRPr/>
+          </a:p>
         </p:txBody>
       </p:sp>
       <p:sp>
         <p:nvSpPr>
           <p:cNvPr id="24" name="Google Shape;24;p5"/>
-          <p:cNvSpPr txBox="1"/>
+          <p:cNvSpPr txBox="1">
+            <a:spLocks noGrp="1"/>
+          </p:cNvSpPr>
           <p:nvPr>
-            <p:ph idx="2" type="body"/>
+            <p:ph type="body" idx="2"/>
           </p:nvPr>
         </p:nvSpPr>
         <p:spPr>
@@ -3503,11 +3933,11 @@
           </a:prstGeom>
         </p:spPr>
         <p:txBody>
-          <a:bodyPr anchorCtr="0" anchor="t" bIns="91425" lIns="91425" spcFirstLastPara="1" rIns="91425" wrap="square" tIns="91425">
+          <a:bodyPr spcFirstLastPara="1" wrap="square" lIns="91425" tIns="91425" rIns="91425" bIns="91425" anchor="t" anchorCtr="0">
             <a:normAutofit/>
           </a:bodyPr>
           <a:lstStyle>
-            <a:lvl1pPr indent="-317500" lvl="0" marL="457200">
+            <a:lvl1pPr marL="457200" lvl="0" indent="-317500">
               <a:spcBef>
                 <a:spcPts val="0"/>
               </a:spcBef>
@@ -3518,7 +3948,7 @@
               <a:buChar char="●"/>
               <a:defRPr sz="1400"/>
             </a:lvl1pPr>
-            <a:lvl2pPr indent="-304800" lvl="1" marL="914400">
+            <a:lvl2pPr marL="914400" lvl="1" indent="-304800">
               <a:spcBef>
                 <a:spcPts val="0"/>
               </a:spcBef>
@@ -3529,7 +3959,7 @@
               <a:buChar char="○"/>
               <a:defRPr sz="1200"/>
             </a:lvl2pPr>
-            <a:lvl3pPr indent="-304800" lvl="2" marL="1371600">
+            <a:lvl3pPr marL="1371600" lvl="2" indent="-304800">
               <a:spcBef>
                 <a:spcPts val="0"/>
               </a:spcBef>
@@ -3540,7 +3970,7 @@
               <a:buChar char="■"/>
               <a:defRPr sz="1200"/>
             </a:lvl3pPr>
-            <a:lvl4pPr indent="-304800" lvl="3" marL="1828800">
+            <a:lvl4pPr marL="1828800" lvl="3" indent="-304800">
               <a:spcBef>
                 <a:spcPts val="0"/>
               </a:spcBef>
@@ -3551,7 +3981,7 @@
               <a:buChar char="●"/>
               <a:defRPr sz="1200"/>
             </a:lvl4pPr>
-            <a:lvl5pPr indent="-304800" lvl="4" marL="2286000">
+            <a:lvl5pPr marL="2286000" lvl="4" indent="-304800">
               <a:spcBef>
                 <a:spcPts val="0"/>
               </a:spcBef>
@@ -3562,7 +3992,7 @@
               <a:buChar char="○"/>
               <a:defRPr sz="1200"/>
             </a:lvl5pPr>
-            <a:lvl6pPr indent="-304800" lvl="5" marL="2743200">
+            <a:lvl6pPr marL="2743200" lvl="5" indent="-304800">
               <a:spcBef>
                 <a:spcPts val="0"/>
               </a:spcBef>
@@ -3573,7 +4003,7 @@
               <a:buChar char="■"/>
               <a:defRPr sz="1200"/>
             </a:lvl6pPr>
-            <a:lvl7pPr indent="-304800" lvl="6" marL="3200400">
+            <a:lvl7pPr marL="3200400" lvl="6" indent="-304800">
               <a:spcBef>
                 <a:spcPts val="0"/>
               </a:spcBef>
@@ -3584,7 +4014,7 @@
               <a:buChar char="●"/>
               <a:defRPr sz="1200"/>
             </a:lvl7pPr>
-            <a:lvl8pPr indent="-304800" lvl="7" marL="3657600">
+            <a:lvl8pPr marL="3657600" lvl="7" indent="-304800">
               <a:spcBef>
                 <a:spcPts val="0"/>
               </a:spcBef>
@@ -3595,7 +4025,7 @@
               <a:buChar char="○"/>
               <a:defRPr sz="1200"/>
             </a:lvl8pPr>
-            <a:lvl9pPr indent="-304800" lvl="8" marL="4114800">
+            <a:lvl9pPr marL="4114800" lvl="8" indent="-304800">
               <a:spcBef>
                 <a:spcPts val="0"/>
               </a:spcBef>
@@ -3607,15 +4037,19 @@
               <a:defRPr sz="1200"/>
             </a:lvl9pPr>
           </a:lstStyle>
-          <a:p/>
+          <a:p>
+            <a:endParaRPr/>
+          </a:p>
         </p:txBody>
       </p:sp>
       <p:sp>
         <p:nvSpPr>
           <p:cNvPr id="25" name="Google Shape;25;p5"/>
-          <p:cNvSpPr txBox="1"/>
+          <p:cNvSpPr txBox="1">
+            <a:spLocks noGrp="1"/>
+          </p:cNvSpPr>
           <p:nvPr>
-            <p:ph idx="12" type="sldNum"/>
+            <p:ph type="sldNum" idx="12"/>
           </p:nvPr>
         </p:nvSpPr>
         <p:spPr>
@@ -3628,7 +4062,7 @@
           </a:prstGeom>
         </p:spPr>
         <p:txBody>
-          <a:bodyPr anchorCtr="0" anchor="ctr" bIns="91425" lIns="91425" spcFirstLastPara="1" rIns="91425" wrap="square" tIns="91425">
+          <a:bodyPr spcFirstLastPara="1" wrap="square" lIns="91425" tIns="91425" rIns="91425" bIns="91425" anchor="ctr" anchorCtr="0">
             <a:normAutofit/>
           </a:bodyPr>
           <a:lstStyle>
@@ -3670,7 +4104,7 @@
             </a:lvl9pPr>
           </a:lstStyle>
           <a:p>
-            <a:pPr indent="0" lvl="0" marL="0" rtl="0" algn="r">
+            <a:pPr marL="0" lvl="0" indent="0" algn="r" rtl="0">
               <a:spcBef>
                 <a:spcPts val="0"/>
               </a:spcBef>
@@ -3696,11 +4130,11 @@
 </file>
 
 <file path=ppt/slideLayouts/slideLayout5.xml><?xml version="1.0" encoding="utf-8"?>
-<p:sldLayout xmlns:a="http://schemas.openxmlformats.org/drawingml/2006/main" xmlns:r="http://schemas.openxmlformats.org/officeDocument/2006/relationships" xmlns:mc="http://schemas.openxmlformats.org/markup-compatibility/2006" xmlns:mv="urn:schemas-microsoft-com:mac:vml" xmlns:p="http://schemas.openxmlformats.org/presentationml/2006/main" xmlns:c="http://schemas.openxmlformats.org/drawingml/2006/chart" xmlns:dgm="http://schemas.openxmlformats.org/drawingml/2006/diagram" xmlns:o="urn:schemas-microsoft-com:office:office" xmlns:v="urn:schemas-microsoft-com:vml" xmlns:pvml="urn:schemas-microsoft-com:office:powerpoint" xmlns:com="http://schemas.openxmlformats.org/drawingml/2006/compatibility" xmlns:p14="http://schemas.microsoft.com/office/powerpoint/2010/main" xmlns:p15="http://schemas.microsoft.com/office/powerpoint/2012/main" xmlns:ahyp="http://schemas.microsoft.com/office/drawing/2018/hyperlinkcolor" matchingName="Title only" type="titleOnly">
+<p:sldLayout xmlns:a="http://schemas.openxmlformats.org/drawingml/2006/main" xmlns:r="http://schemas.openxmlformats.org/officeDocument/2006/relationships" xmlns:p="http://schemas.openxmlformats.org/presentationml/2006/main" matchingName="Title only" type="titleOnly">
   <p:cSld name="TITLE_ONLY">
     <p:spTree>
       <p:nvGrpSpPr>
-        <p:cNvPr id="26" name="Shape 26"/>
+        <p:cNvPr id="1" name="Shape 26"/>
         <p:cNvGrpSpPr/>
         <p:nvPr/>
       </p:nvGrpSpPr>
@@ -3715,7 +4149,9 @@
       <p:sp>
         <p:nvSpPr>
           <p:cNvPr id="27" name="Google Shape;27;p6"/>
-          <p:cNvSpPr txBox="1"/>
+          <p:cNvSpPr txBox="1">
+            <a:spLocks noGrp="1"/>
+          </p:cNvSpPr>
           <p:nvPr>
             <p:ph type="title"/>
           </p:nvPr>
@@ -3730,7 +4166,7 @@
           </a:prstGeom>
         </p:spPr>
         <p:txBody>
-          <a:bodyPr anchorCtr="0" anchor="t" bIns="91425" lIns="91425" spcFirstLastPara="1" rIns="91425" wrap="square" tIns="91425">
+          <a:bodyPr spcFirstLastPara="1" wrap="square" lIns="91425" tIns="91425" rIns="91425" bIns="91425" anchor="t" anchorCtr="0">
             <a:normAutofit/>
           </a:bodyPr>
           <a:lstStyle>
@@ -3834,15 +4270,19 @@
               <a:defRPr sz="4000"/>
             </a:lvl9pPr>
           </a:lstStyle>
-          <a:p/>
+          <a:p>
+            <a:endParaRPr/>
+          </a:p>
         </p:txBody>
       </p:sp>
       <p:sp>
         <p:nvSpPr>
           <p:cNvPr id="28" name="Google Shape;28;p6"/>
-          <p:cNvSpPr txBox="1"/>
+          <p:cNvSpPr txBox="1">
+            <a:spLocks noGrp="1"/>
+          </p:cNvSpPr>
           <p:nvPr>
-            <p:ph idx="12" type="sldNum"/>
+            <p:ph type="sldNum" idx="12"/>
           </p:nvPr>
         </p:nvSpPr>
         <p:spPr>
@@ -3855,7 +4295,7 @@
           </a:prstGeom>
         </p:spPr>
         <p:txBody>
-          <a:bodyPr anchorCtr="0" anchor="ctr" bIns="91425" lIns="91425" spcFirstLastPara="1" rIns="91425" wrap="square" tIns="91425">
+          <a:bodyPr spcFirstLastPara="1" wrap="square" lIns="91425" tIns="91425" rIns="91425" bIns="91425" anchor="ctr" anchorCtr="0">
             <a:normAutofit/>
           </a:bodyPr>
           <a:lstStyle>
@@ -3897,7 +4337,7 @@
             </a:lvl9pPr>
           </a:lstStyle>
           <a:p>
-            <a:pPr indent="0" lvl="0" marL="0" rtl="0" algn="r">
+            <a:pPr marL="0" lvl="0" indent="0" algn="r" rtl="0">
               <a:spcBef>
                 <a:spcPts val="0"/>
               </a:spcBef>
@@ -3923,11 +4363,11 @@
 </file>
 
 <file path=ppt/slideLayouts/slideLayout6.xml><?xml version="1.0" encoding="utf-8"?>
-<p:sldLayout xmlns:a="http://schemas.openxmlformats.org/drawingml/2006/main" xmlns:r="http://schemas.openxmlformats.org/officeDocument/2006/relationships" xmlns:mc="http://schemas.openxmlformats.org/markup-compatibility/2006" xmlns:mv="urn:schemas-microsoft-com:mac:vml" xmlns:p="http://schemas.openxmlformats.org/presentationml/2006/main" xmlns:c="http://schemas.openxmlformats.org/drawingml/2006/chart" xmlns:dgm="http://schemas.openxmlformats.org/drawingml/2006/diagram" xmlns:o="urn:schemas-microsoft-com:office:office" xmlns:v="urn:schemas-microsoft-com:vml" xmlns:pvml="urn:schemas-microsoft-com:office:powerpoint" xmlns:com="http://schemas.openxmlformats.org/drawingml/2006/compatibility" xmlns:p14="http://schemas.microsoft.com/office/powerpoint/2010/main" xmlns:p15="http://schemas.microsoft.com/office/powerpoint/2012/main" xmlns:ahyp="http://schemas.microsoft.com/office/drawing/2018/hyperlinkcolor" matchingName="One column text">
+<p:sldLayout xmlns:a="http://schemas.openxmlformats.org/drawingml/2006/main" xmlns:r="http://schemas.openxmlformats.org/officeDocument/2006/relationships" xmlns:p="http://schemas.openxmlformats.org/presentationml/2006/main" matchingName="One column text">
   <p:cSld name="ONE_COLUMN_TEXT">
     <p:spTree>
       <p:nvGrpSpPr>
-        <p:cNvPr id="29" name="Shape 29"/>
+        <p:cNvPr id="1" name="Shape 29"/>
         <p:cNvGrpSpPr/>
         <p:nvPr/>
       </p:nvGrpSpPr>
@@ -3942,7 +4382,9 @@
       <p:sp>
         <p:nvSpPr>
           <p:cNvPr id="30" name="Google Shape;30;p7"/>
-          <p:cNvSpPr txBox="1"/>
+          <p:cNvSpPr txBox="1">
+            <a:spLocks noGrp="1"/>
+          </p:cNvSpPr>
           <p:nvPr>
             <p:ph type="title"/>
           </p:nvPr>
@@ -3957,7 +4399,7 @@
           </a:prstGeom>
         </p:spPr>
         <p:txBody>
-          <a:bodyPr anchorCtr="0" anchor="b" bIns="91425" lIns="91425" spcFirstLastPara="1" rIns="91425" wrap="square" tIns="91425">
+          <a:bodyPr spcFirstLastPara="1" wrap="square" lIns="91425" tIns="91425" rIns="91425" bIns="91425" anchor="b" anchorCtr="0">
             <a:normAutofit/>
           </a:bodyPr>
           <a:lstStyle>
@@ -4097,15 +4539,19 @@
               </a:defRPr>
             </a:lvl9pPr>
           </a:lstStyle>
-          <a:p/>
+          <a:p>
+            <a:endParaRPr/>
+          </a:p>
         </p:txBody>
       </p:sp>
       <p:sp>
         <p:nvSpPr>
           <p:cNvPr id="31" name="Google Shape;31;p7"/>
-          <p:cNvSpPr txBox="1"/>
+          <p:cNvSpPr txBox="1">
+            <a:spLocks noGrp="1"/>
+          </p:cNvSpPr>
           <p:nvPr>
-            <p:ph idx="1" type="body"/>
+            <p:ph type="body" idx="1"/>
           </p:nvPr>
         </p:nvSpPr>
         <p:spPr>
@@ -4118,11 +4564,11 @@
           </a:prstGeom>
         </p:spPr>
         <p:txBody>
-          <a:bodyPr anchorCtr="0" anchor="t" bIns="91425" lIns="91425" spcFirstLastPara="1" rIns="91425" wrap="square" tIns="91425">
+          <a:bodyPr spcFirstLastPara="1" wrap="square" lIns="91425" tIns="91425" rIns="91425" bIns="91425" anchor="t" anchorCtr="0">
             <a:normAutofit/>
           </a:bodyPr>
           <a:lstStyle>
-            <a:lvl1pPr indent="-304800" lvl="0" marL="457200">
+            <a:lvl1pPr marL="457200" lvl="0" indent="-304800">
               <a:spcBef>
                 <a:spcPts val="0"/>
               </a:spcBef>
@@ -4133,7 +4579,7 @@
               <a:buChar char="●"/>
               <a:defRPr sz="1200"/>
             </a:lvl1pPr>
-            <a:lvl2pPr indent="-304800" lvl="1" marL="914400">
+            <a:lvl2pPr marL="914400" lvl="1" indent="-304800">
               <a:spcBef>
                 <a:spcPts val="0"/>
               </a:spcBef>
@@ -4144,7 +4590,7 @@
               <a:buChar char="○"/>
               <a:defRPr sz="1200"/>
             </a:lvl2pPr>
-            <a:lvl3pPr indent="-304800" lvl="2" marL="1371600">
+            <a:lvl3pPr marL="1371600" lvl="2" indent="-304800">
               <a:spcBef>
                 <a:spcPts val="0"/>
               </a:spcBef>
@@ -4155,7 +4601,7 @@
               <a:buChar char="■"/>
               <a:defRPr sz="1200"/>
             </a:lvl3pPr>
-            <a:lvl4pPr indent="-304800" lvl="3" marL="1828800">
+            <a:lvl4pPr marL="1828800" lvl="3" indent="-304800">
               <a:spcBef>
                 <a:spcPts val="0"/>
               </a:spcBef>
@@ -4166,7 +4612,7 @@
               <a:buChar char="●"/>
               <a:defRPr sz="1200"/>
             </a:lvl4pPr>
-            <a:lvl5pPr indent="-304800" lvl="4" marL="2286000">
+            <a:lvl5pPr marL="2286000" lvl="4" indent="-304800">
               <a:spcBef>
                 <a:spcPts val="0"/>
               </a:spcBef>
@@ -4177,7 +4623,7 @@
               <a:buChar char="○"/>
               <a:defRPr sz="1200"/>
             </a:lvl5pPr>
-            <a:lvl6pPr indent="-304800" lvl="5" marL="2743200">
+            <a:lvl6pPr marL="2743200" lvl="5" indent="-304800">
               <a:spcBef>
                 <a:spcPts val="0"/>
               </a:spcBef>
@@ -4188,7 +4634,7 @@
               <a:buChar char="■"/>
               <a:defRPr sz="1200"/>
             </a:lvl6pPr>
-            <a:lvl7pPr indent="-304800" lvl="6" marL="3200400">
+            <a:lvl7pPr marL="3200400" lvl="6" indent="-304800">
               <a:spcBef>
                 <a:spcPts val="0"/>
               </a:spcBef>
@@ -4199,7 +4645,7 @@
               <a:buChar char="●"/>
               <a:defRPr sz="1200"/>
             </a:lvl7pPr>
-            <a:lvl8pPr indent="-304800" lvl="7" marL="3657600">
+            <a:lvl8pPr marL="3657600" lvl="7" indent="-304800">
               <a:spcBef>
                 <a:spcPts val="0"/>
               </a:spcBef>
@@ -4210,7 +4656,7 @@
               <a:buChar char="○"/>
               <a:defRPr sz="1200"/>
             </a:lvl8pPr>
-            <a:lvl9pPr indent="-304800" lvl="8" marL="4114800">
+            <a:lvl9pPr marL="4114800" lvl="8" indent="-304800">
               <a:spcBef>
                 <a:spcPts val="0"/>
               </a:spcBef>
@@ -4222,15 +4668,19 @@
               <a:defRPr sz="1200"/>
             </a:lvl9pPr>
           </a:lstStyle>
-          <a:p/>
+          <a:p>
+            <a:endParaRPr/>
+          </a:p>
         </p:txBody>
       </p:sp>
       <p:sp>
         <p:nvSpPr>
           <p:cNvPr id="32" name="Google Shape;32;p7"/>
-          <p:cNvSpPr txBox="1"/>
+          <p:cNvSpPr txBox="1">
+            <a:spLocks noGrp="1"/>
+          </p:cNvSpPr>
           <p:nvPr>
-            <p:ph idx="12" type="sldNum"/>
+            <p:ph type="sldNum" idx="12"/>
           </p:nvPr>
         </p:nvSpPr>
         <p:spPr>
@@ -4243,7 +4693,7 @@
           </a:prstGeom>
         </p:spPr>
         <p:txBody>
-          <a:bodyPr anchorCtr="0" anchor="ctr" bIns="91425" lIns="91425" spcFirstLastPara="1" rIns="91425" wrap="square" tIns="91425">
+          <a:bodyPr spcFirstLastPara="1" wrap="square" lIns="91425" tIns="91425" rIns="91425" bIns="91425" anchor="ctr" anchorCtr="0">
             <a:normAutofit/>
           </a:bodyPr>
           <a:lstStyle>
@@ -4285,7 +4735,7 @@
             </a:lvl9pPr>
           </a:lstStyle>
           <a:p>
-            <a:pPr indent="0" lvl="0" marL="0" rtl="0" algn="r">
+            <a:pPr marL="0" lvl="0" indent="0" algn="r" rtl="0">
               <a:spcBef>
                 <a:spcPts val="0"/>
               </a:spcBef>
@@ -4311,18 +4761,19 @@
 </file>
 
 <file path=ppt/slideLayouts/slideLayout7.xml><?xml version="1.0" encoding="utf-8"?>
-<p:sldLayout xmlns:a="http://schemas.openxmlformats.org/drawingml/2006/main" xmlns:r="http://schemas.openxmlformats.org/officeDocument/2006/relationships" xmlns:mc="http://schemas.openxmlformats.org/markup-compatibility/2006" xmlns:mv="urn:schemas-microsoft-com:mac:vml" xmlns:p="http://schemas.openxmlformats.org/presentationml/2006/main" xmlns:c="http://schemas.openxmlformats.org/drawingml/2006/chart" xmlns:dgm="http://schemas.openxmlformats.org/drawingml/2006/diagram" xmlns:o="urn:schemas-microsoft-com:office:office" xmlns:v="urn:schemas-microsoft-com:vml" xmlns:pvml="urn:schemas-microsoft-com:office:powerpoint" xmlns:com="http://schemas.openxmlformats.org/drawingml/2006/compatibility" xmlns:p14="http://schemas.microsoft.com/office/powerpoint/2010/main" xmlns:p15="http://schemas.microsoft.com/office/powerpoint/2012/main" xmlns:ahyp="http://schemas.microsoft.com/office/drawing/2018/hyperlinkcolor" matchingName="Main point">
+<p:sldLayout xmlns:a="http://schemas.openxmlformats.org/drawingml/2006/main" xmlns:r="http://schemas.openxmlformats.org/officeDocument/2006/relationships" xmlns:p="http://schemas.openxmlformats.org/presentationml/2006/main" matchingName="Main point">
   <p:cSld name="MAIN_POINT">
     <p:bg>
       <p:bgPr>
         <a:solidFill>
           <a:schemeClr val="accent4"/>
         </a:solidFill>
+        <a:effectLst/>
       </p:bgPr>
     </p:bg>
     <p:spTree>
       <p:nvGrpSpPr>
-        <p:cNvPr id="33" name="Shape 33"/>
+        <p:cNvPr id="1" name="Shape 33"/>
         <p:cNvGrpSpPr/>
         <p:nvPr/>
       </p:nvGrpSpPr>
@@ -4337,7 +4788,9 @@
       <p:sp>
         <p:nvSpPr>
           <p:cNvPr id="34" name="Google Shape;34;p8"/>
-          <p:cNvSpPr txBox="1"/>
+          <p:cNvSpPr txBox="1">
+            <a:spLocks noGrp="1"/>
+          </p:cNvSpPr>
           <p:nvPr>
             <p:ph type="title"/>
           </p:nvPr>
@@ -4352,7 +4805,7 @@
           </a:prstGeom>
         </p:spPr>
         <p:txBody>
-          <a:bodyPr anchorCtr="0" anchor="ctr" bIns="91425" lIns="91425" spcFirstLastPara="1" rIns="91425" wrap="square" tIns="91425">
+          <a:bodyPr spcFirstLastPara="1" wrap="square" lIns="91425" tIns="91425" rIns="91425" bIns="91425" anchor="ctr" anchorCtr="0">
             <a:normAutofit/>
           </a:bodyPr>
           <a:lstStyle>
@@ -4519,15 +4972,19 @@
               </a:defRPr>
             </a:lvl9pPr>
           </a:lstStyle>
-          <a:p/>
+          <a:p>
+            <a:endParaRPr/>
+          </a:p>
         </p:txBody>
       </p:sp>
       <p:sp>
         <p:nvSpPr>
           <p:cNvPr id="35" name="Google Shape;35;p8"/>
-          <p:cNvSpPr txBox="1"/>
+          <p:cNvSpPr txBox="1">
+            <a:spLocks noGrp="1"/>
+          </p:cNvSpPr>
           <p:nvPr>
-            <p:ph idx="12" type="sldNum"/>
+            <p:ph type="sldNum" idx="12"/>
           </p:nvPr>
         </p:nvSpPr>
         <p:spPr>
@@ -4540,7 +4997,7 @@
           </a:prstGeom>
         </p:spPr>
         <p:txBody>
-          <a:bodyPr anchorCtr="0" anchor="ctr" bIns="91425" lIns="91425" spcFirstLastPara="1" rIns="91425" wrap="square" tIns="91425">
+          <a:bodyPr spcFirstLastPara="1" wrap="square" lIns="91425" tIns="91425" rIns="91425" bIns="91425" anchor="ctr" anchorCtr="0">
             <a:normAutofit/>
           </a:bodyPr>
           <a:lstStyle>
@@ -4618,7 +5075,7 @@
             </a:lvl9pPr>
           </a:lstStyle>
           <a:p>
-            <a:pPr indent="0" lvl="0" marL="0" rtl="0" algn="r">
+            <a:pPr marL="0" lvl="0" indent="0" algn="r" rtl="0">
               <a:spcBef>
                 <a:spcPts val="0"/>
               </a:spcBef>
@@ -4644,11 +5101,11 @@
 </file>
 
 <file path=ppt/slideLayouts/slideLayout8.xml><?xml version="1.0" encoding="utf-8"?>
-<p:sldLayout xmlns:a="http://schemas.openxmlformats.org/drawingml/2006/main" xmlns:r="http://schemas.openxmlformats.org/officeDocument/2006/relationships" xmlns:mc="http://schemas.openxmlformats.org/markup-compatibility/2006" xmlns:mv="urn:schemas-microsoft-com:mac:vml" xmlns:p="http://schemas.openxmlformats.org/presentationml/2006/main" xmlns:c="http://schemas.openxmlformats.org/drawingml/2006/chart" xmlns:dgm="http://schemas.openxmlformats.org/drawingml/2006/diagram" xmlns:o="urn:schemas-microsoft-com:office:office" xmlns:v="urn:schemas-microsoft-com:vml" xmlns:pvml="urn:schemas-microsoft-com:office:powerpoint" xmlns:com="http://schemas.openxmlformats.org/drawingml/2006/compatibility" xmlns:p14="http://schemas.microsoft.com/office/powerpoint/2010/main" xmlns:p15="http://schemas.microsoft.com/office/powerpoint/2012/main" xmlns:ahyp="http://schemas.microsoft.com/office/drawing/2018/hyperlinkcolor" matchingName="Section title and description">
+<p:sldLayout xmlns:a="http://schemas.openxmlformats.org/drawingml/2006/main" xmlns:r="http://schemas.openxmlformats.org/officeDocument/2006/relationships" xmlns:p="http://schemas.openxmlformats.org/presentationml/2006/main" matchingName="Section title and description">
   <p:cSld name="SECTION_TITLE_AND_DESCRIPTION">
     <p:spTree>
       <p:nvGrpSpPr>
-        <p:cNvPr id="36" name="Shape 36"/>
+        <p:cNvPr id="1" name="Shape 36"/>
         <p:cNvGrpSpPr/>
         <p:nvPr/>
       </p:nvGrpSpPr>
@@ -4682,12 +5139,12 @@
           </a:ln>
         </p:spPr>
         <p:txBody>
-          <a:bodyPr anchorCtr="0" anchor="ctr" bIns="91425" lIns="91425" spcFirstLastPara="1" rIns="91425" wrap="square" tIns="91425">
+          <a:bodyPr spcFirstLastPara="1" wrap="square" lIns="91425" tIns="91425" rIns="91425" bIns="91425" anchor="ctr" anchorCtr="0">
             <a:noAutofit/>
           </a:bodyPr>
           <a:lstStyle/>
           <a:p>
-            <a:pPr indent="0" lvl="0" marL="0" rtl="0" algn="l">
+            <a:pPr marL="0" lvl="0" indent="0" algn="l" rtl="0">
               <a:spcBef>
                 <a:spcPts val="0"/>
               </a:spcBef>
@@ -4696,9 +5153,6 @@
               </a:spcAft>
               <a:buNone/>
             </a:pPr>
-            <a:r>
-              <a:t/>
-            </a:r>
             <a:endParaRPr/>
           </a:p>
         </p:txBody>
@@ -4718,21 +5172,23 @@
             <a:avLst/>
           </a:prstGeom>
           <a:noFill/>
-          <a:ln cap="flat" cmpd="sng" w="28575">
+          <a:ln w="28575" cap="flat" cmpd="sng">
             <a:solidFill>
               <a:schemeClr val="lt1"/>
             </a:solidFill>
             <a:prstDash val="solid"/>
             <a:round/>
-            <a:headEnd len="sm" w="sm" type="none"/>
-            <a:tailEnd len="sm" w="sm" type="none"/>
+            <a:headEnd type="none" w="sm" len="sm"/>
+            <a:tailEnd type="none" w="sm" len="sm"/>
           </a:ln>
         </p:spPr>
       </p:cxnSp>
       <p:sp>
         <p:nvSpPr>
           <p:cNvPr id="39" name="Google Shape;39;p9"/>
-          <p:cNvSpPr txBox="1"/>
+          <p:cNvSpPr txBox="1">
+            <a:spLocks noGrp="1"/>
+          </p:cNvSpPr>
           <p:nvPr>
             <p:ph type="title"/>
           </p:nvPr>
@@ -4747,7 +5203,7 @@
           </a:prstGeom>
         </p:spPr>
         <p:txBody>
-          <a:bodyPr anchorCtr="0" anchor="b" bIns="91425" lIns="91425" spcFirstLastPara="1" rIns="91425" wrap="square" tIns="91425">
+          <a:bodyPr spcFirstLastPara="1" wrap="square" lIns="91425" tIns="91425" rIns="91425" bIns="91425" anchor="b" anchorCtr="0">
             <a:normAutofit/>
           </a:bodyPr>
           <a:lstStyle>
@@ -4851,15 +5307,19 @@
               <a:defRPr sz="5400"/>
             </a:lvl9pPr>
           </a:lstStyle>
-          <a:p/>
+          <a:p>
+            <a:endParaRPr/>
+          </a:p>
         </p:txBody>
       </p:sp>
       <p:sp>
         <p:nvSpPr>
           <p:cNvPr id="40" name="Google Shape;40;p9"/>
-          <p:cNvSpPr txBox="1"/>
+          <p:cNvSpPr txBox="1">
+            <a:spLocks noGrp="1"/>
+          </p:cNvSpPr>
           <p:nvPr>
-            <p:ph idx="1" type="subTitle"/>
+            <p:ph type="subTitle" idx="1"/>
           </p:nvPr>
         </p:nvSpPr>
         <p:spPr>
@@ -4872,7 +5332,7 @@
           </a:prstGeom>
         </p:spPr>
         <p:txBody>
-          <a:bodyPr anchorCtr="0" anchor="t" bIns="91425" lIns="91425" spcFirstLastPara="1" rIns="91425" wrap="square" tIns="91425">
+          <a:bodyPr spcFirstLastPara="1" wrap="square" lIns="91425" tIns="91425" rIns="91425" bIns="91425" anchor="t" anchorCtr="0">
             <a:normAutofit/>
           </a:bodyPr>
           <a:lstStyle>
@@ -5003,15 +5463,19 @@
               <a:defRPr sz="1800"/>
             </a:lvl9pPr>
           </a:lstStyle>
-          <a:p/>
+          <a:p>
+            <a:endParaRPr/>
+          </a:p>
         </p:txBody>
       </p:sp>
       <p:sp>
         <p:nvSpPr>
           <p:cNvPr id="41" name="Google Shape;41;p9"/>
-          <p:cNvSpPr txBox="1"/>
+          <p:cNvSpPr txBox="1">
+            <a:spLocks noGrp="1"/>
+          </p:cNvSpPr>
           <p:nvPr>
-            <p:ph idx="2" type="body"/>
+            <p:ph type="body" idx="2"/>
           </p:nvPr>
         </p:nvSpPr>
         <p:spPr>
@@ -5024,11 +5488,11 @@
           </a:prstGeom>
         </p:spPr>
         <p:txBody>
-          <a:bodyPr anchorCtr="0" anchor="ctr" bIns="91425" lIns="91425" spcFirstLastPara="1" rIns="91425" wrap="square" tIns="91425">
+          <a:bodyPr spcFirstLastPara="1" wrap="square" lIns="91425" tIns="91425" rIns="91425" bIns="91425" anchor="ctr" anchorCtr="0">
             <a:normAutofit/>
           </a:bodyPr>
           <a:lstStyle>
-            <a:lvl1pPr indent="-342900" lvl="0" marL="457200">
+            <a:lvl1pPr marL="457200" lvl="0" indent="-342900">
               <a:spcBef>
                 <a:spcPts val="0"/>
               </a:spcBef>
@@ -5049,7 +5513,7 @@
                 </a:highlight>
               </a:defRPr>
             </a:lvl1pPr>
-            <a:lvl2pPr indent="-317500" lvl="1" marL="914400">
+            <a:lvl2pPr marL="914400" lvl="1" indent="-317500">
               <a:spcBef>
                 <a:spcPts val="0"/>
               </a:spcBef>
@@ -5070,7 +5534,7 @@
                 </a:highlight>
               </a:defRPr>
             </a:lvl2pPr>
-            <a:lvl3pPr indent="-317500" lvl="2" marL="1371600">
+            <a:lvl3pPr marL="1371600" lvl="2" indent="-317500">
               <a:spcBef>
                 <a:spcPts val="0"/>
               </a:spcBef>
@@ -5091,7 +5555,7 @@
                 </a:highlight>
               </a:defRPr>
             </a:lvl3pPr>
-            <a:lvl4pPr indent="-317500" lvl="3" marL="1828800">
+            <a:lvl4pPr marL="1828800" lvl="3" indent="-317500">
               <a:spcBef>
                 <a:spcPts val="0"/>
               </a:spcBef>
@@ -5112,7 +5576,7 @@
                 </a:highlight>
               </a:defRPr>
             </a:lvl4pPr>
-            <a:lvl5pPr indent="-317500" lvl="4" marL="2286000">
+            <a:lvl5pPr marL="2286000" lvl="4" indent="-317500">
               <a:spcBef>
                 <a:spcPts val="0"/>
               </a:spcBef>
@@ -5133,7 +5597,7 @@
                 </a:highlight>
               </a:defRPr>
             </a:lvl5pPr>
-            <a:lvl6pPr indent="-317500" lvl="5" marL="2743200">
+            <a:lvl6pPr marL="2743200" lvl="5" indent="-317500">
               <a:spcBef>
                 <a:spcPts val="0"/>
               </a:spcBef>
@@ -5154,7 +5618,7 @@
                 </a:highlight>
               </a:defRPr>
             </a:lvl6pPr>
-            <a:lvl7pPr indent="-317500" lvl="6" marL="3200400">
+            <a:lvl7pPr marL="3200400" lvl="6" indent="-317500">
               <a:spcBef>
                 <a:spcPts val="0"/>
               </a:spcBef>
@@ -5175,7 +5639,7 @@
                 </a:highlight>
               </a:defRPr>
             </a:lvl7pPr>
-            <a:lvl8pPr indent="-317500" lvl="7" marL="3657600">
+            <a:lvl8pPr marL="3657600" lvl="7" indent="-317500">
               <a:spcBef>
                 <a:spcPts val="0"/>
               </a:spcBef>
@@ -5196,7 +5660,7 @@
                 </a:highlight>
               </a:defRPr>
             </a:lvl8pPr>
-            <a:lvl9pPr indent="-317500" lvl="8" marL="4114800">
+            <a:lvl9pPr marL="4114800" lvl="8" indent="-317500">
               <a:spcBef>
                 <a:spcPts val="0"/>
               </a:spcBef>
@@ -5218,15 +5682,19 @@
               </a:defRPr>
             </a:lvl9pPr>
           </a:lstStyle>
-          <a:p/>
+          <a:p>
+            <a:endParaRPr/>
+          </a:p>
         </p:txBody>
       </p:sp>
       <p:sp>
         <p:nvSpPr>
           <p:cNvPr id="42" name="Google Shape;42;p9"/>
-          <p:cNvSpPr txBox="1"/>
+          <p:cNvSpPr txBox="1">
+            <a:spLocks noGrp="1"/>
+          </p:cNvSpPr>
           <p:nvPr>
-            <p:ph idx="12" type="sldNum"/>
+            <p:ph type="sldNum" idx="12"/>
           </p:nvPr>
         </p:nvSpPr>
         <p:spPr>
@@ -5239,7 +5707,7 @@
           </a:prstGeom>
         </p:spPr>
         <p:txBody>
-          <a:bodyPr anchorCtr="0" anchor="ctr" bIns="91425" lIns="91425" spcFirstLastPara="1" rIns="91425" wrap="square" tIns="91425">
+          <a:bodyPr spcFirstLastPara="1" wrap="square" lIns="91425" tIns="91425" rIns="91425" bIns="91425" anchor="ctr" anchorCtr="0">
             <a:normAutofit/>
           </a:bodyPr>
           <a:lstStyle>
@@ -5281,7 +5749,7 @@
             </a:lvl9pPr>
           </a:lstStyle>
           <a:p>
-            <a:pPr indent="0" lvl="0" marL="0" rtl="0" algn="r">
+            <a:pPr marL="0" lvl="0" indent="0" algn="r" rtl="0">
               <a:spcBef>
                 <a:spcPts val="0"/>
               </a:spcBef>
@@ -5307,11 +5775,11 @@
 </file>
 
 <file path=ppt/slideLayouts/slideLayout9.xml><?xml version="1.0" encoding="utf-8"?>
-<p:sldLayout xmlns:a="http://schemas.openxmlformats.org/drawingml/2006/main" xmlns:r="http://schemas.openxmlformats.org/officeDocument/2006/relationships" xmlns:mc="http://schemas.openxmlformats.org/markup-compatibility/2006" xmlns:mv="urn:schemas-microsoft-com:mac:vml" xmlns:p="http://schemas.openxmlformats.org/presentationml/2006/main" xmlns:c="http://schemas.openxmlformats.org/drawingml/2006/chart" xmlns:dgm="http://schemas.openxmlformats.org/drawingml/2006/diagram" xmlns:o="urn:schemas-microsoft-com:office:office" xmlns:v="urn:schemas-microsoft-com:vml" xmlns:pvml="urn:schemas-microsoft-com:office:powerpoint" xmlns:com="http://schemas.openxmlformats.org/drawingml/2006/compatibility" xmlns:p14="http://schemas.microsoft.com/office/powerpoint/2010/main" xmlns:p15="http://schemas.microsoft.com/office/powerpoint/2012/main" xmlns:ahyp="http://schemas.microsoft.com/office/drawing/2018/hyperlinkcolor" matchingName="Caption">
+<p:sldLayout xmlns:a="http://schemas.openxmlformats.org/drawingml/2006/main" xmlns:r="http://schemas.openxmlformats.org/officeDocument/2006/relationships" xmlns:p="http://schemas.openxmlformats.org/presentationml/2006/main" matchingName="Caption">
   <p:cSld name="CAPTION_ONLY">
     <p:spTree>
       <p:nvGrpSpPr>
-        <p:cNvPr id="43" name="Shape 43"/>
+        <p:cNvPr id="1" name="Shape 43"/>
         <p:cNvGrpSpPr/>
         <p:nvPr/>
       </p:nvGrpSpPr>
@@ -5326,9 +5794,11 @@
       <p:sp>
         <p:nvSpPr>
           <p:cNvPr id="44" name="Google Shape;44;p10"/>
-          <p:cNvSpPr txBox="1"/>
+          <p:cNvSpPr txBox="1">
+            <a:spLocks noGrp="1"/>
+          </p:cNvSpPr>
           <p:nvPr>
-            <p:ph idx="1" type="body"/>
+            <p:ph type="body" idx="1"/>
           </p:nvPr>
         </p:nvSpPr>
         <p:spPr>
@@ -5341,11 +5811,11 @@
           </a:prstGeom>
         </p:spPr>
         <p:txBody>
-          <a:bodyPr anchorCtr="0" anchor="ctr" bIns="91425" lIns="91425" spcFirstLastPara="1" rIns="91425" wrap="square" tIns="91425">
+          <a:bodyPr spcFirstLastPara="1" wrap="square" lIns="91425" tIns="91425" rIns="91425" bIns="91425" anchor="ctr" anchorCtr="0">
             <a:normAutofit/>
           </a:bodyPr>
           <a:lstStyle>
-            <a:lvl1pPr indent="-228600" lvl="0" marL="457200">
+            <a:lvl1pPr marL="457200" lvl="0" indent="-228600">
               <a:lnSpc>
                 <a:spcPct val="100000"/>
               </a:lnSpc>
@@ -5361,7 +5831,7 @@
               <a:buSzPts val="2400"/>
               <a:buFont typeface="Amatic SC"/>
               <a:buNone/>
-              <a:defRPr b="1" sz="2400">
+              <a:defRPr sz="2400" b="1">
                 <a:solidFill>
                   <a:schemeClr val="accent1"/>
                 </a:solidFill>
@@ -5372,15 +5842,19 @@
               </a:defRPr>
             </a:lvl1pPr>
           </a:lstStyle>
-          <a:p/>
+          <a:p>
+            <a:endParaRPr/>
+          </a:p>
         </p:txBody>
       </p:sp>
       <p:sp>
         <p:nvSpPr>
           <p:cNvPr id="45" name="Google Shape;45;p10"/>
-          <p:cNvSpPr txBox="1"/>
+          <p:cNvSpPr txBox="1">
+            <a:spLocks noGrp="1"/>
+          </p:cNvSpPr>
           <p:nvPr>
-            <p:ph idx="12" type="sldNum"/>
+            <p:ph type="sldNum" idx="12"/>
           </p:nvPr>
         </p:nvSpPr>
         <p:spPr>
@@ -5393,7 +5867,7 @@
           </a:prstGeom>
         </p:spPr>
         <p:txBody>
-          <a:bodyPr anchorCtr="0" anchor="ctr" bIns="91425" lIns="91425" spcFirstLastPara="1" rIns="91425" wrap="square" tIns="91425">
+          <a:bodyPr spcFirstLastPara="1" wrap="square" lIns="91425" tIns="91425" rIns="91425" bIns="91425" anchor="ctr" anchorCtr="0">
             <a:normAutofit/>
           </a:bodyPr>
           <a:lstStyle>
@@ -5435,7 +5909,7 @@
             </a:lvl9pPr>
           </a:lstStyle>
           <a:p>
-            <a:pPr indent="0" lvl="0" marL="0" rtl="0" algn="r">
+            <a:pPr marL="0" lvl="0" indent="0" algn="r" rtl="0">
               <a:spcBef>
                 <a:spcPts val="0"/>
               </a:spcBef>
@@ -5461,18 +5935,19 @@
 </file>
 
 <file path=ppt/slideMasters/slideMaster1.xml><?xml version="1.0" encoding="utf-8"?>
-<p:sldMaster xmlns:a="http://schemas.openxmlformats.org/drawingml/2006/main" xmlns:r="http://schemas.openxmlformats.org/officeDocument/2006/relationships" xmlns:mc="http://schemas.openxmlformats.org/markup-compatibility/2006" xmlns:mv="urn:schemas-microsoft-com:mac:vml" xmlns:p="http://schemas.openxmlformats.org/presentationml/2006/main" xmlns:c="http://schemas.openxmlformats.org/drawingml/2006/chart" xmlns:dgm="http://schemas.openxmlformats.org/drawingml/2006/diagram" xmlns:o="urn:schemas-microsoft-com:office:office" xmlns:v="urn:schemas-microsoft-com:vml" xmlns:pvml="urn:schemas-microsoft-com:office:powerpoint" xmlns:com="http://schemas.openxmlformats.org/drawingml/2006/compatibility" xmlns:p14="http://schemas.microsoft.com/office/powerpoint/2010/main" xmlns:p15="http://schemas.microsoft.com/office/powerpoint/2012/main" xmlns:ahyp="http://schemas.microsoft.com/office/drawing/2018/hyperlinkcolor">
+<p:sldMaster xmlns:a="http://schemas.openxmlformats.org/drawingml/2006/main" xmlns:r="http://schemas.openxmlformats.org/officeDocument/2006/relationships" xmlns:p="http://schemas.openxmlformats.org/presentationml/2006/main">
   <p:cSld name="beach-day">
     <p:bg>
       <p:bgPr>
         <a:solidFill>
           <a:schemeClr val="lt1"/>
         </a:solidFill>
+        <a:effectLst/>
       </p:bgPr>
     </p:bg>
     <p:spTree>
       <p:nvGrpSpPr>
-        <p:cNvPr id="5" name="Shape 5"/>
+        <p:cNvPr id="1" name="Shape 5"/>
         <p:cNvGrpSpPr/>
         <p:nvPr/>
       </p:nvGrpSpPr>
@@ -5487,7 +5962,9 @@
       <p:sp>
         <p:nvSpPr>
           <p:cNvPr id="6" name="Google Shape;6;p1"/>
-          <p:cNvSpPr txBox="1"/>
+          <p:cNvSpPr txBox="1">
+            <a:spLocks noGrp="1"/>
+          </p:cNvSpPr>
           <p:nvPr>
             <p:ph type="title"/>
           </p:nvPr>
@@ -5506,7 +5983,7 @@
           </a:ln>
         </p:spPr>
         <p:txBody>
-          <a:bodyPr anchorCtr="0" anchor="t" bIns="91425" lIns="91425" spcFirstLastPara="1" rIns="91425" wrap="square" tIns="91425">
+          <a:bodyPr spcFirstLastPara="1" wrap="square" lIns="91425" tIns="91425" rIns="91425" bIns="91425" anchor="t" anchorCtr="0">
             <a:normAutofit/>
           </a:bodyPr>
           <a:lstStyle>
@@ -5523,7 +6000,7 @@
               <a:buSzPts val="4200"/>
               <a:buFont typeface="Amatic SC"/>
               <a:buNone/>
-              <a:defRPr b="1" sz="4200">
+              <a:defRPr sz="4200" b="1">
                 <a:solidFill>
                   <a:schemeClr val="accent1"/>
                 </a:solidFill>
@@ -5546,7 +6023,7 @@
               <a:buSzPts val="4200"/>
               <a:buFont typeface="Amatic SC"/>
               <a:buNone/>
-              <a:defRPr b="1" sz="4200">
+              <a:defRPr sz="4200" b="1">
                 <a:solidFill>
                   <a:schemeClr val="accent1"/>
                 </a:solidFill>
@@ -5569,7 +6046,7 @@
               <a:buSzPts val="4200"/>
               <a:buFont typeface="Amatic SC"/>
               <a:buNone/>
-              <a:defRPr b="1" sz="4200">
+              <a:defRPr sz="4200" b="1">
                 <a:solidFill>
                   <a:schemeClr val="accent1"/>
                 </a:solidFill>
@@ -5592,7 +6069,7 @@
               <a:buSzPts val="4200"/>
               <a:buFont typeface="Amatic SC"/>
               <a:buNone/>
-              <a:defRPr b="1" sz="4200">
+              <a:defRPr sz="4200" b="1">
                 <a:solidFill>
                   <a:schemeClr val="accent1"/>
                 </a:solidFill>
@@ -5615,7 +6092,7 @@
               <a:buSzPts val="4200"/>
               <a:buFont typeface="Amatic SC"/>
               <a:buNone/>
-              <a:defRPr b="1" sz="4200">
+              <a:defRPr sz="4200" b="1">
                 <a:solidFill>
                   <a:schemeClr val="accent1"/>
                 </a:solidFill>
@@ -5638,7 +6115,7 @@
               <a:buSzPts val="4200"/>
               <a:buFont typeface="Amatic SC"/>
               <a:buNone/>
-              <a:defRPr b="1" sz="4200">
+              <a:defRPr sz="4200" b="1">
                 <a:solidFill>
                   <a:schemeClr val="accent1"/>
                 </a:solidFill>
@@ -5661,7 +6138,7 @@
               <a:buSzPts val="4200"/>
               <a:buFont typeface="Amatic SC"/>
               <a:buNone/>
-              <a:defRPr b="1" sz="4200">
+              <a:defRPr sz="4200" b="1">
                 <a:solidFill>
                   <a:schemeClr val="accent1"/>
                 </a:solidFill>
@@ -5684,7 +6161,7 @@
               <a:buSzPts val="4200"/>
               <a:buFont typeface="Amatic SC"/>
               <a:buNone/>
-              <a:defRPr b="1" sz="4200">
+              <a:defRPr sz="4200" b="1">
                 <a:solidFill>
                   <a:schemeClr val="accent1"/>
                 </a:solidFill>
@@ -5707,7 +6184,7 @@
               <a:buSzPts val="4200"/>
               <a:buFont typeface="Amatic SC"/>
               <a:buNone/>
-              <a:defRPr b="1" sz="4200">
+              <a:defRPr sz="4200" b="1">
                 <a:solidFill>
                   <a:schemeClr val="accent1"/>
                 </a:solidFill>
@@ -5718,15 +6195,19 @@
               </a:defRPr>
             </a:lvl9pPr>
           </a:lstStyle>
-          <a:p/>
+          <a:p>
+            <a:endParaRPr/>
+          </a:p>
         </p:txBody>
       </p:sp>
       <p:sp>
         <p:nvSpPr>
           <p:cNvPr id="7" name="Google Shape;7;p1"/>
-          <p:cNvSpPr txBox="1"/>
+          <p:cNvSpPr txBox="1">
+            <a:spLocks noGrp="1"/>
+          </p:cNvSpPr>
           <p:nvPr>
-            <p:ph idx="1" type="body"/>
+            <p:ph type="body" idx="1"/>
           </p:nvPr>
         </p:nvSpPr>
         <p:spPr>
@@ -5743,11 +6224,11 @@
           </a:ln>
         </p:spPr>
         <p:txBody>
-          <a:bodyPr anchorCtr="0" anchor="t" bIns="91425" lIns="91425" spcFirstLastPara="1" rIns="91425" wrap="square" tIns="91425">
+          <a:bodyPr spcFirstLastPara="1" wrap="square" lIns="91425" tIns="91425" rIns="91425" bIns="91425" anchor="t" anchorCtr="0">
             <a:normAutofit/>
           </a:bodyPr>
           <a:lstStyle>
-            <a:lvl1pPr indent="-342900" lvl="0" marL="457200">
+            <a:lvl1pPr marL="457200" lvl="0" indent="-342900">
               <a:lnSpc>
                 <a:spcPct val="115000"/>
               </a:lnSpc>
@@ -5773,7 +6254,7 @@
                 <a:sym typeface="Source Code Pro"/>
               </a:defRPr>
             </a:lvl1pPr>
-            <a:lvl2pPr indent="-317500" lvl="1" marL="914400">
+            <a:lvl2pPr marL="914400" lvl="1" indent="-317500">
               <a:lnSpc>
                 <a:spcPct val="115000"/>
               </a:lnSpc>
@@ -5799,7 +6280,7 @@
                 <a:sym typeface="Source Code Pro"/>
               </a:defRPr>
             </a:lvl2pPr>
-            <a:lvl3pPr indent="-317500" lvl="2" marL="1371600">
+            <a:lvl3pPr marL="1371600" lvl="2" indent="-317500">
               <a:lnSpc>
                 <a:spcPct val="115000"/>
               </a:lnSpc>
@@ -5825,7 +6306,7 @@
                 <a:sym typeface="Source Code Pro"/>
               </a:defRPr>
             </a:lvl3pPr>
-            <a:lvl4pPr indent="-317500" lvl="3" marL="1828800">
+            <a:lvl4pPr marL="1828800" lvl="3" indent="-317500">
               <a:lnSpc>
                 <a:spcPct val="115000"/>
               </a:lnSpc>
@@ -5851,7 +6332,7 @@
                 <a:sym typeface="Source Code Pro"/>
               </a:defRPr>
             </a:lvl4pPr>
-            <a:lvl5pPr indent="-317500" lvl="4" marL="2286000">
+            <a:lvl5pPr marL="2286000" lvl="4" indent="-317500">
               <a:lnSpc>
                 <a:spcPct val="115000"/>
               </a:lnSpc>
@@ -5877,7 +6358,7 @@
                 <a:sym typeface="Source Code Pro"/>
               </a:defRPr>
             </a:lvl5pPr>
-            <a:lvl6pPr indent="-317500" lvl="5" marL="2743200">
+            <a:lvl6pPr marL="2743200" lvl="5" indent="-317500">
               <a:lnSpc>
                 <a:spcPct val="115000"/>
               </a:lnSpc>
@@ -5903,7 +6384,7 @@
                 <a:sym typeface="Source Code Pro"/>
               </a:defRPr>
             </a:lvl6pPr>
-            <a:lvl7pPr indent="-317500" lvl="6" marL="3200400">
+            <a:lvl7pPr marL="3200400" lvl="6" indent="-317500">
               <a:lnSpc>
                 <a:spcPct val="115000"/>
               </a:lnSpc>
@@ -5929,7 +6410,7 @@
                 <a:sym typeface="Source Code Pro"/>
               </a:defRPr>
             </a:lvl7pPr>
-            <a:lvl8pPr indent="-317500" lvl="7" marL="3657600">
+            <a:lvl8pPr marL="3657600" lvl="7" indent="-317500">
               <a:lnSpc>
                 <a:spcPct val="115000"/>
               </a:lnSpc>
@@ -5955,7 +6436,7 @@
                 <a:sym typeface="Source Code Pro"/>
               </a:defRPr>
             </a:lvl8pPr>
-            <a:lvl9pPr indent="-317500" lvl="8" marL="4114800">
+            <a:lvl9pPr marL="4114800" lvl="8" indent="-317500">
               <a:lnSpc>
                 <a:spcPct val="115000"/>
               </a:lnSpc>
@@ -5982,15 +6463,19 @@
               </a:defRPr>
             </a:lvl9pPr>
           </a:lstStyle>
-          <a:p/>
+          <a:p>
+            <a:endParaRPr/>
+          </a:p>
         </p:txBody>
       </p:sp>
       <p:sp>
         <p:nvSpPr>
           <p:cNvPr id="8" name="Google Shape;8;p1"/>
-          <p:cNvSpPr txBox="1"/>
+          <p:cNvSpPr txBox="1">
+            <a:spLocks noGrp="1"/>
+          </p:cNvSpPr>
           <p:nvPr>
-            <p:ph idx="12" type="sldNum"/>
+            <p:ph type="sldNum" idx="12"/>
           </p:nvPr>
         </p:nvSpPr>
         <p:spPr>
@@ -6007,7 +6492,7 @@
           </a:ln>
         </p:spPr>
         <p:txBody>
-          <a:bodyPr anchorCtr="0" anchor="ctr" bIns="91425" lIns="91425" spcFirstLastPara="1" rIns="91425" wrap="square" tIns="91425">
+          <a:bodyPr spcFirstLastPara="1" wrap="square" lIns="91425" tIns="91425" rIns="91425" bIns="91425" anchor="ctr" anchorCtr="0">
             <a:normAutofit/>
           </a:bodyPr>
           <a:lstStyle>
@@ -6121,7 +6606,7 @@
             </a:lvl9pPr>
           </a:lstStyle>
           <a:p>
-            <a:pPr indent="0" lvl="0" marL="0" rtl="0" algn="r">
+            <a:pPr marL="0" lvl="0" indent="0" algn="r" rtl="0">
               <a:spcBef>
                 <a:spcPts val="0"/>
               </a:spcBef>
@@ -6140,7 +6625,7 @@
       </p:sp>
     </p:spTree>
   </p:cSld>
-  <p:clrMap accent1="accent1" accent2="accent2" accent3="accent3" accent4="accent4" accent5="accent5" accent6="accent6" bg1="lt1" bg2="dk2" tx1="dk1" tx2="lt2" folHlink="folHlink" hlink="hlink"/>
+  <p:clrMap bg1="lt1" tx1="dk1" bg2="dk2" tx2="lt2" accent1="accent1" accent2="accent2" accent3="accent3" accent4="accent4" accent5="accent5" accent6="accent6" hlink="hlink" folHlink="folHlink"/>
   <p:sldLayoutIdLst>
     <p:sldLayoutId id="2147483648" r:id="rId1"/>
     <p:sldLayoutId id="2147483649" r:id="rId2"/>
@@ -6154,10 +6639,10 @@
     <p:sldLayoutId id="2147483657" r:id="rId10"/>
     <p:sldLayoutId id="2147483658" r:id="rId11"/>
   </p:sldLayoutIdLst>
-  <p:hf dt="0" ftr="0" hdr="0" sldNum="0"/>
+  <p:hf sldNum="0" hdr="0" ftr="0" dt="0"/>
   <p:txStyles>
     <p:titleStyle>
-      <a:defPPr lvl="0" marR="0" rtl="0" algn="l">
+      <a:defPPr marR="0" lvl="0" algn="l" rtl="0">
         <a:lnSpc>
           <a:spcPct val="100000"/>
         </a:lnSpc>
@@ -6168,7 +6653,7 @@
           <a:spcPts val="0"/>
         </a:spcAft>
       </a:defPPr>
-      <a:lvl1pPr lvl="0" marR="0" rtl="0" algn="l">
+      <a:lvl1pPr marR="0" lvl="0" algn="l" rtl="0">
         <a:lnSpc>
           <a:spcPct val="100000"/>
         </a:lnSpc>
@@ -6182,7 +6667,7 @@
           <a:srgbClr val="000000"/>
         </a:buClr>
         <a:buFont typeface="Arial"/>
-        <a:defRPr b="0" i="0" sz="1400" u="none" cap="none" strike="noStrike">
+        <a:defRPr sz="1400" b="0" i="0" u="none" strike="noStrike" cap="none">
           <a:solidFill>
             <a:srgbClr val="000000"/>
           </a:solidFill>
@@ -6192,7 +6677,7 @@
           <a:sym typeface="Arial"/>
         </a:defRPr>
       </a:lvl1pPr>
-      <a:lvl2pPr lvl="1" marR="0" rtl="0" algn="l">
+      <a:lvl2pPr marR="0" lvl="1" algn="l" rtl="0">
         <a:lnSpc>
           <a:spcPct val="100000"/>
         </a:lnSpc>
@@ -6206,7 +6691,7 @@
           <a:srgbClr val="000000"/>
         </a:buClr>
         <a:buFont typeface="Arial"/>
-        <a:defRPr b="0" i="0" sz="1400" u="none" cap="none" strike="noStrike">
+        <a:defRPr sz="1400" b="0" i="0" u="none" strike="noStrike" cap="none">
           <a:solidFill>
             <a:srgbClr val="000000"/>
           </a:solidFill>
@@ -6216,7 +6701,7 @@
           <a:sym typeface="Arial"/>
         </a:defRPr>
       </a:lvl2pPr>
-      <a:lvl3pPr lvl="2" marR="0" rtl="0" algn="l">
+      <a:lvl3pPr marR="0" lvl="2" algn="l" rtl="0">
         <a:lnSpc>
           <a:spcPct val="100000"/>
         </a:lnSpc>
@@ -6230,7 +6715,7 @@
           <a:srgbClr val="000000"/>
         </a:buClr>
         <a:buFont typeface="Arial"/>
-        <a:defRPr b="0" i="0" sz="1400" u="none" cap="none" strike="noStrike">
+        <a:defRPr sz="1400" b="0" i="0" u="none" strike="noStrike" cap="none">
           <a:solidFill>
             <a:srgbClr val="000000"/>
           </a:solidFill>
@@ -6240,7 +6725,7 @@
           <a:sym typeface="Arial"/>
         </a:defRPr>
       </a:lvl3pPr>
-      <a:lvl4pPr lvl="3" marR="0" rtl="0" algn="l">
+      <a:lvl4pPr marR="0" lvl="3" algn="l" rtl="0">
         <a:lnSpc>
           <a:spcPct val="100000"/>
         </a:lnSpc>
@@ -6254,7 +6739,7 @@
           <a:srgbClr val="000000"/>
         </a:buClr>
         <a:buFont typeface="Arial"/>
-        <a:defRPr b="0" i="0" sz="1400" u="none" cap="none" strike="noStrike">
+        <a:defRPr sz="1400" b="0" i="0" u="none" strike="noStrike" cap="none">
           <a:solidFill>
             <a:srgbClr val="000000"/>
           </a:solidFill>
@@ -6264,7 +6749,7 @@
           <a:sym typeface="Arial"/>
         </a:defRPr>
       </a:lvl4pPr>
-      <a:lvl5pPr lvl="4" marR="0" rtl="0" algn="l">
+      <a:lvl5pPr marR="0" lvl="4" algn="l" rtl="0">
         <a:lnSpc>
           <a:spcPct val="100000"/>
         </a:lnSpc>
@@ -6278,7 +6763,7 @@
           <a:srgbClr val="000000"/>
         </a:buClr>
         <a:buFont typeface="Arial"/>
-        <a:defRPr b="0" i="0" sz="1400" u="none" cap="none" strike="noStrike">
+        <a:defRPr sz="1400" b="0" i="0" u="none" strike="noStrike" cap="none">
           <a:solidFill>
             <a:srgbClr val="000000"/>
           </a:solidFill>
@@ -6288,7 +6773,7 @@
           <a:sym typeface="Arial"/>
         </a:defRPr>
       </a:lvl5pPr>
-      <a:lvl6pPr lvl="5" marR="0" rtl="0" algn="l">
+      <a:lvl6pPr marR="0" lvl="5" algn="l" rtl="0">
         <a:lnSpc>
           <a:spcPct val="100000"/>
         </a:lnSpc>
@@ -6302,7 +6787,7 @@
           <a:srgbClr val="000000"/>
         </a:buClr>
         <a:buFont typeface="Arial"/>
-        <a:defRPr b="0" i="0" sz="1400" u="none" cap="none" strike="noStrike">
+        <a:defRPr sz="1400" b="0" i="0" u="none" strike="noStrike" cap="none">
           <a:solidFill>
             <a:srgbClr val="000000"/>
           </a:solidFill>
@@ -6312,7 +6797,7 @@
           <a:sym typeface="Arial"/>
         </a:defRPr>
       </a:lvl6pPr>
-      <a:lvl7pPr lvl="6" marR="0" rtl="0" algn="l">
+      <a:lvl7pPr marR="0" lvl="6" algn="l" rtl="0">
         <a:lnSpc>
           <a:spcPct val="100000"/>
         </a:lnSpc>
@@ -6326,7 +6811,7 @@
           <a:srgbClr val="000000"/>
         </a:buClr>
         <a:buFont typeface="Arial"/>
-        <a:defRPr b="0" i="0" sz="1400" u="none" cap="none" strike="noStrike">
+        <a:defRPr sz="1400" b="0" i="0" u="none" strike="noStrike" cap="none">
           <a:solidFill>
             <a:srgbClr val="000000"/>
           </a:solidFill>
@@ -6336,7 +6821,7 @@
           <a:sym typeface="Arial"/>
         </a:defRPr>
       </a:lvl7pPr>
-      <a:lvl8pPr lvl="7" marR="0" rtl="0" algn="l">
+      <a:lvl8pPr marR="0" lvl="7" algn="l" rtl="0">
         <a:lnSpc>
           <a:spcPct val="100000"/>
         </a:lnSpc>
@@ -6350,7 +6835,7 @@
           <a:srgbClr val="000000"/>
         </a:buClr>
         <a:buFont typeface="Arial"/>
-        <a:defRPr b="0" i="0" sz="1400" u="none" cap="none" strike="noStrike">
+        <a:defRPr sz="1400" b="0" i="0" u="none" strike="noStrike" cap="none">
           <a:solidFill>
             <a:srgbClr val="000000"/>
           </a:solidFill>
@@ -6360,7 +6845,7 @@
           <a:sym typeface="Arial"/>
         </a:defRPr>
       </a:lvl8pPr>
-      <a:lvl9pPr lvl="8" marR="0" rtl="0" algn="l">
+      <a:lvl9pPr marR="0" lvl="8" algn="l" rtl="0">
         <a:lnSpc>
           <a:spcPct val="100000"/>
         </a:lnSpc>
@@ -6374,7 +6859,7 @@
           <a:srgbClr val="000000"/>
         </a:buClr>
         <a:buFont typeface="Arial"/>
-        <a:defRPr b="0" i="0" sz="1400" u="none" cap="none" strike="noStrike">
+        <a:defRPr sz="1400" b="0" i="0" u="none" strike="noStrike" cap="none">
           <a:solidFill>
             <a:srgbClr val="000000"/>
           </a:solidFill>
@@ -6386,7 +6871,7 @@
       </a:lvl9pPr>
     </p:titleStyle>
     <p:bodyStyle>
-      <a:defPPr lvl="0" marR="0" rtl="0" algn="l">
+      <a:defPPr marR="0" lvl="0" algn="l" rtl="0">
         <a:lnSpc>
           <a:spcPct val="100000"/>
         </a:lnSpc>
@@ -6397,7 +6882,7 @@
           <a:spcPts val="0"/>
         </a:spcAft>
       </a:defPPr>
-      <a:lvl1pPr lvl="0" marR="0" rtl="0" algn="l">
+      <a:lvl1pPr marR="0" lvl="0" algn="l" rtl="0">
         <a:lnSpc>
           <a:spcPct val="100000"/>
         </a:lnSpc>
@@ -6411,7 +6896,7 @@
           <a:srgbClr val="000000"/>
         </a:buClr>
         <a:buFont typeface="Arial"/>
-        <a:defRPr b="0" i="0" sz="1400" u="none" cap="none" strike="noStrike">
+        <a:defRPr sz="1400" b="0" i="0" u="none" strike="noStrike" cap="none">
           <a:solidFill>
             <a:srgbClr val="000000"/>
           </a:solidFill>
@@ -6421,7 +6906,7 @@
           <a:sym typeface="Arial"/>
         </a:defRPr>
       </a:lvl1pPr>
-      <a:lvl2pPr lvl="1" marR="0" rtl="0" algn="l">
+      <a:lvl2pPr marR="0" lvl="1" algn="l" rtl="0">
         <a:lnSpc>
           <a:spcPct val="100000"/>
         </a:lnSpc>
@@ -6435,7 +6920,7 @@
           <a:srgbClr val="000000"/>
         </a:buClr>
         <a:buFont typeface="Arial"/>
-        <a:defRPr b="0" i="0" sz="1400" u="none" cap="none" strike="noStrike">
+        <a:defRPr sz="1400" b="0" i="0" u="none" strike="noStrike" cap="none">
           <a:solidFill>
             <a:srgbClr val="000000"/>
           </a:solidFill>
@@ -6445,7 +6930,7 @@
           <a:sym typeface="Arial"/>
         </a:defRPr>
       </a:lvl2pPr>
-      <a:lvl3pPr lvl="2" marR="0" rtl="0" algn="l">
+      <a:lvl3pPr marR="0" lvl="2" algn="l" rtl="0">
         <a:lnSpc>
           <a:spcPct val="100000"/>
         </a:lnSpc>
@@ -6459,7 +6944,7 @@
           <a:srgbClr val="000000"/>
         </a:buClr>
         <a:buFont typeface="Arial"/>
-        <a:defRPr b="0" i="0" sz="1400" u="none" cap="none" strike="noStrike">
+        <a:defRPr sz="1400" b="0" i="0" u="none" strike="noStrike" cap="none">
           <a:solidFill>
             <a:srgbClr val="000000"/>
           </a:solidFill>
@@ -6469,7 +6954,7 @@
           <a:sym typeface="Arial"/>
         </a:defRPr>
       </a:lvl3pPr>
-      <a:lvl4pPr lvl="3" marR="0" rtl="0" algn="l">
+      <a:lvl4pPr marR="0" lvl="3" algn="l" rtl="0">
         <a:lnSpc>
           <a:spcPct val="100000"/>
         </a:lnSpc>
@@ -6483,7 +6968,7 @@
           <a:srgbClr val="000000"/>
         </a:buClr>
         <a:buFont typeface="Arial"/>
-        <a:defRPr b="0" i="0" sz="1400" u="none" cap="none" strike="noStrike">
+        <a:defRPr sz="1400" b="0" i="0" u="none" strike="noStrike" cap="none">
           <a:solidFill>
             <a:srgbClr val="000000"/>
           </a:solidFill>
@@ -6493,7 +6978,7 @@
           <a:sym typeface="Arial"/>
         </a:defRPr>
       </a:lvl4pPr>
-      <a:lvl5pPr lvl="4" marR="0" rtl="0" algn="l">
+      <a:lvl5pPr marR="0" lvl="4" algn="l" rtl="0">
         <a:lnSpc>
           <a:spcPct val="100000"/>
         </a:lnSpc>
@@ -6507,7 +6992,7 @@
           <a:srgbClr val="000000"/>
         </a:buClr>
         <a:buFont typeface="Arial"/>
-        <a:defRPr b="0" i="0" sz="1400" u="none" cap="none" strike="noStrike">
+        <a:defRPr sz="1400" b="0" i="0" u="none" strike="noStrike" cap="none">
           <a:solidFill>
             <a:srgbClr val="000000"/>
           </a:solidFill>
@@ -6517,7 +7002,7 @@
           <a:sym typeface="Arial"/>
         </a:defRPr>
       </a:lvl5pPr>
-      <a:lvl6pPr lvl="5" marR="0" rtl="0" algn="l">
+      <a:lvl6pPr marR="0" lvl="5" algn="l" rtl="0">
         <a:lnSpc>
           <a:spcPct val="100000"/>
         </a:lnSpc>
@@ -6531,7 +7016,7 @@
           <a:srgbClr val="000000"/>
         </a:buClr>
         <a:buFont typeface="Arial"/>
-        <a:defRPr b="0" i="0" sz="1400" u="none" cap="none" strike="noStrike">
+        <a:defRPr sz="1400" b="0" i="0" u="none" strike="noStrike" cap="none">
           <a:solidFill>
             <a:srgbClr val="000000"/>
           </a:solidFill>
@@ -6541,7 +7026,7 @@
           <a:sym typeface="Arial"/>
         </a:defRPr>
       </a:lvl6pPr>
-      <a:lvl7pPr lvl="6" marR="0" rtl="0" algn="l">
+      <a:lvl7pPr marR="0" lvl="6" algn="l" rtl="0">
         <a:lnSpc>
           <a:spcPct val="100000"/>
         </a:lnSpc>
@@ -6555,7 +7040,7 @@
           <a:srgbClr val="000000"/>
         </a:buClr>
         <a:buFont typeface="Arial"/>
-        <a:defRPr b="0" i="0" sz="1400" u="none" cap="none" strike="noStrike">
+        <a:defRPr sz="1400" b="0" i="0" u="none" strike="noStrike" cap="none">
           <a:solidFill>
             <a:srgbClr val="000000"/>
           </a:solidFill>
@@ -6565,7 +7050,7 @@
           <a:sym typeface="Arial"/>
         </a:defRPr>
       </a:lvl7pPr>
-      <a:lvl8pPr lvl="7" marR="0" rtl="0" algn="l">
+      <a:lvl8pPr marR="0" lvl="7" algn="l" rtl="0">
         <a:lnSpc>
           <a:spcPct val="100000"/>
         </a:lnSpc>
@@ -6579,7 +7064,7 @@
           <a:srgbClr val="000000"/>
         </a:buClr>
         <a:buFont typeface="Arial"/>
-        <a:defRPr b="0" i="0" sz="1400" u="none" cap="none" strike="noStrike">
+        <a:defRPr sz="1400" b="0" i="0" u="none" strike="noStrike" cap="none">
           <a:solidFill>
             <a:srgbClr val="000000"/>
           </a:solidFill>
@@ -6589,7 +7074,7 @@
           <a:sym typeface="Arial"/>
         </a:defRPr>
       </a:lvl8pPr>
-      <a:lvl9pPr lvl="8" marR="0" rtl="0" algn="l">
+      <a:lvl9pPr marR="0" lvl="8" algn="l" rtl="0">
         <a:lnSpc>
           <a:spcPct val="100000"/>
         </a:lnSpc>
@@ -6603,7 +7088,7 @@
           <a:srgbClr val="000000"/>
         </a:buClr>
         <a:buFont typeface="Arial"/>
-        <a:defRPr b="0" i="0" sz="1400" u="none" cap="none" strike="noStrike">
+        <a:defRPr sz="1400" b="0" i="0" u="none" strike="noStrike" cap="none">
           <a:solidFill>
             <a:srgbClr val="000000"/>
           </a:solidFill>
@@ -6615,7 +7100,7 @@
       </a:lvl9pPr>
     </p:bodyStyle>
     <p:otherStyle>
-      <a:defPPr lvl="0" marR="0" rtl="0" algn="l">
+      <a:defPPr marR="0" lvl="0" algn="l" rtl="0">
         <a:lnSpc>
           <a:spcPct val="100000"/>
         </a:lnSpc>
@@ -6626,7 +7111,7 @@
           <a:spcPts val="0"/>
         </a:spcAft>
       </a:defPPr>
-      <a:lvl1pPr lvl="0" marR="0" rtl="0" algn="l">
+      <a:lvl1pPr marR="0" lvl="0" algn="l" rtl="0">
         <a:lnSpc>
           <a:spcPct val="100000"/>
         </a:lnSpc>
@@ -6640,7 +7125,7 @@
           <a:srgbClr val="000000"/>
         </a:buClr>
         <a:buFont typeface="Arial"/>
-        <a:defRPr b="0" i="0" sz="1400" u="none" cap="none" strike="noStrike">
+        <a:defRPr sz="1400" b="0" i="0" u="none" strike="noStrike" cap="none">
           <a:solidFill>
             <a:srgbClr val="000000"/>
           </a:solidFill>
@@ -6650,7 +7135,7 @@
           <a:sym typeface="Arial"/>
         </a:defRPr>
       </a:lvl1pPr>
-      <a:lvl2pPr lvl="1" marR="0" rtl="0" algn="l">
+      <a:lvl2pPr marR="0" lvl="1" algn="l" rtl="0">
         <a:lnSpc>
           <a:spcPct val="100000"/>
         </a:lnSpc>
@@ -6664,7 +7149,7 @@
           <a:srgbClr val="000000"/>
         </a:buClr>
         <a:buFont typeface="Arial"/>
-        <a:defRPr b="0" i="0" sz="1400" u="none" cap="none" strike="noStrike">
+        <a:defRPr sz="1400" b="0" i="0" u="none" strike="noStrike" cap="none">
           <a:solidFill>
             <a:srgbClr val="000000"/>
           </a:solidFill>
@@ -6674,7 +7159,7 @@
           <a:sym typeface="Arial"/>
         </a:defRPr>
       </a:lvl2pPr>
-      <a:lvl3pPr lvl="2" marR="0" rtl="0" algn="l">
+      <a:lvl3pPr marR="0" lvl="2" algn="l" rtl="0">
         <a:lnSpc>
           <a:spcPct val="100000"/>
         </a:lnSpc>
@@ -6688,7 +7173,7 @@
           <a:srgbClr val="000000"/>
         </a:buClr>
         <a:buFont typeface="Arial"/>
-        <a:defRPr b="0" i="0" sz="1400" u="none" cap="none" strike="noStrike">
+        <a:defRPr sz="1400" b="0" i="0" u="none" strike="noStrike" cap="none">
           <a:solidFill>
             <a:srgbClr val="000000"/>
           </a:solidFill>
@@ -6698,7 +7183,7 @@
           <a:sym typeface="Arial"/>
         </a:defRPr>
       </a:lvl3pPr>
-      <a:lvl4pPr lvl="3" marR="0" rtl="0" algn="l">
+      <a:lvl4pPr marR="0" lvl="3" algn="l" rtl="0">
         <a:lnSpc>
           <a:spcPct val="100000"/>
         </a:lnSpc>
@@ -6712,7 +7197,7 @@
           <a:srgbClr val="000000"/>
         </a:buClr>
         <a:buFont typeface="Arial"/>
-        <a:defRPr b="0" i="0" sz="1400" u="none" cap="none" strike="noStrike">
+        <a:defRPr sz="1400" b="0" i="0" u="none" strike="noStrike" cap="none">
           <a:solidFill>
             <a:srgbClr val="000000"/>
           </a:solidFill>
@@ -6722,7 +7207,7 @@
           <a:sym typeface="Arial"/>
         </a:defRPr>
       </a:lvl4pPr>
-      <a:lvl5pPr lvl="4" marR="0" rtl="0" algn="l">
+      <a:lvl5pPr marR="0" lvl="4" algn="l" rtl="0">
         <a:lnSpc>
           <a:spcPct val="100000"/>
         </a:lnSpc>
@@ -6736,7 +7221,7 @@
           <a:srgbClr val="000000"/>
         </a:buClr>
         <a:buFont typeface="Arial"/>
-        <a:defRPr b="0" i="0" sz="1400" u="none" cap="none" strike="noStrike">
+        <a:defRPr sz="1400" b="0" i="0" u="none" strike="noStrike" cap="none">
           <a:solidFill>
             <a:srgbClr val="000000"/>
           </a:solidFill>
@@ -6746,7 +7231,7 @@
           <a:sym typeface="Arial"/>
         </a:defRPr>
       </a:lvl5pPr>
-      <a:lvl6pPr lvl="5" marR="0" rtl="0" algn="l">
+      <a:lvl6pPr marR="0" lvl="5" algn="l" rtl="0">
         <a:lnSpc>
           <a:spcPct val="100000"/>
         </a:lnSpc>
@@ -6760,7 +7245,7 @@
           <a:srgbClr val="000000"/>
         </a:buClr>
         <a:buFont typeface="Arial"/>
-        <a:defRPr b="0" i="0" sz="1400" u="none" cap="none" strike="noStrike">
+        <a:defRPr sz="1400" b="0" i="0" u="none" strike="noStrike" cap="none">
           <a:solidFill>
             <a:srgbClr val="000000"/>
           </a:solidFill>
@@ -6770,7 +7255,7 @@
           <a:sym typeface="Arial"/>
         </a:defRPr>
       </a:lvl6pPr>
-      <a:lvl7pPr lvl="6" marR="0" rtl="0" algn="l">
+      <a:lvl7pPr marR="0" lvl="6" algn="l" rtl="0">
         <a:lnSpc>
           <a:spcPct val="100000"/>
         </a:lnSpc>
@@ -6784,7 +7269,7 @@
           <a:srgbClr val="000000"/>
         </a:buClr>
         <a:buFont typeface="Arial"/>
-        <a:defRPr b="0" i="0" sz="1400" u="none" cap="none" strike="noStrike">
+        <a:defRPr sz="1400" b="0" i="0" u="none" strike="noStrike" cap="none">
           <a:solidFill>
             <a:srgbClr val="000000"/>
           </a:solidFill>
@@ -6794,7 +7279,7 @@
           <a:sym typeface="Arial"/>
         </a:defRPr>
       </a:lvl7pPr>
-      <a:lvl8pPr lvl="7" marR="0" rtl="0" algn="l">
+      <a:lvl8pPr marR="0" lvl="7" algn="l" rtl="0">
         <a:lnSpc>
           <a:spcPct val="100000"/>
         </a:lnSpc>
@@ -6808,7 +7293,7 @@
           <a:srgbClr val="000000"/>
         </a:buClr>
         <a:buFont typeface="Arial"/>
-        <a:defRPr b="0" i="0" sz="1400" u="none" cap="none" strike="noStrike">
+        <a:defRPr sz="1400" b="0" i="0" u="none" strike="noStrike" cap="none">
           <a:solidFill>
             <a:srgbClr val="000000"/>
           </a:solidFill>
@@ -6818,7 +7303,7 @@
           <a:sym typeface="Arial"/>
         </a:defRPr>
       </a:lvl8pPr>
-      <a:lvl9pPr lvl="8" marR="0" rtl="0" algn="l">
+      <a:lvl9pPr marR="0" lvl="8" algn="l" rtl="0">
         <a:lnSpc>
           <a:spcPct val="100000"/>
         </a:lnSpc>
@@ -6832,7 +7317,7 @@
           <a:srgbClr val="000000"/>
         </a:buClr>
         <a:buFont typeface="Arial"/>
-        <a:defRPr b="0" i="0" sz="1400" u="none" cap="none" strike="noStrike">
+        <a:defRPr sz="1400" b="0" i="0" u="none" strike="noStrike" cap="none">
           <a:solidFill>
             <a:srgbClr val="000000"/>
           </a:solidFill>
@@ -6848,11 +7333,11 @@
 </file>
 
 <file path=ppt/slides/slide1.xml><?xml version="1.0" encoding="utf-8"?>
-<p:sld xmlns:a="http://schemas.openxmlformats.org/drawingml/2006/main" xmlns:r="http://schemas.openxmlformats.org/officeDocument/2006/relationships" xmlns:mc="http://schemas.openxmlformats.org/markup-compatibility/2006" xmlns:mv="urn:schemas-microsoft-com:mac:vml" xmlns:p="http://schemas.openxmlformats.org/presentationml/2006/main" xmlns:c="http://schemas.openxmlformats.org/drawingml/2006/chart" xmlns:dgm="http://schemas.openxmlformats.org/drawingml/2006/diagram" xmlns:o="urn:schemas-microsoft-com:office:office" xmlns:v="urn:schemas-microsoft-com:vml" xmlns:pvml="urn:schemas-microsoft-com:office:powerpoint" xmlns:com="http://schemas.openxmlformats.org/drawingml/2006/compatibility" xmlns:p14="http://schemas.microsoft.com/office/powerpoint/2010/main" xmlns:p15="http://schemas.microsoft.com/office/powerpoint/2012/main" xmlns:ahyp="http://schemas.microsoft.com/office/drawing/2018/hyperlinkcolor">
+<p:sld xmlns:a="http://schemas.openxmlformats.org/drawingml/2006/main" xmlns:r="http://schemas.openxmlformats.org/officeDocument/2006/relationships" xmlns:p="http://schemas.openxmlformats.org/presentationml/2006/main">
   <p:cSld>
     <p:spTree>
       <p:nvGrpSpPr>
-        <p:cNvPr id="55" name="Shape 55"/>
+        <p:cNvPr id="1" name="Shape 55"/>
         <p:cNvGrpSpPr/>
         <p:nvPr/>
       </p:nvGrpSpPr>
@@ -6867,7 +7352,9 @@
       <p:sp>
         <p:nvSpPr>
           <p:cNvPr id="56" name="Google Shape;56;p13"/>
-          <p:cNvSpPr txBox="1"/>
+          <p:cNvSpPr txBox="1">
+            <a:spLocks noGrp="1"/>
+          </p:cNvSpPr>
           <p:nvPr>
             <p:ph type="ctrTitle"/>
           </p:nvPr>
@@ -6882,12 +7369,12 @@
           </a:prstGeom>
         </p:spPr>
         <p:txBody>
-          <a:bodyPr anchorCtr="0" anchor="ctr" bIns="91425" lIns="91425" spcFirstLastPara="1" rIns="91425" wrap="square" tIns="91425">
+          <a:bodyPr spcFirstLastPara="1" wrap="square" lIns="91425" tIns="91425" rIns="91425" bIns="91425" anchor="ctr" anchorCtr="0">
             <a:normAutofit/>
           </a:bodyPr>
           <a:lstStyle/>
           <a:p>
-            <a:pPr indent="0" lvl="0" marL="0" rtl="0" algn="ctr">
+            <a:pPr marL="0" lvl="0" indent="0" algn="ctr" rtl="0">
               <a:spcBef>
                 <a:spcPts val="0"/>
               </a:spcBef>
@@ -6907,9 +7394,11 @@
       <p:sp>
         <p:nvSpPr>
           <p:cNvPr id="57" name="Google Shape;57;p13"/>
-          <p:cNvSpPr txBox="1"/>
+          <p:cNvSpPr txBox="1">
+            <a:spLocks noGrp="1"/>
+          </p:cNvSpPr>
           <p:nvPr>
-            <p:ph idx="1" type="subTitle"/>
+            <p:ph type="subTitle" idx="1"/>
           </p:nvPr>
         </p:nvSpPr>
         <p:spPr>
@@ -6922,12 +7411,12 @@
           </a:prstGeom>
         </p:spPr>
         <p:txBody>
-          <a:bodyPr anchorCtr="0" anchor="ctr" bIns="91425" lIns="91425" spcFirstLastPara="1" rIns="91425" wrap="square" tIns="91425">
+          <a:bodyPr spcFirstLastPara="1" wrap="square" lIns="91425" tIns="91425" rIns="91425" bIns="91425" anchor="ctr" anchorCtr="0">
             <a:normAutofit/>
           </a:bodyPr>
           <a:lstStyle/>
           <a:p>
-            <a:pPr indent="0" lvl="0" marL="0" rtl="0" algn="ctr">
+            <a:pPr marL="0" lvl="0" indent="0" algn="ctr" rtl="0">
               <a:spcBef>
                 <a:spcPts val="0"/>
               </a:spcBef>
@@ -6952,12 +7441,455 @@
 </p:sld>
 </file>
 
-<file path=ppt/slides/slide2.xml><?xml version="1.0" encoding="utf-8"?>
-<p:sld xmlns:a="http://schemas.openxmlformats.org/drawingml/2006/main" xmlns:r="http://schemas.openxmlformats.org/officeDocument/2006/relationships" xmlns:mc="http://schemas.openxmlformats.org/markup-compatibility/2006" xmlns:mv="urn:schemas-microsoft-com:mac:vml" xmlns:p="http://schemas.openxmlformats.org/presentationml/2006/main" xmlns:c="http://schemas.openxmlformats.org/drawingml/2006/chart" xmlns:dgm="http://schemas.openxmlformats.org/drawingml/2006/diagram" xmlns:o="urn:schemas-microsoft-com:office:office" xmlns:v="urn:schemas-microsoft-com:vml" xmlns:pvml="urn:schemas-microsoft-com:office:powerpoint" xmlns:com="http://schemas.openxmlformats.org/drawingml/2006/compatibility" xmlns:p14="http://schemas.microsoft.com/office/powerpoint/2010/main" xmlns:p15="http://schemas.microsoft.com/office/powerpoint/2012/main" xmlns:ahyp="http://schemas.microsoft.com/office/drawing/2018/hyperlinkcolor">
+<file path=ppt/slides/slide10.xml><?xml version="1.0" encoding="utf-8"?>
+<p:sld xmlns:a="http://schemas.openxmlformats.org/drawingml/2006/main" xmlns:r="http://schemas.openxmlformats.org/officeDocument/2006/relationships" xmlns:p="http://schemas.openxmlformats.org/presentationml/2006/main">
   <p:cSld>
     <p:spTree>
       <p:nvGrpSpPr>
-        <p:cNvPr id="61" name="Shape 61"/>
+        <p:cNvPr id="1" name="Shape 96"/>
+        <p:cNvGrpSpPr/>
+        <p:nvPr/>
+      </p:nvGrpSpPr>
+      <p:grpSpPr>
+        <a:xfrm>
+          <a:off x="0" y="0"/>
+          <a:ext cx="0" cy="0"/>
+          <a:chOff x="0" y="0"/>
+          <a:chExt cx="0" cy="0"/>
+        </a:xfrm>
+      </p:grpSpPr>
+      <p:sp>
+        <p:nvSpPr>
+          <p:cNvPr id="97" name="Google Shape;97;p20"/>
+          <p:cNvSpPr txBox="1">
+            <a:spLocks noGrp="1"/>
+          </p:cNvSpPr>
+          <p:nvPr>
+            <p:ph type="title"/>
+          </p:nvPr>
+        </p:nvSpPr>
+        <p:spPr>
+          <a:xfrm>
+            <a:off x="311700" y="292850"/>
+            <a:ext cx="8520600" cy="801000"/>
+          </a:xfrm>
+          <a:prstGeom prst="rect">
+            <a:avLst/>
+          </a:prstGeom>
+        </p:spPr>
+        <p:txBody>
+          <a:bodyPr spcFirstLastPara="1" wrap="square" lIns="91425" tIns="91425" rIns="91425" bIns="91425" anchor="t" anchorCtr="0">
+            <a:normAutofit fontScale="90000"/>
+          </a:bodyPr>
+          <a:lstStyle/>
+          <a:p>
+            <a:pPr marL="0" lvl="0" indent="0" algn="l" rtl="0">
+              <a:spcBef>
+                <a:spcPts val="0"/>
+              </a:spcBef>
+              <a:spcAft>
+                <a:spcPts val="0"/>
+              </a:spcAft>
+              <a:buNone/>
+            </a:pPr>
+            <a:r>
+              <a:rPr lang="en" dirty="0"/>
+              <a:t>Common Pitfalls</a:t>
+            </a:r>
+            <a:endParaRPr dirty="0"/>
+          </a:p>
+        </p:txBody>
+      </p:sp>
+      <p:sp>
+        <p:nvSpPr>
+          <p:cNvPr id="98" name="Google Shape;98;p20"/>
+          <p:cNvSpPr txBox="1">
+            <a:spLocks noGrp="1"/>
+          </p:cNvSpPr>
+          <p:nvPr>
+            <p:ph type="body" idx="1"/>
+          </p:nvPr>
+        </p:nvSpPr>
+        <p:spPr>
+          <a:xfrm>
+            <a:off x="311700" y="1228675"/>
+            <a:ext cx="8520600" cy="3340200"/>
+          </a:xfrm>
+          <a:prstGeom prst="rect">
+            <a:avLst/>
+          </a:prstGeom>
+        </p:spPr>
+        <p:txBody>
+          <a:bodyPr spcFirstLastPara="1" wrap="square" lIns="91425" tIns="91425" rIns="91425" bIns="91425" anchor="t" anchorCtr="0">
+            <a:normAutofit/>
+          </a:bodyPr>
+          <a:lstStyle/>
+          <a:p>
+            <a:pPr marL="457200" lvl="0" indent="-342900" algn="l" rtl="0">
+              <a:spcBef>
+                <a:spcPts val="0"/>
+              </a:spcBef>
+              <a:spcAft>
+                <a:spcPts val="0"/>
+              </a:spcAft>
+              <a:buSzPts val="1800"/>
+              <a:buChar char="●"/>
+            </a:pPr>
+            <a:r>
+              <a:rPr lang="en-US" dirty="0">
+                <a:solidFill>
+                  <a:srgbClr val="5A5A5A"/>
+                </a:solidFill>
+                <a:highlight>
+                  <a:schemeClr val="lt1"/>
+                </a:highlight>
+              </a:rPr>
+              <a:t>Always check your sources.  Is it a government source, or a random person in his / her basement?</a:t>
+            </a:r>
+            <a:endParaRPr dirty="0">
+              <a:solidFill>
+                <a:srgbClr val="5A5A5A"/>
+              </a:solidFill>
+              <a:highlight>
+                <a:schemeClr val="lt1"/>
+              </a:highlight>
+            </a:endParaRPr>
+          </a:p>
+          <a:p>
+            <a:pPr marL="457200" lvl="0" indent="-342900" algn="l" rtl="0">
+              <a:spcBef>
+                <a:spcPts val="0"/>
+              </a:spcBef>
+              <a:spcAft>
+                <a:spcPts val="0"/>
+              </a:spcAft>
+              <a:buClr>
+                <a:srgbClr val="5A5A5A"/>
+              </a:buClr>
+              <a:buSzPts val="1800"/>
+              <a:buChar char="●"/>
+            </a:pPr>
+            <a:r>
+              <a:rPr lang="en" dirty="0">
+                <a:solidFill>
+                  <a:srgbClr val="5A5A5A"/>
+                </a:solidFill>
+                <a:highlight>
+                  <a:schemeClr val="lt1"/>
+                </a:highlight>
+              </a:rPr>
+              <a:t>Always try to cross validate with secondary data sources if you’re working with new and unknown data providers</a:t>
+            </a:r>
+          </a:p>
+          <a:p>
+            <a:pPr marL="457200" lvl="0" indent="-342900" algn="l" rtl="0">
+              <a:spcBef>
+                <a:spcPts val="0"/>
+              </a:spcBef>
+              <a:spcAft>
+                <a:spcPts val="0"/>
+              </a:spcAft>
+              <a:buClr>
+                <a:srgbClr val="5A5A5A"/>
+              </a:buClr>
+              <a:buSzPts val="1800"/>
+              <a:buChar char="●"/>
+            </a:pPr>
+            <a:r>
+              <a:rPr lang="en" dirty="0">
+                <a:solidFill>
+                  <a:srgbClr val="5A5A5A"/>
+                </a:solidFill>
+                <a:highlight>
+                  <a:schemeClr val="lt1"/>
+                </a:highlight>
+              </a:rPr>
+              <a:t>In general, data you pay for will be of better data quality than day you can get for free, although not always</a:t>
+            </a:r>
+            <a:endParaRPr dirty="0">
+              <a:solidFill>
+                <a:srgbClr val="5A5A5A"/>
+              </a:solidFill>
+              <a:highlight>
+                <a:schemeClr val="lt1"/>
+              </a:highlight>
+            </a:endParaRPr>
+          </a:p>
+        </p:txBody>
+      </p:sp>
+    </p:spTree>
+    <p:extLst>
+      <p:ext uri="{BB962C8B-B14F-4D97-AF65-F5344CB8AC3E}">
+        <p14:creationId xmlns:p14="http://schemas.microsoft.com/office/powerpoint/2010/main" val="2033439472"/>
+      </p:ext>
+    </p:extLst>
+  </p:cSld>
+  <p:clrMapOvr>
+    <a:masterClrMapping/>
+  </p:clrMapOvr>
+</p:sld>
+</file>
+
+<file path=ppt/slides/slide11.xml><?xml version="1.0" encoding="utf-8"?>
+<p:sld xmlns:a="http://schemas.openxmlformats.org/drawingml/2006/main" xmlns:r="http://schemas.openxmlformats.org/officeDocument/2006/relationships" xmlns:p="http://schemas.openxmlformats.org/presentationml/2006/main">
+  <p:cSld>
+    <p:spTree>
+      <p:nvGrpSpPr>
+        <p:cNvPr id="1" name="Shape 96"/>
+        <p:cNvGrpSpPr/>
+        <p:nvPr/>
+      </p:nvGrpSpPr>
+      <p:grpSpPr>
+        <a:xfrm>
+          <a:off x="0" y="0"/>
+          <a:ext cx="0" cy="0"/>
+          <a:chOff x="0" y="0"/>
+          <a:chExt cx="0" cy="0"/>
+        </a:xfrm>
+      </p:grpSpPr>
+      <p:sp>
+        <p:nvSpPr>
+          <p:cNvPr id="97" name="Google Shape;97;p20"/>
+          <p:cNvSpPr txBox="1">
+            <a:spLocks noGrp="1"/>
+          </p:cNvSpPr>
+          <p:nvPr>
+            <p:ph type="title"/>
+          </p:nvPr>
+        </p:nvSpPr>
+        <p:spPr>
+          <a:xfrm>
+            <a:off x="311700" y="292850"/>
+            <a:ext cx="8520600" cy="801000"/>
+          </a:xfrm>
+          <a:prstGeom prst="rect">
+            <a:avLst/>
+          </a:prstGeom>
+        </p:spPr>
+        <p:txBody>
+          <a:bodyPr spcFirstLastPara="1" wrap="square" lIns="91425" tIns="91425" rIns="91425" bIns="91425" anchor="t" anchorCtr="0">
+            <a:normAutofit fontScale="90000"/>
+          </a:bodyPr>
+          <a:lstStyle/>
+          <a:p>
+            <a:pPr marL="0" lvl="0" indent="0" algn="l" rtl="0">
+              <a:spcBef>
+                <a:spcPts val="0"/>
+              </a:spcBef>
+              <a:spcAft>
+                <a:spcPts val="0"/>
+              </a:spcAft>
+              <a:buNone/>
+            </a:pPr>
+            <a:r>
+              <a:rPr lang="en" dirty="0"/>
+              <a:t>Ways to Explore</a:t>
+            </a:r>
+            <a:endParaRPr dirty="0"/>
+          </a:p>
+        </p:txBody>
+      </p:sp>
+      <p:sp>
+        <p:nvSpPr>
+          <p:cNvPr id="98" name="Google Shape;98;p20"/>
+          <p:cNvSpPr txBox="1">
+            <a:spLocks noGrp="1"/>
+          </p:cNvSpPr>
+          <p:nvPr>
+            <p:ph type="body" idx="1"/>
+          </p:nvPr>
+        </p:nvSpPr>
+        <p:spPr>
+          <a:xfrm>
+            <a:off x="311700" y="1228675"/>
+            <a:ext cx="8520600" cy="3340200"/>
+          </a:xfrm>
+          <a:prstGeom prst="rect">
+            <a:avLst/>
+          </a:prstGeom>
+        </p:spPr>
+        <p:txBody>
+          <a:bodyPr spcFirstLastPara="1" wrap="square" lIns="91425" tIns="91425" rIns="91425" bIns="91425" anchor="t" anchorCtr="0">
+            <a:normAutofit/>
+          </a:bodyPr>
+          <a:lstStyle/>
+          <a:p>
+            <a:pPr marL="457200" lvl="0" indent="-342900" algn="l" rtl="0">
+              <a:spcBef>
+                <a:spcPts val="0"/>
+              </a:spcBef>
+              <a:spcAft>
+                <a:spcPts val="0"/>
+              </a:spcAft>
+              <a:buSzPts val="1800"/>
+              <a:buChar char="●"/>
+            </a:pPr>
+            <a:r>
+              <a:rPr lang="en-US" dirty="0">
+                <a:solidFill>
+                  <a:srgbClr val="5A5A5A"/>
+                </a:solidFill>
+                <a:highlight>
+                  <a:schemeClr val="lt1"/>
+                </a:highlight>
+              </a:rPr>
+              <a:t>Talk to people industry</a:t>
+            </a:r>
+          </a:p>
+          <a:p>
+            <a:pPr lvl="1" indent="-342900">
+              <a:buSzPts val="1800"/>
+              <a:buChar char="●"/>
+            </a:pPr>
+            <a:r>
+              <a:rPr lang="en-US" dirty="0">
+                <a:solidFill>
+                  <a:srgbClr val="5A5A5A"/>
+                </a:solidFill>
+                <a:highlight>
+                  <a:schemeClr val="lt1"/>
+                </a:highlight>
+              </a:rPr>
+              <a:t>Domain experts usually know where to get the best data</a:t>
+            </a:r>
+            <a:endParaRPr dirty="0">
+              <a:solidFill>
+                <a:srgbClr val="5A5A5A"/>
+              </a:solidFill>
+              <a:highlight>
+                <a:schemeClr val="lt1"/>
+              </a:highlight>
+            </a:endParaRPr>
+          </a:p>
+          <a:p>
+            <a:pPr marL="457200" lvl="0" indent="-342900" algn="l" rtl="0">
+              <a:spcBef>
+                <a:spcPts val="0"/>
+              </a:spcBef>
+              <a:spcAft>
+                <a:spcPts val="0"/>
+              </a:spcAft>
+              <a:buClr>
+                <a:srgbClr val="5A5A5A"/>
+              </a:buClr>
+              <a:buSzPts val="1800"/>
+              <a:buChar char="●"/>
+            </a:pPr>
+            <a:r>
+              <a:rPr lang="en" dirty="0">
+                <a:solidFill>
+                  <a:srgbClr val="5A5A5A"/>
+                </a:solidFill>
+                <a:highlight>
+                  <a:schemeClr val="lt1"/>
+                </a:highlight>
+              </a:rPr>
+              <a:t>Don’t be afraid to try new data sources</a:t>
+            </a:r>
+          </a:p>
+          <a:p>
+            <a:pPr marL="457200" lvl="0" indent="-342900" algn="l" rtl="0">
+              <a:spcBef>
+                <a:spcPts val="0"/>
+              </a:spcBef>
+              <a:spcAft>
+                <a:spcPts val="0"/>
+              </a:spcAft>
+              <a:buClr>
+                <a:srgbClr val="5A5A5A"/>
+              </a:buClr>
+              <a:buSzPts val="1800"/>
+              <a:buChar char="●"/>
+            </a:pPr>
+            <a:r>
+              <a:rPr lang="en" dirty="0">
+                <a:solidFill>
+                  <a:srgbClr val="5A5A5A"/>
+                </a:solidFill>
+                <a:highlight>
+                  <a:schemeClr val="lt1"/>
+                </a:highlight>
+              </a:rPr>
+              <a:t>Always check for an </a:t>
+            </a:r>
+            <a:r>
+              <a:rPr lang="en-US" dirty="0">
+                <a:solidFill>
+                  <a:srgbClr val="5A5A5A"/>
+                </a:solidFill>
+                <a:highlight>
+                  <a:schemeClr val="lt1"/>
+                </a:highlight>
+              </a:rPr>
+              <a:t>easy-to-use</a:t>
+            </a:r>
+            <a:r>
+              <a:rPr lang="en" dirty="0">
+                <a:solidFill>
+                  <a:srgbClr val="5A5A5A"/>
+                </a:solidFill>
+                <a:highlight>
+                  <a:schemeClr val="lt1"/>
+                </a:highlight>
+              </a:rPr>
+              <a:t> API before going to deep in the weeds</a:t>
+            </a:r>
+          </a:p>
+          <a:p>
+            <a:pPr marL="457200" lvl="0" indent="-342900" algn="l" rtl="0">
+              <a:spcBef>
+                <a:spcPts val="0"/>
+              </a:spcBef>
+              <a:spcAft>
+                <a:spcPts val="0"/>
+              </a:spcAft>
+              <a:buClr>
+                <a:srgbClr val="5A5A5A"/>
+              </a:buClr>
+              <a:buSzPts val="1800"/>
+              <a:buChar char="●"/>
+            </a:pPr>
+            <a:r>
+              <a:rPr lang="en" dirty="0">
+                <a:solidFill>
+                  <a:srgbClr val="5A5A5A"/>
+                </a:solidFill>
+                <a:highlight>
+                  <a:schemeClr val="lt1"/>
+                </a:highlight>
+              </a:rPr>
+              <a:t>Get creative!  If all else fails, you will usually be able to use webscraping to get the data you need</a:t>
+            </a:r>
+            <a:endParaRPr dirty="0">
+              <a:solidFill>
+                <a:srgbClr val="5A5A5A"/>
+              </a:solidFill>
+              <a:highlight>
+                <a:schemeClr val="lt1"/>
+              </a:highlight>
+            </a:endParaRPr>
+          </a:p>
+        </p:txBody>
+      </p:sp>
+    </p:spTree>
+    <p:extLst>
+      <p:ext uri="{BB962C8B-B14F-4D97-AF65-F5344CB8AC3E}">
+        <p14:creationId xmlns:p14="http://schemas.microsoft.com/office/powerpoint/2010/main" val="1552732072"/>
+      </p:ext>
+    </p:extLst>
+  </p:cSld>
+  <p:clrMapOvr>
+    <a:masterClrMapping/>
+  </p:clrMapOvr>
+</p:sld>
+</file>
+
+<file path=ppt/slides/slide2.xml><?xml version="1.0" encoding="utf-8"?>
+<p:sld xmlns:a="http://schemas.openxmlformats.org/drawingml/2006/main" xmlns:r="http://schemas.openxmlformats.org/officeDocument/2006/relationships" xmlns:p="http://schemas.openxmlformats.org/presentationml/2006/main">
+  <p:cSld>
+    <p:spTree>
+      <p:nvGrpSpPr>
+        <p:cNvPr id="1" name="Shape 61"/>
         <p:cNvGrpSpPr/>
         <p:nvPr/>
       </p:nvGrpSpPr>
@@ -6972,7 +7904,9 @@
       <p:sp>
         <p:nvSpPr>
           <p:cNvPr id="62" name="Google Shape;62;p14"/>
-          <p:cNvSpPr txBox="1"/>
+          <p:cNvSpPr txBox="1">
+            <a:spLocks noGrp="1"/>
+          </p:cNvSpPr>
           <p:nvPr>
             <p:ph type="title"/>
           </p:nvPr>
@@ -6987,12 +7921,12 @@
           </a:prstGeom>
         </p:spPr>
         <p:txBody>
-          <a:bodyPr anchorCtr="0" anchor="t" bIns="91425" lIns="91425" spcFirstLastPara="1" rIns="91425" wrap="square" tIns="91425">
+          <a:bodyPr spcFirstLastPara="1" wrap="square" lIns="91425" tIns="91425" rIns="91425" bIns="91425" anchor="t" anchorCtr="0">
             <a:normAutofit fontScale="90000"/>
           </a:bodyPr>
           <a:lstStyle/>
           <a:p>
-            <a:pPr indent="0" lvl="0" marL="0" rtl="0" algn="l">
+            <a:pPr marL="0" lvl="0" indent="0" algn="l" rtl="0">
               <a:spcBef>
                 <a:spcPts val="0"/>
               </a:spcBef>
@@ -7012,9 +7946,11 @@
       <p:sp>
         <p:nvSpPr>
           <p:cNvPr id="63" name="Google Shape;63;p14"/>
-          <p:cNvSpPr txBox="1"/>
+          <p:cNvSpPr txBox="1">
+            <a:spLocks noGrp="1"/>
+          </p:cNvSpPr>
           <p:nvPr>
-            <p:ph idx="1" type="body"/>
+            <p:ph type="body" idx="1"/>
           </p:nvPr>
         </p:nvSpPr>
         <p:spPr>
@@ -7027,12 +7963,12 @@
           </a:prstGeom>
         </p:spPr>
         <p:txBody>
-          <a:bodyPr anchorCtr="0" anchor="t" bIns="91425" lIns="91425" spcFirstLastPara="1" rIns="91425" wrap="square" tIns="91425">
-            <a:normAutofit fontScale="92500" lnSpcReduction="20000"/>
+          <a:bodyPr spcFirstLastPara="1" wrap="square" lIns="91425" tIns="91425" rIns="91425" bIns="91425" anchor="t" anchorCtr="0">
+            <a:normAutofit/>
           </a:bodyPr>
           <a:lstStyle/>
           <a:p>
-            <a:pPr indent="0" lvl="0" marL="0" rtl="0" algn="l">
+            <a:pPr marL="0" lvl="0" indent="0" algn="l" rtl="0">
               <a:spcBef>
                 <a:spcPts val="0"/>
               </a:spcBef>
@@ -7053,7 +7989,7 @@
             <a:endParaRPr/>
           </a:p>
           <a:p>
-            <a:pPr indent="0" lvl="0" marL="0" rtl="0" algn="l">
+            <a:pPr marL="0" lvl="0" indent="0" algn="l" rtl="0">
               <a:spcBef>
                 <a:spcPts val="1200"/>
               </a:spcBef>
@@ -7074,7 +8010,7 @@
             <a:endParaRPr/>
           </a:p>
           <a:p>
-            <a:pPr indent="0" lvl="0" marL="0" rtl="0" algn="l">
+            <a:pPr marL="0" lvl="0" indent="0" algn="l" rtl="0">
               <a:spcBef>
                 <a:spcPts val="1200"/>
               </a:spcBef>
@@ -7095,7 +8031,7 @@
             <a:endParaRPr/>
           </a:p>
           <a:p>
-            <a:pPr indent="0" lvl="0" marL="0" rtl="0" algn="l">
+            <a:pPr marL="0" lvl="0" indent="0" algn="l" rtl="0">
               <a:spcBef>
                 <a:spcPts val="1200"/>
               </a:spcBef>
@@ -7116,7 +8052,7 @@
             <a:endParaRPr/>
           </a:p>
           <a:p>
-            <a:pPr indent="0" lvl="0" marL="0" rtl="0" algn="l">
+            <a:pPr marL="0" lvl="0" indent="0" algn="l" rtl="0">
               <a:spcBef>
                 <a:spcPts val="1200"/>
               </a:spcBef>
@@ -7125,13 +8061,10 @@
               </a:spcAft>
               <a:buNone/>
             </a:pPr>
-            <a:r>
-              <a:t/>
-            </a:r>
             <a:endParaRPr/>
           </a:p>
           <a:p>
-            <a:pPr indent="0" lvl="0" marL="0" rtl="0" algn="l">
+            <a:pPr marL="0" lvl="0" indent="0" algn="l" rtl="0">
               <a:spcBef>
                 <a:spcPts val="1200"/>
               </a:spcBef>
@@ -7140,13 +8073,10 @@
               </a:spcAft>
               <a:buNone/>
             </a:pPr>
-            <a:r>
-              <a:t/>
-            </a:r>
             <a:endParaRPr/>
           </a:p>
           <a:p>
-            <a:pPr indent="0" lvl="0" marL="0" rtl="0" algn="l">
+            <a:pPr marL="0" lvl="0" indent="0" algn="l" rtl="0">
               <a:spcBef>
                 <a:spcPts val="1200"/>
               </a:spcBef>
@@ -7155,9 +8085,6 @@
               </a:spcAft>
               <a:buNone/>
             </a:pPr>
-            <a:r>
-              <a:t/>
-            </a:r>
             <a:endParaRPr/>
           </a:p>
         </p:txBody>
@@ -7171,11 +8098,11 @@
 </file>
 
 <file path=ppt/slides/slide3.xml><?xml version="1.0" encoding="utf-8"?>
-<p:sld xmlns:a="http://schemas.openxmlformats.org/drawingml/2006/main" xmlns:r="http://schemas.openxmlformats.org/officeDocument/2006/relationships" xmlns:mc="http://schemas.openxmlformats.org/markup-compatibility/2006" xmlns:mv="urn:schemas-microsoft-com:mac:vml" xmlns:p="http://schemas.openxmlformats.org/presentationml/2006/main" xmlns:c="http://schemas.openxmlformats.org/drawingml/2006/chart" xmlns:dgm="http://schemas.openxmlformats.org/drawingml/2006/diagram" xmlns:o="urn:schemas-microsoft-com:office:office" xmlns:v="urn:schemas-microsoft-com:vml" xmlns:pvml="urn:schemas-microsoft-com:office:powerpoint" xmlns:com="http://schemas.openxmlformats.org/drawingml/2006/compatibility" xmlns:p14="http://schemas.microsoft.com/office/powerpoint/2010/main" xmlns:p15="http://schemas.microsoft.com/office/powerpoint/2012/main" xmlns:ahyp="http://schemas.microsoft.com/office/drawing/2018/hyperlinkcolor">
+<p:sld xmlns:a="http://schemas.openxmlformats.org/drawingml/2006/main" xmlns:r="http://schemas.openxmlformats.org/officeDocument/2006/relationships" xmlns:p="http://schemas.openxmlformats.org/presentationml/2006/main">
   <p:cSld>
     <p:spTree>
       <p:nvGrpSpPr>
-        <p:cNvPr id="67" name="Shape 67"/>
+        <p:cNvPr id="1" name="Shape 67"/>
         <p:cNvGrpSpPr/>
         <p:nvPr/>
       </p:nvGrpSpPr>
@@ -7190,7 +8117,9 @@
       <p:sp>
         <p:nvSpPr>
           <p:cNvPr id="68" name="Google Shape;68;p15"/>
-          <p:cNvSpPr txBox="1"/>
+          <p:cNvSpPr txBox="1">
+            <a:spLocks noGrp="1"/>
+          </p:cNvSpPr>
           <p:nvPr>
             <p:ph type="title"/>
           </p:nvPr>
@@ -7205,12 +8134,12 @@
           </a:prstGeom>
         </p:spPr>
         <p:txBody>
-          <a:bodyPr anchorCtr="0" anchor="ctr" bIns="91425" lIns="91425" spcFirstLastPara="1" rIns="91425" wrap="square" tIns="91425">
+          <a:bodyPr spcFirstLastPara="1" wrap="square" lIns="91425" tIns="91425" rIns="91425" bIns="91425" anchor="ctr" anchorCtr="0">
             <a:normAutofit/>
           </a:bodyPr>
           <a:lstStyle/>
           <a:p>
-            <a:pPr indent="0" lvl="0" marL="0" rtl="0" algn="ctr">
+            <a:pPr marL="0" lvl="0" indent="0" algn="ctr" rtl="0">
               <a:spcBef>
                 <a:spcPts val="0"/>
               </a:spcBef>
@@ -7236,11 +8165,11 @@
 </file>
 
 <file path=ppt/slides/slide4.xml><?xml version="1.0" encoding="utf-8"?>
-<p:sld xmlns:a="http://schemas.openxmlformats.org/drawingml/2006/main" xmlns:r="http://schemas.openxmlformats.org/officeDocument/2006/relationships" xmlns:mc="http://schemas.openxmlformats.org/markup-compatibility/2006" xmlns:mv="urn:schemas-microsoft-com:mac:vml" xmlns:p="http://schemas.openxmlformats.org/presentationml/2006/main" xmlns:c="http://schemas.openxmlformats.org/drawingml/2006/chart" xmlns:dgm="http://schemas.openxmlformats.org/drawingml/2006/diagram" xmlns:o="urn:schemas-microsoft-com:office:office" xmlns:v="urn:schemas-microsoft-com:vml" xmlns:pvml="urn:schemas-microsoft-com:office:powerpoint" xmlns:com="http://schemas.openxmlformats.org/drawingml/2006/compatibility" xmlns:p14="http://schemas.microsoft.com/office/powerpoint/2010/main" xmlns:p15="http://schemas.microsoft.com/office/powerpoint/2012/main" xmlns:ahyp="http://schemas.microsoft.com/office/drawing/2018/hyperlinkcolor">
+<p:sld xmlns:a="http://schemas.openxmlformats.org/drawingml/2006/main" xmlns:r="http://schemas.openxmlformats.org/officeDocument/2006/relationships" xmlns:p="http://schemas.openxmlformats.org/presentationml/2006/main">
   <p:cSld>
     <p:spTree>
       <p:nvGrpSpPr>
-        <p:cNvPr id="72" name="Shape 72"/>
+        <p:cNvPr id="1" name="Shape 72"/>
         <p:cNvGrpSpPr/>
         <p:nvPr/>
       </p:nvGrpSpPr>
@@ -7255,7 +8184,9 @@
       <p:sp>
         <p:nvSpPr>
           <p:cNvPr id="73" name="Google Shape;73;p16"/>
-          <p:cNvSpPr txBox="1"/>
+          <p:cNvSpPr txBox="1">
+            <a:spLocks noGrp="1"/>
+          </p:cNvSpPr>
           <p:nvPr>
             <p:ph type="title"/>
           </p:nvPr>
@@ -7270,12 +8201,12 @@
           </a:prstGeom>
         </p:spPr>
         <p:txBody>
-          <a:bodyPr anchorCtr="0" anchor="t" bIns="91425" lIns="91425" spcFirstLastPara="1" rIns="91425" wrap="square" tIns="91425">
+          <a:bodyPr spcFirstLastPara="1" wrap="square" lIns="91425" tIns="91425" rIns="91425" bIns="91425" anchor="t" anchorCtr="0">
             <a:normAutofit fontScale="90000"/>
           </a:bodyPr>
           <a:lstStyle/>
           <a:p>
-            <a:pPr indent="0" lvl="0" marL="0" rtl="0" algn="l">
+            <a:pPr marL="0" lvl="0" indent="0" algn="l" rtl="0">
               <a:spcBef>
                 <a:spcPts val="0"/>
               </a:spcBef>
@@ -7295,9 +8226,11 @@
       <p:sp>
         <p:nvSpPr>
           <p:cNvPr id="74" name="Google Shape;74;p16"/>
-          <p:cNvSpPr txBox="1"/>
+          <p:cNvSpPr txBox="1">
+            <a:spLocks noGrp="1"/>
+          </p:cNvSpPr>
           <p:nvPr>
-            <p:ph idx="1" type="body"/>
+            <p:ph type="body" idx="1"/>
           </p:nvPr>
         </p:nvSpPr>
         <p:spPr>
@@ -7310,12 +8243,12 @@
           </a:prstGeom>
         </p:spPr>
         <p:txBody>
-          <a:bodyPr anchorCtr="0" anchor="t" bIns="91425" lIns="91425" spcFirstLastPara="1" rIns="91425" wrap="square" tIns="91425">
+          <a:bodyPr spcFirstLastPara="1" wrap="square" lIns="91425" tIns="91425" rIns="91425" bIns="91425" anchor="t" anchorCtr="0">
             <a:noAutofit/>
           </a:bodyPr>
           <a:lstStyle/>
           <a:p>
-            <a:pPr indent="-342900" lvl="0" marL="457200" rtl="0" algn="l">
+            <a:pPr marL="457200" lvl="0" indent="-342900" algn="l" rtl="0">
               <a:lnSpc>
                 <a:spcPct val="151428"/>
               </a:lnSpc>
@@ -7346,7 +8279,7 @@
             </a:endParaRPr>
           </a:p>
           <a:p>
-            <a:pPr indent="-342900" lvl="0" marL="457200" rtl="0" algn="l">
+            <a:pPr marL="457200" lvl="0" indent="-342900" algn="l" rtl="0">
               <a:lnSpc>
                 <a:spcPct val="151428"/>
               </a:lnSpc>
@@ -7368,15 +8301,7 @@
                   <a:srgbClr val="666666"/>
                 </a:solidFill>
               </a:rPr>
-              <a:t>O</a:t>
-            </a:r>
-            <a:r>
-              <a:rPr lang="en">
-                <a:solidFill>
-                  <a:srgbClr val="666666"/>
-                </a:solidFill>
-              </a:rPr>
-              <a:t>ver 50,000 public </a:t>
+              <a:t>Over 50,000 public </a:t>
             </a:r>
             <a:r>
               <a:rPr lang="en">
@@ -7389,7 +8314,7 @@
                 <a:hlinkClick r:id="rId3">
                   <a:extLst>
                     <a:ext uri="{A12FA001-AC4F-418D-AE19-62706E023703}">
-                      <ahyp:hlinkClr val="tx"/>
+                      <ahyp:hlinkClr xmlns:ahyp="http://schemas.microsoft.com/office/drawing/2018/hyperlinkcolor" val="tx"/>
                     </a:ext>
                   </a:extLst>
                 </a:hlinkClick>
@@ -7403,7 +8328,7 @@
             </a:endParaRPr>
           </a:p>
           <a:p>
-            <a:pPr indent="-342900" lvl="0" marL="457200" rtl="0" algn="l">
+            <a:pPr marL="457200" lvl="0" indent="-342900" algn="l" rtl="0">
               <a:lnSpc>
                 <a:spcPct val="151428"/>
               </a:lnSpc>
@@ -7438,7 +8363,7 @@
                 <a:hlinkClick r:id="rId4">
                   <a:extLst>
                     <a:ext uri="{A12FA001-AC4F-418D-AE19-62706E023703}">
-                      <ahyp:hlinkClr val="tx"/>
+                      <ahyp:hlinkClr xmlns:ahyp="http://schemas.microsoft.com/office/drawing/2018/hyperlinkcolor" val="tx"/>
                     </a:ext>
                   </a:extLst>
                 </a:hlinkClick>
@@ -7452,7 +8377,7 @@
             </a:endParaRPr>
           </a:p>
           <a:p>
-            <a:pPr indent="-342900" lvl="0" marL="457200" rtl="0" algn="l">
+            <a:pPr marL="457200" lvl="0" indent="-342900" algn="l" rtl="0">
               <a:lnSpc>
                 <a:spcPct val="151428"/>
               </a:lnSpc>
@@ -7474,15 +8399,7 @@
                   <a:srgbClr val="666666"/>
                 </a:solidFill>
               </a:rPr>
-              <a:t>Includes data s</a:t>
-            </a:r>
-            <a:r>
-              <a:rPr lang="en">
-                <a:solidFill>
-                  <a:srgbClr val="666666"/>
-                </a:solidFill>
-              </a:rPr>
-              <a:t>cience competitions, courses and discussions as well</a:t>
+              <a:t>Includes data science competitions, courses and discussions as well</a:t>
             </a:r>
             <a:endParaRPr>
               <a:solidFill>
@@ -7491,7 +8408,7 @@
             </a:endParaRPr>
           </a:p>
           <a:p>
-            <a:pPr indent="-323850" lvl="0" marL="457200" rtl="0" algn="l">
+            <a:pPr marL="457200" lvl="0" indent="-323850" algn="l" rtl="0">
               <a:spcBef>
                 <a:spcPts val="0"/>
               </a:spcBef>
@@ -7512,7 +8429,7 @@
                 <a:hlinkClick r:id="rId5">
                   <a:extLst>
                     <a:ext uri="{A12FA001-AC4F-418D-AE19-62706E023703}">
-                      <ahyp:hlinkClr val="tx"/>
+                      <ahyp:hlinkClr xmlns:ahyp="http://schemas.microsoft.com/office/drawing/2018/hyperlinkcolor" val="tx"/>
                     </a:ext>
                   </a:extLst>
                 </a:hlinkClick>
@@ -7526,7 +8443,7 @@
             </a:endParaRPr>
           </a:p>
           <a:p>
-            <a:pPr indent="0" lvl="0" marL="0" rtl="0" algn="l">
+            <a:pPr marL="0" lvl="0" indent="0" algn="l" rtl="0">
               <a:lnSpc>
                 <a:spcPct val="95000"/>
               </a:lnSpc>
@@ -7539,9 +8456,6 @@
               <a:buSzPts val="935"/>
               <a:buNone/>
             </a:pPr>
-            <a:r>
-              <a:t/>
-            </a:r>
             <a:endParaRPr sz="1400">
               <a:solidFill>
                 <a:srgbClr val="666666"/>
@@ -7559,11 +8473,11 @@
 </file>
 
 <file path=ppt/slides/slide5.xml><?xml version="1.0" encoding="utf-8"?>
-<p:sld xmlns:a="http://schemas.openxmlformats.org/drawingml/2006/main" xmlns:r="http://schemas.openxmlformats.org/officeDocument/2006/relationships" xmlns:mc="http://schemas.openxmlformats.org/markup-compatibility/2006" xmlns:mv="urn:schemas-microsoft-com:mac:vml" xmlns:p="http://schemas.openxmlformats.org/presentationml/2006/main" xmlns:c="http://schemas.openxmlformats.org/drawingml/2006/chart" xmlns:dgm="http://schemas.openxmlformats.org/drawingml/2006/diagram" xmlns:o="urn:schemas-microsoft-com:office:office" xmlns:v="urn:schemas-microsoft-com:vml" xmlns:pvml="urn:schemas-microsoft-com:office:powerpoint" xmlns:com="http://schemas.openxmlformats.org/drawingml/2006/compatibility" xmlns:p14="http://schemas.microsoft.com/office/powerpoint/2010/main" xmlns:p15="http://schemas.microsoft.com/office/powerpoint/2012/main" xmlns:ahyp="http://schemas.microsoft.com/office/drawing/2018/hyperlinkcolor">
+<p:sld xmlns:a="http://schemas.openxmlformats.org/drawingml/2006/main" xmlns:r="http://schemas.openxmlformats.org/officeDocument/2006/relationships" xmlns:p="http://schemas.openxmlformats.org/presentationml/2006/main">
   <p:cSld>
     <p:spTree>
       <p:nvGrpSpPr>
-        <p:cNvPr id="78" name="Shape 78"/>
+        <p:cNvPr id="1" name="Shape 78"/>
         <p:cNvGrpSpPr/>
         <p:nvPr/>
       </p:nvGrpSpPr>
@@ -7578,7 +8492,9 @@
       <p:sp>
         <p:nvSpPr>
           <p:cNvPr id="79" name="Google Shape;79;p17"/>
-          <p:cNvSpPr txBox="1"/>
+          <p:cNvSpPr txBox="1">
+            <a:spLocks noGrp="1"/>
+          </p:cNvSpPr>
           <p:nvPr>
             <p:ph type="title"/>
           </p:nvPr>
@@ -7593,12 +8509,12 @@
           </a:prstGeom>
         </p:spPr>
         <p:txBody>
-          <a:bodyPr anchorCtr="0" anchor="t" bIns="91425" lIns="91425" spcFirstLastPara="1" rIns="91425" wrap="square" tIns="91425">
+          <a:bodyPr spcFirstLastPara="1" wrap="square" lIns="91425" tIns="91425" rIns="91425" bIns="91425" anchor="t" anchorCtr="0">
             <a:normAutofit fontScale="90000"/>
           </a:bodyPr>
           <a:lstStyle/>
           <a:p>
-            <a:pPr indent="0" lvl="0" marL="0" rtl="0" algn="l">
+            <a:pPr marL="0" lvl="0" indent="0" algn="l" rtl="0">
               <a:spcBef>
                 <a:spcPts val="0"/>
               </a:spcBef>
@@ -7618,9 +8534,11 @@
       <p:sp>
         <p:nvSpPr>
           <p:cNvPr id="80" name="Google Shape;80;p17"/>
-          <p:cNvSpPr txBox="1"/>
+          <p:cNvSpPr txBox="1">
+            <a:spLocks noGrp="1"/>
+          </p:cNvSpPr>
           <p:nvPr>
-            <p:ph idx="1" type="body"/>
+            <p:ph type="body" idx="1"/>
           </p:nvPr>
         </p:nvSpPr>
         <p:spPr>
@@ -7633,12 +8551,12 @@
           </a:prstGeom>
         </p:spPr>
         <p:txBody>
-          <a:bodyPr anchorCtr="0" anchor="t" bIns="91425" lIns="91425" spcFirstLastPara="1" rIns="91425" wrap="square" tIns="91425">
+          <a:bodyPr spcFirstLastPara="1" wrap="square" lIns="91425" tIns="91425" rIns="91425" bIns="91425" anchor="t" anchorCtr="0">
             <a:normAutofit/>
           </a:bodyPr>
           <a:lstStyle/>
           <a:p>
-            <a:pPr indent="-342900" lvl="0" marL="457200" rtl="0" algn="l">
+            <a:pPr marL="457200" lvl="0" indent="-342900" algn="l" rtl="0">
               <a:spcBef>
                 <a:spcPts val="0"/>
               </a:spcBef>
@@ -7660,7 +8578,7 @@
             <a:endParaRPr/>
           </a:p>
           <a:p>
-            <a:pPr indent="-342900" lvl="0" marL="457200" rtl="0" algn="l">
+            <a:pPr marL="457200" lvl="0" indent="-342900" algn="l" rtl="0">
               <a:spcBef>
                 <a:spcPts val="0"/>
               </a:spcBef>
@@ -7677,7 +8595,7 @@
             <a:endParaRPr/>
           </a:p>
           <a:p>
-            <a:pPr indent="-342900" lvl="0" marL="457200" rtl="0" algn="l">
+            <a:pPr marL="457200" lvl="0" indent="-342900" algn="l" rtl="0">
               <a:spcBef>
                 <a:spcPts val="0"/>
               </a:spcBef>
@@ -7711,7 +8629,7 @@
             </a:endParaRPr>
           </a:p>
           <a:p>
-            <a:pPr indent="-317500" lvl="1" marL="914400" rtl="0" algn="l">
+            <a:pPr marL="914400" lvl="1" indent="-317500" algn="l" rtl="0">
               <a:spcBef>
                 <a:spcPts val="0"/>
               </a:spcBef>
@@ -7745,7 +8663,7 @@
             </a:endParaRPr>
           </a:p>
           <a:p>
-            <a:pPr indent="-317500" lvl="1" marL="914400" rtl="0" algn="l">
+            <a:pPr marL="914400" lvl="1" indent="-317500" algn="l" rtl="0">
               <a:spcBef>
                 <a:spcPts val="0"/>
               </a:spcBef>
@@ -7779,7 +8697,7 @@
             </a:endParaRPr>
           </a:p>
           <a:p>
-            <a:pPr indent="-317500" lvl="1" marL="914400" rtl="0" algn="l">
+            <a:pPr marL="914400" lvl="1" indent="-317500" algn="l" rtl="0">
               <a:spcBef>
                 <a:spcPts val="0"/>
               </a:spcBef>
@@ -7813,7 +8731,7 @@
             </a:endParaRPr>
           </a:p>
           <a:p>
-            <a:pPr indent="-342900" lvl="0" marL="457200" rtl="0" algn="l">
+            <a:pPr marL="457200" lvl="0" indent="-342900" algn="l" rtl="0">
               <a:spcBef>
                 <a:spcPts val="0"/>
               </a:spcBef>
@@ -7847,7 +8765,7 @@
             </a:endParaRPr>
           </a:p>
           <a:p>
-            <a:pPr indent="-342900" lvl="0" marL="457200" rtl="0" algn="l">
+            <a:pPr marL="457200" lvl="0" indent="-342900" algn="l" rtl="0">
               <a:spcBef>
                 <a:spcPts val="0"/>
               </a:spcBef>
@@ -7891,11 +8809,11 @@
 </file>
 
 <file path=ppt/slides/slide6.xml><?xml version="1.0" encoding="utf-8"?>
-<p:sld xmlns:a="http://schemas.openxmlformats.org/drawingml/2006/main" xmlns:r="http://schemas.openxmlformats.org/officeDocument/2006/relationships" xmlns:mc="http://schemas.openxmlformats.org/markup-compatibility/2006" xmlns:mv="urn:schemas-microsoft-com:mac:vml" xmlns:p="http://schemas.openxmlformats.org/presentationml/2006/main" xmlns:c="http://schemas.openxmlformats.org/drawingml/2006/chart" xmlns:dgm="http://schemas.openxmlformats.org/drawingml/2006/diagram" xmlns:o="urn:schemas-microsoft-com:office:office" xmlns:v="urn:schemas-microsoft-com:vml" xmlns:pvml="urn:schemas-microsoft-com:office:powerpoint" xmlns:com="http://schemas.openxmlformats.org/drawingml/2006/compatibility" xmlns:p14="http://schemas.microsoft.com/office/powerpoint/2010/main" xmlns:p15="http://schemas.microsoft.com/office/powerpoint/2012/main" xmlns:ahyp="http://schemas.microsoft.com/office/drawing/2018/hyperlinkcolor">
+<p:sld xmlns:a="http://schemas.openxmlformats.org/drawingml/2006/main" xmlns:r="http://schemas.openxmlformats.org/officeDocument/2006/relationships" xmlns:p="http://schemas.openxmlformats.org/presentationml/2006/main">
   <p:cSld>
     <p:spTree>
       <p:nvGrpSpPr>
-        <p:cNvPr id="84" name="Shape 84"/>
+        <p:cNvPr id="1" name="Shape 84"/>
         <p:cNvGrpSpPr/>
         <p:nvPr/>
       </p:nvGrpSpPr>
@@ -7910,7 +8828,9 @@
       <p:sp>
         <p:nvSpPr>
           <p:cNvPr id="85" name="Google Shape;85;p18"/>
-          <p:cNvSpPr txBox="1"/>
+          <p:cNvSpPr txBox="1">
+            <a:spLocks noGrp="1"/>
+          </p:cNvSpPr>
           <p:nvPr>
             <p:ph type="title"/>
           </p:nvPr>
@@ -7925,12 +8845,12 @@
           </a:prstGeom>
         </p:spPr>
         <p:txBody>
-          <a:bodyPr anchorCtr="0" anchor="t" bIns="91425" lIns="91425" spcFirstLastPara="1" rIns="91425" wrap="square" tIns="91425">
+          <a:bodyPr spcFirstLastPara="1" wrap="square" lIns="91425" tIns="91425" rIns="91425" bIns="91425" anchor="t" anchorCtr="0">
             <a:normAutofit fontScale="90000"/>
           </a:bodyPr>
           <a:lstStyle/>
           <a:p>
-            <a:pPr indent="0" lvl="0" marL="0" rtl="0" algn="l">
+            <a:pPr marL="0" lvl="0" indent="0" algn="l" rtl="0">
               <a:spcBef>
                 <a:spcPts val="0"/>
               </a:spcBef>
@@ -7950,9 +8870,11 @@
       <p:sp>
         <p:nvSpPr>
           <p:cNvPr id="86" name="Google Shape;86;p18"/>
-          <p:cNvSpPr txBox="1"/>
+          <p:cNvSpPr txBox="1">
+            <a:spLocks noGrp="1"/>
+          </p:cNvSpPr>
           <p:nvPr>
-            <p:ph idx="1" type="body"/>
+            <p:ph type="body" idx="1"/>
           </p:nvPr>
         </p:nvSpPr>
         <p:spPr>
@@ -7965,12 +8887,12 @@
           </a:prstGeom>
         </p:spPr>
         <p:txBody>
-          <a:bodyPr anchorCtr="0" anchor="t" bIns="91425" lIns="91425" spcFirstLastPara="1" rIns="91425" wrap="square" tIns="91425">
+          <a:bodyPr spcFirstLastPara="1" wrap="square" lIns="91425" tIns="91425" rIns="91425" bIns="91425" anchor="t" anchorCtr="0">
             <a:normAutofit/>
           </a:bodyPr>
           <a:lstStyle/>
           <a:p>
-            <a:pPr indent="-342900" lvl="0" marL="457200" rtl="0" algn="l">
+            <a:pPr marL="457200" lvl="0" indent="-342900" algn="l" rtl="0">
               <a:spcBef>
                 <a:spcPts val="0"/>
               </a:spcBef>
@@ -7987,7 +8909,7 @@
             <a:endParaRPr/>
           </a:p>
           <a:p>
-            <a:pPr indent="-342900" lvl="0" marL="457200" rtl="0" algn="l">
+            <a:pPr marL="457200" lvl="0" indent="-342900" algn="l" rtl="0">
               <a:spcBef>
                 <a:spcPts val="0"/>
               </a:spcBef>
@@ -8004,7 +8926,7 @@
             <a:endParaRPr/>
           </a:p>
           <a:p>
-            <a:pPr indent="-342900" lvl="0" marL="457200" rtl="0" algn="l">
+            <a:pPr marL="457200" lvl="0" indent="-342900" algn="l" rtl="0">
               <a:spcBef>
                 <a:spcPts val="0"/>
               </a:spcBef>
@@ -8030,7 +8952,7 @@
             <a:endParaRPr/>
           </a:p>
           <a:p>
-            <a:pPr indent="-342900" lvl="0" marL="457200" rtl="0" algn="l">
+            <a:pPr marL="457200" lvl="0" indent="-342900" algn="l" rtl="0">
               <a:spcBef>
                 <a:spcPts val="0"/>
               </a:spcBef>
@@ -8047,7 +8969,7 @@
             <a:endParaRPr/>
           </a:p>
           <a:p>
-            <a:pPr indent="-317500" lvl="1" marL="914400" rtl="0" algn="l">
+            <a:pPr marL="914400" lvl="1" indent="-317500" algn="l" rtl="0">
               <a:spcBef>
                 <a:spcPts val="0"/>
               </a:spcBef>
@@ -8064,7 +8986,7 @@
             <a:endParaRPr/>
           </a:p>
           <a:p>
-            <a:pPr indent="-317500" lvl="1" marL="914400" rtl="0" algn="l">
+            <a:pPr marL="914400" lvl="1" indent="-317500" algn="l" rtl="0">
               <a:spcBef>
                 <a:spcPts val="0"/>
               </a:spcBef>
@@ -8086,7 +9008,7 @@
             <a:endParaRPr/>
           </a:p>
           <a:p>
-            <a:pPr indent="-342900" lvl="0" marL="457200" rtl="0" algn="l">
+            <a:pPr marL="457200" lvl="0" indent="-342900" algn="l" rtl="0">
               <a:spcBef>
                 <a:spcPts val="0"/>
               </a:spcBef>
@@ -8126,11 +9048,11 @@
 </file>
 
 <file path=ppt/slides/slide7.xml><?xml version="1.0" encoding="utf-8"?>
-<p:sld xmlns:a="http://schemas.openxmlformats.org/drawingml/2006/main" xmlns:r="http://schemas.openxmlformats.org/officeDocument/2006/relationships" xmlns:mc="http://schemas.openxmlformats.org/markup-compatibility/2006" xmlns:mv="urn:schemas-microsoft-com:mac:vml" xmlns:p="http://schemas.openxmlformats.org/presentationml/2006/main" xmlns:c="http://schemas.openxmlformats.org/drawingml/2006/chart" xmlns:dgm="http://schemas.openxmlformats.org/drawingml/2006/diagram" xmlns:o="urn:schemas-microsoft-com:office:office" xmlns:v="urn:schemas-microsoft-com:vml" xmlns:pvml="urn:schemas-microsoft-com:office:powerpoint" xmlns:com="http://schemas.openxmlformats.org/drawingml/2006/compatibility" xmlns:p14="http://schemas.microsoft.com/office/powerpoint/2010/main" xmlns:p15="http://schemas.microsoft.com/office/powerpoint/2012/main" xmlns:ahyp="http://schemas.microsoft.com/office/drawing/2018/hyperlinkcolor">
+<p:sld xmlns:a="http://schemas.openxmlformats.org/drawingml/2006/main" xmlns:r="http://schemas.openxmlformats.org/officeDocument/2006/relationships" xmlns:p="http://schemas.openxmlformats.org/presentationml/2006/main">
   <p:cSld>
     <p:spTree>
       <p:nvGrpSpPr>
-        <p:cNvPr id="90" name="Shape 90"/>
+        <p:cNvPr id="1" name="Shape 90"/>
         <p:cNvGrpSpPr/>
         <p:nvPr/>
       </p:nvGrpSpPr>
@@ -8145,7 +9067,9 @@
       <p:sp>
         <p:nvSpPr>
           <p:cNvPr id="91" name="Google Shape;91;p19"/>
-          <p:cNvSpPr txBox="1"/>
+          <p:cNvSpPr txBox="1">
+            <a:spLocks noGrp="1"/>
+          </p:cNvSpPr>
           <p:nvPr>
             <p:ph type="title"/>
           </p:nvPr>
@@ -8160,12 +9084,12 @@
           </a:prstGeom>
         </p:spPr>
         <p:txBody>
-          <a:bodyPr anchorCtr="0" anchor="t" bIns="91425" lIns="91425" spcFirstLastPara="1" rIns="91425" wrap="square" tIns="91425">
+          <a:bodyPr spcFirstLastPara="1" wrap="square" lIns="91425" tIns="91425" rIns="91425" bIns="91425" anchor="t" anchorCtr="0">
             <a:normAutofit fontScale="90000"/>
           </a:bodyPr>
           <a:lstStyle/>
           <a:p>
-            <a:pPr indent="0" lvl="0" marL="0" rtl="0" algn="l">
+            <a:pPr marL="0" lvl="0" indent="0" algn="l" rtl="0">
               <a:spcBef>
                 <a:spcPts val="0"/>
               </a:spcBef>
@@ -8185,9 +9109,11 @@
       <p:sp>
         <p:nvSpPr>
           <p:cNvPr id="92" name="Google Shape;92;p19"/>
-          <p:cNvSpPr txBox="1"/>
+          <p:cNvSpPr txBox="1">
+            <a:spLocks noGrp="1"/>
+          </p:cNvSpPr>
           <p:nvPr>
-            <p:ph idx="1" type="body"/>
+            <p:ph type="body" idx="1"/>
           </p:nvPr>
         </p:nvSpPr>
         <p:spPr>
@@ -8200,12 +9126,12 @@
           </a:prstGeom>
         </p:spPr>
         <p:txBody>
-          <a:bodyPr anchorCtr="0" anchor="t" bIns="91425" lIns="91425" spcFirstLastPara="1" rIns="91425" wrap="square" tIns="91425">
+          <a:bodyPr spcFirstLastPara="1" wrap="square" lIns="91425" tIns="91425" rIns="91425" bIns="91425" anchor="t" anchorCtr="0">
             <a:normAutofit/>
           </a:bodyPr>
           <a:lstStyle/>
           <a:p>
-            <a:pPr indent="0" lvl="0" marL="0" rtl="0" algn="l">
+            <a:pPr marL="0" lvl="0" indent="0" algn="l" rtl="0">
               <a:spcBef>
                 <a:spcPts val="0"/>
               </a:spcBef>
@@ -8231,11 +9157,11 @@
 </file>
 
 <file path=ppt/slides/slide8.xml><?xml version="1.0" encoding="utf-8"?>
-<p:sld xmlns:a="http://schemas.openxmlformats.org/drawingml/2006/main" xmlns:r="http://schemas.openxmlformats.org/officeDocument/2006/relationships" xmlns:mc="http://schemas.openxmlformats.org/markup-compatibility/2006" xmlns:mv="urn:schemas-microsoft-com:mac:vml" xmlns:p="http://schemas.openxmlformats.org/presentationml/2006/main" xmlns:c="http://schemas.openxmlformats.org/drawingml/2006/chart" xmlns:dgm="http://schemas.openxmlformats.org/drawingml/2006/diagram" xmlns:o="urn:schemas-microsoft-com:office:office" xmlns:v="urn:schemas-microsoft-com:vml" xmlns:pvml="urn:schemas-microsoft-com:office:powerpoint" xmlns:com="http://schemas.openxmlformats.org/drawingml/2006/compatibility" xmlns:p14="http://schemas.microsoft.com/office/powerpoint/2010/main" xmlns:p15="http://schemas.microsoft.com/office/powerpoint/2012/main" xmlns:ahyp="http://schemas.microsoft.com/office/drawing/2018/hyperlinkcolor">
+<p:sld xmlns:a="http://schemas.openxmlformats.org/drawingml/2006/main" xmlns:r="http://schemas.openxmlformats.org/officeDocument/2006/relationships" xmlns:p="http://schemas.openxmlformats.org/presentationml/2006/main">
   <p:cSld>
     <p:spTree>
       <p:nvGrpSpPr>
-        <p:cNvPr id="96" name="Shape 96"/>
+        <p:cNvPr id="1" name="Shape 96"/>
         <p:cNvGrpSpPr/>
         <p:nvPr/>
       </p:nvGrpSpPr>
@@ -8250,7 +9176,9 @@
       <p:sp>
         <p:nvSpPr>
           <p:cNvPr id="97" name="Google Shape;97;p20"/>
-          <p:cNvSpPr txBox="1"/>
+          <p:cNvSpPr txBox="1">
+            <a:spLocks noGrp="1"/>
+          </p:cNvSpPr>
           <p:nvPr>
             <p:ph type="title"/>
           </p:nvPr>
@@ -8265,12 +9193,12 @@
           </a:prstGeom>
         </p:spPr>
         <p:txBody>
-          <a:bodyPr anchorCtr="0" anchor="t" bIns="91425" lIns="91425" spcFirstLastPara="1" rIns="91425" wrap="square" tIns="91425">
+          <a:bodyPr spcFirstLastPara="1" wrap="square" lIns="91425" tIns="91425" rIns="91425" bIns="91425" anchor="t" anchorCtr="0">
             <a:normAutofit fontScale="90000"/>
           </a:bodyPr>
           <a:lstStyle/>
           <a:p>
-            <a:pPr indent="0" lvl="0" marL="0" rtl="0" algn="l">
+            <a:pPr marL="0" lvl="0" indent="0" algn="l" rtl="0">
               <a:spcBef>
                 <a:spcPts val="0"/>
               </a:spcBef>
@@ -8290,9 +9218,11 @@
       <p:sp>
         <p:nvSpPr>
           <p:cNvPr id="98" name="Google Shape;98;p20"/>
-          <p:cNvSpPr txBox="1"/>
+          <p:cNvSpPr txBox="1">
+            <a:spLocks noGrp="1"/>
+          </p:cNvSpPr>
           <p:nvPr>
-            <p:ph idx="1" type="body"/>
+            <p:ph type="body" idx="1"/>
           </p:nvPr>
         </p:nvSpPr>
         <p:spPr>
@@ -8305,12 +9235,12 @@
           </a:prstGeom>
         </p:spPr>
         <p:txBody>
-          <a:bodyPr anchorCtr="0" anchor="t" bIns="91425" lIns="91425" spcFirstLastPara="1" rIns="91425" wrap="square" tIns="91425">
+          <a:bodyPr spcFirstLastPara="1" wrap="square" lIns="91425" tIns="91425" rIns="91425" bIns="91425" anchor="t" anchorCtr="0">
             <a:normAutofit/>
           </a:bodyPr>
           <a:lstStyle/>
           <a:p>
-            <a:pPr indent="-342900" lvl="0" marL="457200" rtl="0" algn="l">
+            <a:pPr marL="457200" lvl="0" indent="-342900" algn="l" rtl="0">
               <a:spcBef>
                 <a:spcPts val="0"/>
               </a:spcBef>
@@ -8341,7 +9271,7 @@
             </a:endParaRPr>
           </a:p>
           <a:p>
-            <a:pPr indent="-342900" lvl="0" marL="457200" rtl="0" algn="l">
+            <a:pPr marL="457200" lvl="0" indent="-342900" algn="l" rtl="0">
               <a:spcBef>
                 <a:spcPts val="0"/>
               </a:spcBef>
@@ -8372,7 +9302,7 @@
             </a:endParaRPr>
           </a:p>
           <a:p>
-            <a:pPr indent="-342900" lvl="0" marL="457200" rtl="0" algn="l">
+            <a:pPr marL="457200" lvl="0" indent="-342900" algn="l" rtl="0">
               <a:spcBef>
                 <a:spcPts val="0"/>
               </a:spcBef>
@@ -8415,8 +9345,361 @@
 </p:sld>
 </file>
 
+<file path=ppt/slides/slide9.xml><?xml version="1.0" encoding="utf-8"?>
+<p:sld xmlns:a="http://schemas.openxmlformats.org/drawingml/2006/main" xmlns:r="http://schemas.openxmlformats.org/officeDocument/2006/relationships" xmlns:p="http://schemas.openxmlformats.org/presentationml/2006/main">
+  <p:cSld>
+    <p:spTree>
+      <p:nvGrpSpPr>
+        <p:cNvPr id="1" name="Shape 67"/>
+        <p:cNvGrpSpPr/>
+        <p:nvPr/>
+      </p:nvGrpSpPr>
+      <p:grpSpPr>
+        <a:xfrm>
+          <a:off x="0" y="0"/>
+          <a:ext cx="0" cy="0"/>
+          <a:chOff x="0" y="0"/>
+          <a:chExt cx="0" cy="0"/>
+        </a:xfrm>
+      </p:grpSpPr>
+      <p:sp>
+        <p:nvSpPr>
+          <p:cNvPr id="68" name="Google Shape;68;p15"/>
+          <p:cNvSpPr txBox="1">
+            <a:spLocks noGrp="1"/>
+          </p:cNvSpPr>
+          <p:nvPr>
+            <p:ph type="title"/>
+          </p:nvPr>
+        </p:nvSpPr>
+        <p:spPr>
+          <a:xfrm>
+            <a:off x="2802750" y="802500"/>
+            <a:ext cx="3538500" cy="3538500"/>
+          </a:xfrm>
+          <a:prstGeom prst="rect">
+            <a:avLst/>
+          </a:prstGeom>
+        </p:spPr>
+        <p:txBody>
+          <a:bodyPr spcFirstLastPara="1" wrap="square" lIns="91425" tIns="91425" rIns="91425" bIns="91425" anchor="ctr" anchorCtr="0">
+            <a:normAutofit/>
+          </a:bodyPr>
+          <a:lstStyle/>
+          <a:p>
+            <a:pPr marL="0" lvl="0" indent="0" algn="ctr" rtl="0">
+              <a:spcBef>
+                <a:spcPts val="0"/>
+              </a:spcBef>
+              <a:spcAft>
+                <a:spcPts val="0"/>
+              </a:spcAft>
+              <a:buNone/>
+            </a:pPr>
+            <a:r>
+              <a:rPr lang="en" dirty="0"/>
+              <a:t>Dangers &amp; Research</a:t>
+            </a:r>
+            <a:endParaRPr dirty="0"/>
+          </a:p>
+        </p:txBody>
+      </p:sp>
+    </p:spTree>
+    <p:extLst>
+      <p:ext uri="{BB962C8B-B14F-4D97-AF65-F5344CB8AC3E}">
+        <p14:creationId xmlns:p14="http://schemas.microsoft.com/office/powerpoint/2010/main" val="1619981449"/>
+      </p:ext>
+    </p:extLst>
+  </p:cSld>
+  <p:clrMapOvr>
+    <a:masterClrMapping/>
+  </p:clrMapOvr>
+</p:sld>
+</file>
+
 <file path=ppt/theme/theme1.xml><?xml version="1.0" encoding="utf-8"?>
-<a:theme xmlns:a="http://schemas.openxmlformats.org/drawingml/2006/main" xmlns:r="http://schemas.openxmlformats.org/officeDocument/2006/relationships">
+<a:theme xmlns:a="http://schemas.openxmlformats.org/drawingml/2006/main" name="Beach Day">
+  <a:themeElements>
+    <a:clrScheme name="Beach Day">
+      <a:dk1>
+        <a:srgbClr val="00FDC8"/>
+      </a:dk1>
+      <a:lt1>
+        <a:srgbClr val="FFFFFF"/>
+      </a:lt1>
+      <a:dk2>
+        <a:srgbClr val="666666"/>
+      </a:dk2>
+      <a:lt2>
+        <a:srgbClr val="EEEEEE"/>
+      </a:lt2>
+      <a:accent1>
+        <a:srgbClr val="212121"/>
+      </a:accent1>
+      <a:accent2>
+        <a:srgbClr val="455A64"/>
+      </a:accent2>
+      <a:accent3>
+        <a:srgbClr val="78909C"/>
+      </a:accent3>
+      <a:accent4>
+        <a:srgbClr val="7C7CE0"/>
+      </a:accent4>
+      <a:accent5>
+        <a:srgbClr val="DB4437"/>
+      </a:accent5>
+      <a:accent6>
+        <a:srgbClr val="F6CD4C"/>
+      </a:accent6>
+      <a:hlink>
+        <a:srgbClr val="DB4437"/>
+      </a:hlink>
+      <a:folHlink>
+        <a:srgbClr val="DB4437"/>
+      </a:folHlink>
+    </a:clrScheme>
+    <a:fontScheme name="Office">
+      <a:majorFont>
+        <a:latin typeface="Arial"/>
+        <a:ea typeface=""/>
+        <a:cs typeface=""/>
+        <a:font script="Jpan" typeface="ＭＳ Ｐゴシック"/>
+        <a:font script="Hang" typeface="맑은 고딕"/>
+        <a:font script="Hans" typeface="宋体"/>
+        <a:font script="Hant" typeface="新細明體"/>
+        <a:font script="Arab" typeface="Times New Roman"/>
+        <a:font script="Hebr" typeface="Times New Roman"/>
+        <a:font script="Thai" typeface="Angsana New"/>
+        <a:font script="Ethi" typeface="Nyala"/>
+        <a:font script="Beng" typeface="Vrinda"/>
+        <a:font script="Gujr" typeface="Shruti"/>
+        <a:font script="Khmr" typeface="MoolBoran"/>
+        <a:font script="Knda" typeface="Tunga"/>
+        <a:font script="Guru" typeface="Raavi"/>
+        <a:font script="Cans" typeface="Euphemia"/>
+        <a:font script="Cher" typeface="Plantagenet Cherokee"/>
+        <a:font script="Yiii" typeface="Microsoft Yi Baiti"/>
+        <a:font script="Tibt" typeface="Microsoft Himalaya"/>
+        <a:font script="Thaa" typeface="MV Boli"/>
+        <a:font script="Deva" typeface="Mangal"/>
+        <a:font script="Telu" typeface="Gautami"/>
+        <a:font script="Taml" typeface="Latha"/>
+        <a:font script="Syrc" typeface="Estrangelo Edessa"/>
+        <a:font script="Orya" typeface="Kalinga"/>
+        <a:font script="Mlym" typeface="Kartika"/>
+        <a:font script="Laoo" typeface="DokChampa"/>
+        <a:font script="Sinh" typeface="Iskoola Pota"/>
+        <a:font script="Mong" typeface="Mongolian Baiti"/>
+        <a:font script="Viet" typeface="Times New Roman"/>
+        <a:font script="Uigh" typeface="Microsoft Uighur"/>
+        <a:font script="Geor" typeface="Sylfaen"/>
+      </a:majorFont>
+      <a:minorFont>
+        <a:latin typeface="Arial"/>
+        <a:ea typeface=""/>
+        <a:cs typeface=""/>
+        <a:font script="Jpan" typeface="ＭＳ Ｐゴシック"/>
+        <a:font script="Hang" typeface="맑은 고딕"/>
+        <a:font script="Hans" typeface="宋体"/>
+        <a:font script="Hant" typeface="新細明體"/>
+        <a:font script="Arab" typeface="Arial"/>
+        <a:font script="Hebr" typeface="Arial"/>
+        <a:font script="Thai" typeface="Cordia New"/>
+        <a:font script="Ethi" typeface="Nyala"/>
+        <a:font script="Beng" typeface="Vrinda"/>
+        <a:font script="Gujr" typeface="Shruti"/>
+        <a:font script="Khmr" typeface="DaunPenh"/>
+        <a:font script="Knda" typeface="Tunga"/>
+        <a:font script="Guru" typeface="Raavi"/>
+        <a:font script="Cans" typeface="Euphemia"/>
+        <a:font script="Cher" typeface="Plantagenet Cherokee"/>
+        <a:font script="Yiii" typeface="Microsoft Yi Baiti"/>
+        <a:font script="Tibt" typeface="Microsoft Himalaya"/>
+        <a:font script="Thaa" typeface="MV Boli"/>
+        <a:font script="Deva" typeface="Mangal"/>
+        <a:font script="Telu" typeface="Gautami"/>
+        <a:font script="Taml" typeface="Latha"/>
+        <a:font script="Syrc" typeface="Estrangelo Edessa"/>
+        <a:font script="Orya" typeface="Kalinga"/>
+        <a:font script="Mlym" typeface="Kartika"/>
+        <a:font script="Laoo" typeface="DokChampa"/>
+        <a:font script="Sinh" typeface="Iskoola Pota"/>
+        <a:font script="Mong" typeface="Mongolian Baiti"/>
+        <a:font script="Viet" typeface="Arial"/>
+        <a:font script="Uigh" typeface="Microsoft Uighur"/>
+        <a:font script="Geor" typeface="Sylfaen"/>
+      </a:minorFont>
+    </a:fontScheme>
+    <a:fmtScheme name="Office">
+      <a:fillStyleLst>
+        <a:solidFill>
+          <a:schemeClr val="phClr"/>
+        </a:solidFill>
+        <a:gradFill rotWithShape="1">
+          <a:gsLst>
+            <a:gs pos="0">
+              <a:schemeClr val="phClr">
+                <a:tint val="50000"/>
+                <a:satMod val="300000"/>
+              </a:schemeClr>
+            </a:gs>
+            <a:gs pos="35000">
+              <a:schemeClr val="phClr">
+                <a:tint val="37000"/>
+                <a:satMod val="300000"/>
+              </a:schemeClr>
+            </a:gs>
+            <a:gs pos="100000">
+              <a:schemeClr val="phClr">
+                <a:tint val="15000"/>
+                <a:satMod val="350000"/>
+              </a:schemeClr>
+            </a:gs>
+          </a:gsLst>
+          <a:lin ang="16200000" scaled="1"/>
+        </a:gradFill>
+        <a:gradFill rotWithShape="1">
+          <a:gsLst>
+            <a:gs pos="0">
+              <a:schemeClr val="phClr">
+                <a:tint val="100000"/>
+                <a:shade val="100000"/>
+                <a:satMod val="130000"/>
+              </a:schemeClr>
+            </a:gs>
+            <a:gs pos="100000">
+              <a:schemeClr val="phClr">
+                <a:tint val="50000"/>
+                <a:shade val="100000"/>
+                <a:satMod val="350000"/>
+              </a:schemeClr>
+            </a:gs>
+          </a:gsLst>
+          <a:lin ang="16200000" scaled="0"/>
+        </a:gradFill>
+      </a:fillStyleLst>
+      <a:lnStyleLst>
+        <a:ln w="9525" cap="flat" cmpd="sng" algn="ctr">
+          <a:solidFill>
+            <a:schemeClr val="phClr">
+              <a:shade val="95000"/>
+              <a:satMod val="105000"/>
+            </a:schemeClr>
+          </a:solidFill>
+          <a:prstDash val="solid"/>
+        </a:ln>
+        <a:ln w="25400" cap="flat" cmpd="sng" algn="ctr">
+          <a:solidFill>
+            <a:schemeClr val="phClr"/>
+          </a:solidFill>
+          <a:prstDash val="solid"/>
+        </a:ln>
+        <a:ln w="38100" cap="flat" cmpd="sng" algn="ctr">
+          <a:solidFill>
+            <a:schemeClr val="phClr"/>
+          </a:solidFill>
+          <a:prstDash val="solid"/>
+        </a:ln>
+      </a:lnStyleLst>
+      <a:effectStyleLst>
+        <a:effectStyle>
+          <a:effectLst>
+            <a:outerShdw blurRad="40000" dist="20000" dir="5400000" rotWithShape="0">
+              <a:srgbClr val="000000">
+                <a:alpha val="38000"/>
+              </a:srgbClr>
+            </a:outerShdw>
+          </a:effectLst>
+        </a:effectStyle>
+        <a:effectStyle>
+          <a:effectLst>
+            <a:outerShdw blurRad="40000" dist="23000" dir="5400000" rotWithShape="0">
+              <a:srgbClr val="000000">
+                <a:alpha val="35000"/>
+              </a:srgbClr>
+            </a:outerShdw>
+          </a:effectLst>
+        </a:effectStyle>
+        <a:effectStyle>
+          <a:effectLst>
+            <a:outerShdw blurRad="40000" dist="23000" dir="5400000" rotWithShape="0">
+              <a:srgbClr val="000000">
+                <a:alpha val="35000"/>
+              </a:srgbClr>
+            </a:outerShdw>
+          </a:effectLst>
+          <a:scene3d>
+            <a:camera prst="orthographicFront">
+              <a:rot lat="0" lon="0" rev="0"/>
+            </a:camera>
+            <a:lightRig rig="threePt" dir="t">
+              <a:rot lat="0" lon="0" rev="1200000"/>
+            </a:lightRig>
+          </a:scene3d>
+          <a:sp3d>
+            <a:bevelT w="63500" h="25400"/>
+          </a:sp3d>
+        </a:effectStyle>
+      </a:effectStyleLst>
+      <a:bgFillStyleLst>
+        <a:solidFill>
+          <a:schemeClr val="phClr"/>
+        </a:solidFill>
+        <a:gradFill rotWithShape="1">
+          <a:gsLst>
+            <a:gs pos="0">
+              <a:schemeClr val="phClr">
+                <a:tint val="40000"/>
+                <a:satMod val="350000"/>
+              </a:schemeClr>
+            </a:gs>
+            <a:gs pos="40000">
+              <a:schemeClr val="phClr">
+                <a:tint val="45000"/>
+                <a:shade val="99000"/>
+                <a:satMod val="350000"/>
+              </a:schemeClr>
+            </a:gs>
+            <a:gs pos="100000">
+              <a:schemeClr val="phClr">
+                <a:shade val="20000"/>
+                <a:satMod val="255000"/>
+              </a:schemeClr>
+            </a:gs>
+          </a:gsLst>
+          <a:path path="circle">
+            <a:fillToRect l="50000" t="-80000" r="50000" b="180000"/>
+          </a:path>
+        </a:gradFill>
+        <a:gradFill rotWithShape="1">
+          <a:gsLst>
+            <a:gs pos="0">
+              <a:schemeClr val="phClr">
+                <a:tint val="80000"/>
+                <a:satMod val="300000"/>
+              </a:schemeClr>
+            </a:gs>
+            <a:gs pos="100000">
+              <a:schemeClr val="phClr">
+                <a:shade val="30000"/>
+                <a:satMod val="200000"/>
+              </a:schemeClr>
+            </a:gs>
+          </a:gsLst>
+          <a:path path="circle">
+            <a:fillToRect l="50000" t="50000" r="50000" b="50000"/>
+          </a:path>
+        </a:gradFill>
+      </a:bgFillStyleLst>
+    </a:fmtScheme>
+  </a:themeElements>
+  <a:objectDefaults/>
+  <a:extraClrSchemeLst/>
+</a:theme>
+</file>
+
+<file path=ppt/theme/theme2.xml><?xml version="1.0" encoding="utf-8"?>
+<a:theme xmlns:a="http://schemas.openxmlformats.org/drawingml/2006/main">
   <a:themeElements>
     <a:clrScheme name="Default">
       <a:dk1>
@@ -8691,284 +9974,7 @@
       </a:bgFillStyleLst>
     </a:fmtScheme>
   </a:themeElements>
-</a:theme>
-</file>
-
-<file path=ppt/theme/theme2.xml><?xml version="1.0" encoding="utf-8"?>
-<a:theme xmlns:a="http://schemas.openxmlformats.org/drawingml/2006/main" xmlns:r="http://schemas.openxmlformats.org/officeDocument/2006/relationships" name="Beach Day">
-  <a:themeElements>
-    <a:clrScheme name="Beach Day">
-      <a:dk1>
-        <a:srgbClr val="00FDC8"/>
-      </a:dk1>
-      <a:lt1>
-        <a:srgbClr val="FFFFFF"/>
-      </a:lt1>
-      <a:dk2>
-        <a:srgbClr val="666666"/>
-      </a:dk2>
-      <a:lt2>
-        <a:srgbClr val="EEEEEE"/>
-      </a:lt2>
-      <a:accent1>
-        <a:srgbClr val="212121"/>
-      </a:accent1>
-      <a:accent2>
-        <a:srgbClr val="455A64"/>
-      </a:accent2>
-      <a:accent3>
-        <a:srgbClr val="78909C"/>
-      </a:accent3>
-      <a:accent4>
-        <a:srgbClr val="7C7CE0"/>
-      </a:accent4>
-      <a:accent5>
-        <a:srgbClr val="DB4437"/>
-      </a:accent5>
-      <a:accent6>
-        <a:srgbClr val="F6CD4C"/>
-      </a:accent6>
-      <a:hlink>
-        <a:srgbClr val="DB4437"/>
-      </a:hlink>
-      <a:folHlink>
-        <a:srgbClr val="DB4437"/>
-      </a:folHlink>
-    </a:clrScheme>
-    <a:fontScheme name="Office">
-      <a:majorFont>
-        <a:latin typeface="Arial"/>
-        <a:ea typeface=""/>
-        <a:cs typeface=""/>
-        <a:font script="Jpan" typeface="ＭＳ Ｐゴシック"/>
-        <a:font script="Hang" typeface="맑은 고딕"/>
-        <a:font script="Hans" typeface="宋体"/>
-        <a:font script="Hant" typeface="新細明體"/>
-        <a:font script="Arab" typeface="Times New Roman"/>
-        <a:font script="Hebr" typeface="Times New Roman"/>
-        <a:font script="Thai" typeface="Angsana New"/>
-        <a:font script="Ethi" typeface="Nyala"/>
-        <a:font script="Beng" typeface="Vrinda"/>
-        <a:font script="Gujr" typeface="Shruti"/>
-        <a:font script="Khmr" typeface="MoolBoran"/>
-        <a:font script="Knda" typeface="Tunga"/>
-        <a:font script="Guru" typeface="Raavi"/>
-        <a:font script="Cans" typeface="Euphemia"/>
-        <a:font script="Cher" typeface="Plantagenet Cherokee"/>
-        <a:font script="Yiii" typeface="Microsoft Yi Baiti"/>
-        <a:font script="Tibt" typeface="Microsoft Himalaya"/>
-        <a:font script="Thaa" typeface="MV Boli"/>
-        <a:font script="Deva" typeface="Mangal"/>
-        <a:font script="Telu" typeface="Gautami"/>
-        <a:font script="Taml" typeface="Latha"/>
-        <a:font script="Syrc" typeface="Estrangelo Edessa"/>
-        <a:font script="Orya" typeface="Kalinga"/>
-        <a:font script="Mlym" typeface="Kartika"/>
-        <a:font script="Laoo" typeface="DokChampa"/>
-        <a:font script="Sinh" typeface="Iskoola Pota"/>
-        <a:font script="Mong" typeface="Mongolian Baiti"/>
-        <a:font script="Viet" typeface="Times New Roman"/>
-        <a:font script="Uigh" typeface="Microsoft Uighur"/>
-        <a:font script="Geor" typeface="Sylfaen"/>
-      </a:majorFont>
-      <a:minorFont>
-        <a:latin typeface="Arial"/>
-        <a:ea typeface=""/>
-        <a:cs typeface=""/>
-        <a:font script="Jpan" typeface="ＭＳ Ｐゴシック"/>
-        <a:font script="Hang" typeface="맑은 고딕"/>
-        <a:font script="Hans" typeface="宋体"/>
-        <a:font script="Hant" typeface="新細明體"/>
-        <a:font script="Arab" typeface="Arial"/>
-        <a:font script="Hebr" typeface="Arial"/>
-        <a:font script="Thai" typeface="Cordia New"/>
-        <a:font script="Ethi" typeface="Nyala"/>
-        <a:font script="Beng" typeface="Vrinda"/>
-        <a:font script="Gujr" typeface="Shruti"/>
-        <a:font script="Khmr" typeface="DaunPenh"/>
-        <a:font script="Knda" typeface="Tunga"/>
-        <a:font script="Guru" typeface="Raavi"/>
-        <a:font script="Cans" typeface="Euphemia"/>
-        <a:font script="Cher" typeface="Plantagenet Cherokee"/>
-        <a:font script="Yiii" typeface="Microsoft Yi Baiti"/>
-        <a:font script="Tibt" typeface="Microsoft Himalaya"/>
-        <a:font script="Thaa" typeface="MV Boli"/>
-        <a:font script="Deva" typeface="Mangal"/>
-        <a:font script="Telu" typeface="Gautami"/>
-        <a:font script="Taml" typeface="Latha"/>
-        <a:font script="Syrc" typeface="Estrangelo Edessa"/>
-        <a:font script="Orya" typeface="Kalinga"/>
-        <a:font script="Mlym" typeface="Kartika"/>
-        <a:font script="Laoo" typeface="DokChampa"/>
-        <a:font script="Sinh" typeface="Iskoola Pota"/>
-        <a:font script="Mong" typeface="Mongolian Baiti"/>
-        <a:font script="Viet" typeface="Arial"/>
-        <a:font script="Uigh" typeface="Microsoft Uighur"/>
-        <a:font script="Geor" typeface="Sylfaen"/>
-      </a:minorFont>
-    </a:fontScheme>
-    <a:fmtScheme name="Office">
-      <a:fillStyleLst>
-        <a:solidFill>
-          <a:schemeClr val="phClr"/>
-        </a:solidFill>
-        <a:gradFill rotWithShape="1">
-          <a:gsLst>
-            <a:gs pos="0">
-              <a:schemeClr val="phClr">
-                <a:tint val="50000"/>
-                <a:satMod val="300000"/>
-              </a:schemeClr>
-            </a:gs>
-            <a:gs pos="35000">
-              <a:schemeClr val="phClr">
-                <a:tint val="37000"/>
-                <a:satMod val="300000"/>
-              </a:schemeClr>
-            </a:gs>
-            <a:gs pos="100000">
-              <a:schemeClr val="phClr">
-                <a:tint val="15000"/>
-                <a:satMod val="350000"/>
-              </a:schemeClr>
-            </a:gs>
-          </a:gsLst>
-          <a:lin ang="16200000" scaled="1"/>
-        </a:gradFill>
-        <a:gradFill rotWithShape="1">
-          <a:gsLst>
-            <a:gs pos="0">
-              <a:schemeClr val="phClr">
-                <a:tint val="100000"/>
-                <a:shade val="100000"/>
-                <a:satMod val="130000"/>
-              </a:schemeClr>
-            </a:gs>
-            <a:gs pos="100000">
-              <a:schemeClr val="phClr">
-                <a:tint val="50000"/>
-                <a:shade val="100000"/>
-                <a:satMod val="350000"/>
-              </a:schemeClr>
-            </a:gs>
-          </a:gsLst>
-          <a:lin ang="16200000" scaled="0"/>
-        </a:gradFill>
-      </a:fillStyleLst>
-      <a:lnStyleLst>
-        <a:ln w="9525" cap="flat" cmpd="sng" algn="ctr">
-          <a:solidFill>
-            <a:schemeClr val="phClr">
-              <a:shade val="95000"/>
-              <a:satMod val="105000"/>
-            </a:schemeClr>
-          </a:solidFill>
-          <a:prstDash val="solid"/>
-        </a:ln>
-        <a:ln w="25400" cap="flat" cmpd="sng" algn="ctr">
-          <a:solidFill>
-            <a:schemeClr val="phClr"/>
-          </a:solidFill>
-          <a:prstDash val="solid"/>
-        </a:ln>
-        <a:ln w="38100" cap="flat" cmpd="sng" algn="ctr">
-          <a:solidFill>
-            <a:schemeClr val="phClr"/>
-          </a:solidFill>
-          <a:prstDash val="solid"/>
-        </a:ln>
-      </a:lnStyleLst>
-      <a:effectStyleLst>
-        <a:effectStyle>
-          <a:effectLst>
-            <a:outerShdw blurRad="40000" dist="20000" dir="5400000" rotWithShape="0">
-              <a:srgbClr val="000000">
-                <a:alpha val="38000"/>
-              </a:srgbClr>
-            </a:outerShdw>
-          </a:effectLst>
-        </a:effectStyle>
-        <a:effectStyle>
-          <a:effectLst>
-            <a:outerShdw blurRad="40000" dist="23000" dir="5400000" rotWithShape="0">
-              <a:srgbClr val="000000">
-                <a:alpha val="35000"/>
-              </a:srgbClr>
-            </a:outerShdw>
-          </a:effectLst>
-        </a:effectStyle>
-        <a:effectStyle>
-          <a:effectLst>
-            <a:outerShdw blurRad="40000" dist="23000" dir="5400000" rotWithShape="0">
-              <a:srgbClr val="000000">
-                <a:alpha val="35000"/>
-              </a:srgbClr>
-            </a:outerShdw>
-          </a:effectLst>
-          <a:scene3d>
-            <a:camera prst="orthographicFront">
-              <a:rot lat="0" lon="0" rev="0"/>
-            </a:camera>
-            <a:lightRig rig="threePt" dir="t">
-              <a:rot lat="0" lon="0" rev="1200000"/>
-            </a:lightRig>
-          </a:scene3d>
-          <a:sp3d>
-            <a:bevelT w="63500" h="25400"/>
-          </a:sp3d>
-        </a:effectStyle>
-      </a:effectStyleLst>
-      <a:bgFillStyleLst>
-        <a:solidFill>
-          <a:schemeClr val="phClr"/>
-        </a:solidFill>
-        <a:gradFill rotWithShape="1">
-          <a:gsLst>
-            <a:gs pos="0">
-              <a:schemeClr val="phClr">
-                <a:tint val="40000"/>
-                <a:satMod val="350000"/>
-              </a:schemeClr>
-            </a:gs>
-            <a:gs pos="40000">
-              <a:schemeClr val="phClr">
-                <a:tint val="45000"/>
-                <a:shade val="99000"/>
-                <a:satMod val="350000"/>
-              </a:schemeClr>
-            </a:gs>
-            <a:gs pos="100000">
-              <a:schemeClr val="phClr">
-                <a:shade val="20000"/>
-                <a:satMod val="255000"/>
-              </a:schemeClr>
-            </a:gs>
-          </a:gsLst>
-          <a:path path="circle">
-            <a:fillToRect l="50000" t="-80000" r="50000" b="180000"/>
-          </a:path>
-        </a:gradFill>
-        <a:gradFill rotWithShape="1">
-          <a:gsLst>
-            <a:gs pos="0">
-              <a:schemeClr val="phClr">
-                <a:tint val="80000"/>
-                <a:satMod val="300000"/>
-              </a:schemeClr>
-            </a:gs>
-            <a:gs pos="100000">
-              <a:schemeClr val="phClr">
-                <a:shade val="30000"/>
-                <a:satMod val="200000"/>
-              </a:schemeClr>
-            </a:gs>
-          </a:gsLst>
-          <a:path path="circle">
-            <a:fillToRect l="50000" t="50000" r="50000" b="50000"/>
-          </a:path>
-        </a:gradFill>
-      </a:bgFillStyleLst>
-    </a:fmtScheme>
-  </a:themeElements>
+  <a:objectDefaults/>
+  <a:extraClrSchemeLst/>
 </a:theme>
 </file>
--- a/WebScraping/Data Sources.pptx
+++ b/WebScraping/Data Sources.pptx
@@ -24,7 +24,7 @@
   <p:notesSz cx="6858000" cy="9144000"/>
   <p:embeddedFontLst>
     <p:embeddedFont>
-      <p:font typeface="Amatic SC" panose="020B0604020202020204" pitchFamily="2" charset="-79"/>
+      <p:font typeface="Amatic SC" pitchFamily="2" charset="-79"/>
       <p:regular r:id="rId14"/>
       <p:bold r:id="rId15"/>
     </p:embeddedFont>
@@ -1596,7 +1596,7 @@
         </p:nvSpPr>
         <p:spPr>
           <a:xfrm>
-            <a:off x="381300" y="685800"/>
+            <a:off x="381000" y="685800"/>
             <a:ext cx="6096000" cy="3429000"/>
           </a:xfrm>
           <a:custGeom>
@@ -9141,10 +9141,10 @@
               <a:buNone/>
             </a:pPr>
             <a:r>
-              <a:rPr lang="en"/>
-              <a:t>Stock data but limited in the length of time that you can see the full data due to proprietary reasons.  May work well for some projects but many complete, historical financial datasets costs money to retrieve so be careful knowing that the data exists if you choose to use it in your projects</a:t>
+              <a:rPr lang="en" dirty="0"/>
+              <a:t>Stock data but full data is limited in the length of time accessible due to proprietary reasons.  May work well for some projects but many complete, historical financial datasets costs money to retrieve. Be careful knowing that the full data exists and is retrievable before you choose to use it in your projects.</a:t>
             </a:r>
-            <a:endParaRPr/>
+            <a:endParaRPr dirty="0"/>
           </a:p>
         </p:txBody>
       </p:sp>

--- a/WebScraping/Data Sources.pptx
+++ b/WebScraping/Data Sources.pptx
@@ -7733,7 +7733,29 @@
                   <a:schemeClr val="lt1"/>
                 </a:highlight>
               </a:rPr>
-              <a:t>Talk to people industry</a:t>
+              <a:t>Talk to people in </a:t>
+            </a:r>
+            <a:r>
+              <a:rPr lang="en-US">
+                <a:solidFill>
+                  <a:srgbClr val="5A5A5A"/>
+                </a:solidFill>
+                <a:highlight>
+                  <a:schemeClr val="lt1"/>
+                </a:highlight>
+              </a:rPr>
+              <a:t>a relevant </a:t>
+            </a:r>
+            <a:r>
+              <a:rPr lang="en-US" dirty="0">
+                <a:solidFill>
+                  <a:srgbClr val="5A5A5A"/>
+                </a:solidFill>
+                <a:highlight>
+                  <a:schemeClr val="lt1"/>
+                </a:highlight>
+              </a:rPr>
+              <a:t>industry</a:t>
             </a:r>
           </a:p>
           <a:p>
